--- a/semaine3/CO12AL-W3-VIDEO07-SLIDE01.pptx
+++ b/semaine3/CO12AL-W3-VIDEO07-SLIDE01.pptx
@@ -5,17 +5,19 @@
     <p:sldMasterId id="2147483649" r:id="rId1"/>
   </p:sldMasterIdLst>
   <p:notesMasterIdLst>
-    <p:notesMasterId r:id="rId7"/>
+    <p:notesMasterId r:id="rId9"/>
   </p:notesMasterIdLst>
   <p:handoutMasterIdLst>
-    <p:handoutMasterId r:id="rId8"/>
+    <p:handoutMasterId r:id="rId10"/>
   </p:handoutMasterIdLst>
   <p:sldIdLst>
     <p:sldId id="257" r:id="rId2"/>
     <p:sldId id="262" r:id="rId3"/>
-    <p:sldId id="258" r:id="rId4"/>
-    <p:sldId id="261" r:id="rId5"/>
-    <p:sldId id="259" r:id="rId6"/>
+    <p:sldId id="266" r:id="rId4"/>
+    <p:sldId id="264" r:id="rId5"/>
+    <p:sldId id="265" r:id="rId6"/>
+    <p:sldId id="267" r:id="rId7"/>
+    <p:sldId id="259" r:id="rId8"/>
   </p:sldIdLst>
   <p:sldSz cx="12192000" cy="6858000"/>
   <p:notesSz cx="7099300" cy="10234613"/>
@@ -151,15 +153,17 @@
           <p14:sldIdLst>
             <p14:sldId id="257"/>
             <p14:sldId id="262"/>
-            <p14:sldId id="258"/>
-            <p14:sldId id="261"/>
+            <p14:sldId id="266"/>
+            <p14:sldId id="264"/>
+            <p14:sldId id="265"/>
+            <p14:sldId id="267"/>
             <p14:sldId id="259"/>
           </p14:sldIdLst>
         </p14:section>
       </p14:sectionLst>
     </p:ext>
     <p:ext uri="{EFAFB233-063F-42B5-8137-9DF3F51BA10A}">
-      <p15:sldGuideLst xmlns:p15="http://schemas.microsoft.com/office/powerpoint/2012/main" xmlns="">
+      <p15:sldGuideLst xmlns:p15="http://schemas.microsoft.com/office/powerpoint/2012/main">
         <p15:guide id="1" orient="horz" pos="2160" userDrawn="1">
           <p15:clr>
             <a:srgbClr val="A4A3A4"/>
@@ -410,7 +414,7 @@
               <a:pPr>
                 <a:defRPr/>
               </a:pPr>
-              <a:t>‹#›</a:t>
+              <a:t>‹N°›</a:t>
             </a:fld>
             <a:endParaRPr lang="en-US"/>
           </a:p>
@@ -585,7 +589,7 @@
           </a:ln>
           <a:extLst>
             <a:ext uri="{909E8E84-426E-40dd-AFC4-6F175D3DCCD1}">
-              <a14:hiddenFill xmlns:a14="http://schemas.microsoft.com/office/drawing/2010/main">
+              <a14:hiddenFill xmlns="" xmlns:a14="http://schemas.microsoft.com/office/drawing/2010/main">
                 <a:solidFill>
                   <a:srgbClr val="FFFFFF"/>
                 </a:solidFill>
@@ -770,7 +774,7 @@
               <a:pPr>
                 <a:defRPr/>
               </a:pPr>
-              <a:t>‹#›</a:t>
+              <a:t>‹N°›</a:t>
             </a:fld>
             <a:endParaRPr lang="en-US"/>
           </a:p>
@@ -1097,104 +1101,8 @@
           <a:p>
             <a:r>
               <a:rPr lang="fr-FR" dirty="0" smtClean="0"/>
-              <a:t>Le résultat</a:t>
-            </a:r>
-            <a:r>
-              <a:rPr lang="fr-FR" baseline="0" dirty="0" smtClean="0"/>
-              <a:t> d’un test retourne toujours soit </a:t>
-            </a:r>
-            <a:r>
-              <a:rPr lang="fr-FR" baseline="0" dirty="0" err="1" smtClean="0"/>
-              <a:t>True</a:t>
-            </a:r>
-            <a:r>
-              <a:rPr lang="fr-FR" baseline="0" dirty="0" smtClean="0"/>
-              <a:t> soit False. Il peut être :</a:t>
-            </a:r>
-          </a:p>
-          <a:p>
-            <a:r>
-              <a:rPr lang="fr-FR" baseline="0" dirty="0" smtClean="0"/>
-              <a:t>-soit le résultat d’un opérateur de comparaisons,</a:t>
-            </a:r>
-          </a:p>
-          <a:p>
-            <a:r>
-              <a:rPr lang="fr-FR" baseline="0" dirty="0" smtClean="0"/>
-              <a:t>-soit le retour d’une </a:t>
-            </a:r>
-            <a:r>
-              <a:rPr lang="fr-FR" baseline="0" dirty="0" smtClean="0"/>
-              <a:t>fonction</a:t>
-            </a:r>
-            <a:endParaRPr lang="fr-FR" baseline="0" dirty="0" smtClean="0"/>
-          </a:p>
-          <a:p>
-            <a:r>
-              <a:rPr lang="fr-FR" baseline="0" dirty="0" smtClean="0"/>
-              <a:t>-soit l’évaluation d’un type </a:t>
-            </a:r>
-            <a:r>
-              <a:rPr lang="fr-FR" baseline="0" dirty="0" err="1" smtClean="0"/>
-              <a:t>built</a:t>
-            </a:r>
-            <a:r>
-              <a:rPr lang="fr-FR" baseline="0" dirty="0" smtClean="0"/>
-              <a:t>-in. </a:t>
-            </a:r>
-          </a:p>
-          <a:p>
-            <a:r>
-              <a:rPr lang="fr-FR" baseline="0" dirty="0" smtClean="0"/>
-              <a:t>-soit le résultat d’un opérateur de test </a:t>
-            </a:r>
-            <a:r>
-              <a:rPr lang="fr-FR" baseline="0" dirty="0" smtClean="0"/>
-              <a:t>booléen</a:t>
-            </a:r>
-          </a:p>
-          <a:p>
-            <a:endParaRPr lang="fr-FR" baseline="0" dirty="0" smtClean="0"/>
-          </a:p>
-          <a:p>
-            <a:r>
-              <a:rPr lang="fr-FR" baseline="0" dirty="0" smtClean="0"/>
-              <a:t>XXX: je ne suis pas d</a:t>
-            </a:r>
-            <a:r>
-              <a:rPr lang="fr-FR" baseline="0" dirty="0" smtClean="0"/>
-              <a:t>’accord avec cette façon de présenter:</a:t>
-            </a:r>
-          </a:p>
-          <a:p>
-            <a:r>
-              <a:rPr lang="fr-FR" dirty="0" smtClean="0"/>
-              <a:t>Le résultat</a:t>
-            </a:r>
-            <a:r>
-              <a:rPr lang="fr-FR" baseline="0" dirty="0" smtClean="0"/>
-              <a:t> d’un test retourne toujours soit </a:t>
-            </a:r>
-            <a:r>
-              <a:rPr lang="fr-FR" baseline="0" dirty="0" err="1" smtClean="0"/>
-              <a:t>True</a:t>
-            </a:r>
-            <a:r>
-              <a:rPr lang="fr-FR" baseline="0" dirty="0" smtClean="0"/>
-              <a:t> soit False</a:t>
-            </a:r>
-          </a:p>
-          <a:p>
-            <a:r>
-              <a:rPr lang="fr-FR" baseline="0" dirty="0" smtClean="0"/>
-              <a:t>Ceci sous-entend que je ne peux faire des tests qu</a:t>
-            </a:r>
-            <a:r>
-              <a:rPr lang="fr-FR" baseline="0" dirty="0" smtClean="0"/>
-              <a:t>’avec une valeur booléenne, alors que ce n’est pas le cas…</a:t>
-            </a:r>
-          </a:p>
-          <a:p>
+              <a:t>Test classique</a:t>
+            </a:r>
             <a:endParaRPr lang="fr-FR" dirty="0"/>
           </a:p>
         </p:txBody>
@@ -1290,225 +1198,7 @@
           <a:bodyPr/>
           <a:lstStyle/>
           <a:p>
-            <a:r>
-              <a:rPr lang="fr-FR" dirty="0" smtClean="0"/>
-              <a:t>note </a:t>
-            </a:r>
-            <a:r>
-              <a:rPr lang="fr-FR" dirty="0" smtClean="0"/>
-              <a:t>&gt; 12 n’est </a:t>
-            </a:r>
-            <a:r>
-              <a:rPr lang="fr-FR" dirty="0" smtClean="0"/>
-              <a:t>jamais</a:t>
-            </a:r>
-            <a:r>
-              <a:rPr lang="fr-FR" baseline="0" dirty="0" smtClean="0"/>
-              <a:t> </a:t>
-            </a:r>
-            <a:r>
-              <a:rPr lang="fr-FR" baseline="0" dirty="0" smtClean="0"/>
-              <a:t>évalué puisque note &gt; 10 est toujours </a:t>
-            </a:r>
-            <a:r>
-              <a:rPr lang="fr-FR" baseline="0" dirty="0" err="1" smtClean="0"/>
-              <a:t>True</a:t>
-            </a:r>
-            <a:r>
-              <a:rPr lang="fr-FR" baseline="0" dirty="0" smtClean="0"/>
-              <a:t> si note &gt; </a:t>
-            </a:r>
-            <a:r>
-              <a:rPr lang="fr-FR" baseline="0" dirty="0" smtClean="0"/>
-              <a:t>12</a:t>
-            </a:r>
-          </a:p>
-          <a:p>
-            <a:endParaRPr lang="fr-FR" baseline="0" dirty="0" smtClean="0"/>
-          </a:p>
-          <a:p>
-            <a:r>
-              <a:rPr lang="fr-FR" baseline="0" dirty="0" smtClean="0"/>
-              <a:t>XXX: je trouve que pour un tout premier exemple de if (en tous cas cette semaine) cet exemple est </a:t>
-            </a:r>
-            <a:r>
-              <a:rPr lang="fr-FR" baseline="0" dirty="0" err="1" smtClean="0"/>
-              <a:t>confusant</a:t>
-            </a:r>
-            <a:endParaRPr lang="fr-FR" baseline="0" dirty="0" smtClean="0"/>
-          </a:p>
-          <a:p>
-            <a:r>
-              <a:rPr lang="fr-FR" baseline="0" dirty="0" smtClean="0"/>
-              <a:t>Pourquoi ne pas commencer par une </a:t>
-            </a:r>
-            <a:r>
-              <a:rPr lang="fr-FR" baseline="0" dirty="0" err="1" smtClean="0"/>
-              <a:t>premiere</a:t>
-            </a:r>
-            <a:r>
-              <a:rPr lang="fr-FR" baseline="0" dirty="0" smtClean="0"/>
-              <a:t> version </a:t>
-            </a:r>
-            <a:r>
-              <a:rPr lang="fr-FR" baseline="0" dirty="0" smtClean="0"/>
-              <a:t>‘clean’, genre</a:t>
-            </a:r>
-          </a:p>
-          <a:p>
-            <a:r>
-              <a:rPr lang="fr-FR" baseline="0" dirty="0" smtClean="0"/>
-              <a:t>If note &gt;12: …</a:t>
-            </a:r>
-          </a:p>
-          <a:p>
-            <a:r>
-              <a:rPr lang="fr-FR" baseline="0" dirty="0" err="1" smtClean="0"/>
-              <a:t>elif</a:t>
-            </a:r>
-            <a:r>
-              <a:rPr lang="fr-FR" baseline="0" dirty="0" smtClean="0"/>
-              <a:t> note &gt;10: …</a:t>
-            </a:r>
-          </a:p>
-          <a:p>
-            <a:r>
-              <a:rPr lang="fr-FR" baseline="0" dirty="0" err="1" smtClean="0"/>
-              <a:t>else</a:t>
-            </a:r>
-            <a:r>
-              <a:rPr lang="fr-FR" baseline="0" dirty="0" smtClean="0"/>
-              <a:t>: …</a:t>
-            </a:r>
-          </a:p>
-          <a:p>
-            <a:endParaRPr lang="fr-FR" baseline="0" dirty="0" smtClean="0"/>
-          </a:p>
-          <a:p>
-            <a:r>
-              <a:rPr lang="fr-FR" baseline="0" dirty="0" smtClean="0"/>
-              <a:t>Je crois qu’on pourrait de cette </a:t>
-            </a:r>
-            <a:r>
-              <a:rPr lang="fr-FR" baseline="0" dirty="0" err="1" smtClean="0"/>
-              <a:t>facon</a:t>
-            </a:r>
-            <a:r>
-              <a:rPr lang="fr-FR" baseline="0" dirty="0" smtClean="0"/>
-              <a:t> faire l’</a:t>
-            </a:r>
-            <a:r>
-              <a:rPr lang="fr-FR" baseline="0" dirty="0" err="1" smtClean="0"/>
-              <a:t>economie</a:t>
-            </a:r>
-            <a:r>
-              <a:rPr lang="fr-FR" baseline="0" dirty="0" smtClean="0"/>
-              <a:t> des 3 versions du programme, qui IMHO are more </a:t>
-            </a:r>
-            <a:r>
-              <a:rPr lang="fr-FR" baseline="0" dirty="0" err="1" smtClean="0"/>
-              <a:t>confusing</a:t>
-            </a:r>
-            <a:r>
-              <a:rPr lang="fr-FR" baseline="0" dirty="0" smtClean="0"/>
-              <a:t> </a:t>
-            </a:r>
-            <a:r>
-              <a:rPr lang="fr-FR" baseline="0" dirty="0" err="1" smtClean="0"/>
-              <a:t>than</a:t>
-            </a:r>
-            <a:r>
-              <a:rPr lang="fr-FR" baseline="0" dirty="0" smtClean="0"/>
-              <a:t> </a:t>
-            </a:r>
-            <a:r>
-              <a:rPr lang="fr-FR" baseline="0" smtClean="0"/>
-              <a:t>helpful</a:t>
-            </a:r>
-            <a:endParaRPr lang="fr-FR" baseline="0" dirty="0" smtClean="0"/>
-          </a:p>
-          <a:p>
-            <a:endParaRPr lang="fr-FR" baseline="0" dirty="0" smtClean="0"/>
-          </a:p>
-          <a:p>
-            <a:r>
-              <a:rPr lang="fr-FR" baseline="0" dirty="0" smtClean="0"/>
-              <a:t>Et ensuite seulement regarder des variantes comme celle-ci … </a:t>
-            </a:r>
-          </a:p>
-          <a:p>
-            <a:endParaRPr lang="fr-FR" baseline="0" dirty="0" smtClean="0"/>
-          </a:p>
-          <a:p>
-            <a:r>
-              <a:rPr lang="fr-FR" baseline="0" dirty="0" smtClean="0"/>
-              <a:t>XXX et par contre il faudrait un exemple avec un test sur un objet vide, ce serait plus clair </a:t>
-            </a:r>
-          </a:p>
-          <a:p>
-            <a:r>
-              <a:rPr lang="fr-FR" baseline="0" dirty="0" err="1" smtClean="0"/>
-              <a:t>reponse</a:t>
-            </a:r>
-            <a:r>
-              <a:rPr lang="fr-FR" baseline="0" dirty="0" smtClean="0"/>
-              <a:t> = ‘’</a:t>
-            </a:r>
-          </a:p>
-          <a:p>
-            <a:r>
-              <a:rPr lang="fr-FR" baseline="0" dirty="0" smtClean="0"/>
-              <a:t>If </a:t>
-            </a:r>
-            <a:r>
-              <a:rPr lang="fr-FR" baseline="0" dirty="0" err="1" smtClean="0"/>
-              <a:t>reponse</a:t>
-            </a:r>
-            <a:r>
-              <a:rPr lang="fr-FR" baseline="0" dirty="0" smtClean="0"/>
-              <a:t>:</a:t>
-            </a:r>
-          </a:p>
-          <a:p>
-            <a:r>
-              <a:rPr lang="fr-FR" baseline="0" dirty="0" smtClean="0"/>
-              <a:t>   </a:t>
-            </a:r>
-            <a:r>
-              <a:rPr lang="fr-FR" baseline="0" dirty="0" err="1" smtClean="0"/>
-              <a:t>print</a:t>
-            </a:r>
-            <a:r>
-              <a:rPr lang="fr-FR" baseline="0" dirty="0" smtClean="0"/>
-              <a:t> ‘on ne passe pas par ici’ </a:t>
-            </a:r>
-          </a:p>
-          <a:p>
-            <a:r>
-              <a:rPr lang="fr-FR" baseline="0" dirty="0" err="1" smtClean="0"/>
-              <a:t>else</a:t>
-            </a:r>
-            <a:r>
-              <a:rPr lang="fr-FR" baseline="0" dirty="0" smtClean="0"/>
-              <a:t>:</a:t>
-            </a:r>
-          </a:p>
-          <a:p>
-            <a:r>
-              <a:rPr lang="fr-FR" baseline="0" dirty="0" smtClean="0"/>
-              <a:t>    </a:t>
-            </a:r>
-            <a:r>
-              <a:rPr lang="fr-FR" baseline="0" dirty="0" err="1" smtClean="0"/>
-              <a:t>print</a:t>
-            </a:r>
-            <a:r>
-              <a:rPr lang="fr-FR" baseline="0" dirty="0" smtClean="0"/>
-              <a:t> ‘mais on passe par la’</a:t>
-            </a:r>
-          </a:p>
-          <a:p>
-            <a:endParaRPr lang="fr-FR" baseline="0" dirty="0" smtClean="0"/>
+            <a:endParaRPr lang="fr-FR" dirty="0"/>
           </a:p>
         </p:txBody>
       </p:sp>
@@ -1544,7 +1234,7 @@
     </p:spTree>
     <p:extLst>
       <p:ext uri="{BB962C8B-B14F-4D97-AF65-F5344CB8AC3E}">
-        <p14:creationId xmlns:p14="http://schemas.microsoft.com/office/powerpoint/2010/main" val="3086937422"/>
+        <p14:creationId xmlns:p14="http://schemas.microsoft.com/office/powerpoint/2010/main" val="2664251964"/>
       </p:ext>
     </p:extLst>
   </p:cSld>
@@ -1605,35 +1295,29 @@
           <a:p>
             <a:r>
               <a:rPr lang="fr-FR" dirty="0" smtClean="0"/>
-              <a:t>Une solution est de faire un test supplémentaire</a:t>
+              <a:t>Test surprenant, mais les</a:t>
             </a:r>
             <a:r>
               <a:rPr lang="fr-FR" baseline="0" dirty="0" smtClean="0"/>
-              <a:t> dans le bloc d’instruction du if note &gt; 10,</a:t>
-            </a:r>
-          </a:p>
-          <a:p>
+              <a:t> types </a:t>
+            </a:r>
+            <a:r>
+              <a:rPr lang="fr-FR" baseline="0" dirty="0" err="1" smtClean="0"/>
+              <a:t>built</a:t>
+            </a:r>
             <a:r>
               <a:rPr lang="fr-FR" baseline="0" dirty="0" smtClean="0"/>
-              <a:t>Mais dans ce cas les deux </a:t>
+              <a:t>-in peuvent toujours être évalué à </a:t>
             </a:r>
             <a:r>
               <a:rPr lang="fr-FR" baseline="0" dirty="0" err="1" smtClean="0"/>
-              <a:t>print</a:t>
+              <a:t>True</a:t>
             </a:r>
             <a:r>
               <a:rPr lang="fr-FR" baseline="0" dirty="0" smtClean="0"/>
-              <a:t> du if note &gt; 10 sont </a:t>
-            </a:r>
-            <a:r>
-              <a:rPr lang="fr-FR" baseline="0" dirty="0" smtClean="0"/>
-              <a:t>exécutés </a:t>
-            </a:r>
-            <a:r>
-              <a:rPr lang="fr-FR" baseline="0" dirty="0" smtClean="0"/>
-              <a:t>même si note &gt; 12</a:t>
-            </a:r>
-            <a:endParaRPr lang="fr-FR" dirty="0" smtClean="0"/>
+              <a:t> ou False dans un test de if</a:t>
+            </a:r>
+            <a:endParaRPr lang="fr-FR" dirty="0"/>
           </a:p>
         </p:txBody>
       </p:sp>
@@ -1669,7 +1353,7 @@
     </p:spTree>
     <p:extLst>
       <p:ext uri="{BB962C8B-B14F-4D97-AF65-F5344CB8AC3E}">
-        <p14:creationId xmlns:p14="http://schemas.microsoft.com/office/powerpoint/2010/main" val="888159089"/>
+        <p14:creationId xmlns:p14="http://schemas.microsoft.com/office/powerpoint/2010/main" val="1498679125"/>
       </p:ext>
     </p:extLst>
   </p:cSld>
@@ -1728,19 +1412,7 @@
           <a:bodyPr/>
           <a:lstStyle/>
           <a:p>
-            <a:r>
-              <a:rPr lang="fr-FR" dirty="0" smtClean="0"/>
-              <a:t>la</a:t>
-            </a:r>
-            <a:r>
-              <a:rPr lang="fr-FR" baseline="0" dirty="0" smtClean="0"/>
-              <a:t> solution est de faire un </a:t>
-            </a:r>
-            <a:r>
-              <a:rPr lang="fr-FR" baseline="0" smtClean="0"/>
-              <a:t>test supplémentaire avec and</a:t>
-            </a:r>
-            <a:endParaRPr lang="fr-FR" dirty="0" smtClean="0"/>
+            <a:endParaRPr lang="fr-FR" dirty="0"/>
           </a:p>
         </p:txBody>
       </p:sp>
@@ -1768,6 +1440,204 @@
                 <a:defRPr/>
               </a:pPr>
               <a:t>5</a:t>
+            </a:fld>
+            <a:endParaRPr lang="en-US"/>
+          </a:p>
+        </p:txBody>
+      </p:sp>
+    </p:spTree>
+    <p:extLst>
+      <p:ext uri="{BB962C8B-B14F-4D97-AF65-F5344CB8AC3E}">
+        <p14:creationId xmlns:p14="http://schemas.microsoft.com/office/powerpoint/2010/main" val="2874170801"/>
+      </p:ext>
+    </p:extLst>
+  </p:cSld>
+  <p:clrMapOvr>
+    <a:masterClrMapping/>
+  </p:clrMapOvr>
+</p:notes>
+</file>
+
+<file path=ppt/notesSlides/notesSlide6.xml><?xml version="1.0" encoding="utf-8"?>
+<p:notes xmlns:a="http://schemas.openxmlformats.org/drawingml/2006/main" xmlns:r="http://schemas.openxmlformats.org/officeDocument/2006/relationships" xmlns:p="http://schemas.openxmlformats.org/presentationml/2006/main">
+  <p:cSld>
+    <p:spTree>
+      <p:nvGrpSpPr>
+        <p:cNvPr id="1" name=""/>
+        <p:cNvGrpSpPr/>
+        <p:nvPr/>
+      </p:nvGrpSpPr>
+      <p:grpSpPr>
+        <a:xfrm>
+          <a:off x="0" y="0"/>
+          <a:ext cx="0" cy="0"/>
+          <a:chOff x="0" y="0"/>
+          <a:chExt cx="0" cy="0"/>
+        </a:xfrm>
+      </p:grpSpPr>
+      <p:sp>
+        <p:nvSpPr>
+          <p:cNvPr id="2" name="Espace réservé de l'image des diapositives 1"/>
+          <p:cNvSpPr>
+            <a:spLocks noGrp="1" noRot="1" noChangeAspect="1"/>
+          </p:cNvSpPr>
+          <p:nvPr>
+            <p:ph type="sldImg"/>
+          </p:nvPr>
+        </p:nvSpPr>
+        <p:spPr>
+          <a:xfrm>
+            <a:off x="141288" y="768350"/>
+            <a:ext cx="6818312" cy="3836988"/>
+          </a:xfrm>
+        </p:spPr>
+      </p:sp>
+      <p:sp>
+        <p:nvSpPr>
+          <p:cNvPr id="3" name="Espace réservé des commentaires 2"/>
+          <p:cNvSpPr>
+            <a:spLocks noGrp="1"/>
+          </p:cNvSpPr>
+          <p:nvPr>
+            <p:ph type="body" idx="1"/>
+          </p:nvPr>
+        </p:nvSpPr>
+        <p:spPr/>
+        <p:txBody>
+          <a:bodyPr/>
+          <a:lstStyle/>
+          <a:p>
+            <a:r>
+              <a:rPr lang="fr-FR" dirty="0" smtClean="0"/>
+              <a:t>Regardons</a:t>
+            </a:r>
+            <a:r>
+              <a:rPr lang="fr-FR" baseline="0" dirty="0" smtClean="0"/>
+              <a:t> un peu plus en détail les test booléens</a:t>
+            </a:r>
+            <a:endParaRPr lang="fr-FR" dirty="0"/>
+          </a:p>
+        </p:txBody>
+      </p:sp>
+      <p:sp>
+        <p:nvSpPr>
+          <p:cNvPr id="4" name="Espace réservé du numéro de diapositive 3"/>
+          <p:cNvSpPr>
+            <a:spLocks noGrp="1"/>
+          </p:cNvSpPr>
+          <p:nvPr>
+            <p:ph type="sldNum" sz="quarter" idx="10"/>
+          </p:nvPr>
+        </p:nvSpPr>
+        <p:spPr/>
+        <p:txBody>
+          <a:bodyPr/>
+          <a:lstStyle/>
+          <a:p>
+            <a:pPr>
+              <a:defRPr/>
+            </a:pPr>
+            <a:fld id="{9E8EB9F5-F2F7-4A48-A943-9B409357C15C}" type="slidenum">
+              <a:rPr lang="en-US" smtClean="0"/>
+              <a:pPr>
+                <a:defRPr/>
+              </a:pPr>
+              <a:t>6</a:t>
+            </a:fld>
+            <a:endParaRPr lang="en-US"/>
+          </a:p>
+        </p:txBody>
+      </p:sp>
+    </p:spTree>
+    <p:extLst>
+      <p:ext uri="{BB962C8B-B14F-4D97-AF65-F5344CB8AC3E}">
+        <p14:creationId xmlns:p14="http://schemas.microsoft.com/office/powerpoint/2010/main" val="3547688461"/>
+      </p:ext>
+    </p:extLst>
+  </p:cSld>
+  <p:clrMapOvr>
+    <a:masterClrMapping/>
+  </p:clrMapOvr>
+</p:notes>
+</file>
+
+<file path=ppt/notesSlides/notesSlide7.xml><?xml version="1.0" encoding="utf-8"?>
+<p:notes xmlns:a="http://schemas.openxmlformats.org/drawingml/2006/main" xmlns:r="http://schemas.openxmlformats.org/officeDocument/2006/relationships" xmlns:p="http://schemas.openxmlformats.org/presentationml/2006/main">
+  <p:cSld>
+    <p:spTree>
+      <p:nvGrpSpPr>
+        <p:cNvPr id="1" name=""/>
+        <p:cNvGrpSpPr/>
+        <p:nvPr/>
+      </p:nvGrpSpPr>
+      <p:grpSpPr>
+        <a:xfrm>
+          <a:off x="0" y="0"/>
+          <a:ext cx="0" cy="0"/>
+          <a:chOff x="0" y="0"/>
+          <a:chExt cx="0" cy="0"/>
+        </a:xfrm>
+      </p:grpSpPr>
+      <p:sp>
+        <p:nvSpPr>
+          <p:cNvPr id="2" name="Espace réservé de l'image des diapositives 1"/>
+          <p:cNvSpPr>
+            <a:spLocks noGrp="1" noRot="1" noChangeAspect="1"/>
+          </p:cNvSpPr>
+          <p:nvPr>
+            <p:ph type="sldImg"/>
+          </p:nvPr>
+        </p:nvSpPr>
+        <p:spPr>
+          <a:xfrm>
+            <a:off x="141288" y="768350"/>
+            <a:ext cx="6818312" cy="3836988"/>
+          </a:xfrm>
+        </p:spPr>
+      </p:sp>
+      <p:sp>
+        <p:nvSpPr>
+          <p:cNvPr id="3" name="Espace réservé des commentaires 2"/>
+          <p:cNvSpPr>
+            <a:spLocks noGrp="1"/>
+          </p:cNvSpPr>
+          <p:nvPr>
+            <p:ph type="body" idx="1"/>
+          </p:nvPr>
+        </p:nvSpPr>
+        <p:spPr/>
+        <p:txBody>
+          <a:bodyPr/>
+          <a:lstStyle/>
+          <a:p>
+            <a:endParaRPr lang="fr-FR" dirty="0" smtClean="0"/>
+          </a:p>
+        </p:txBody>
+      </p:sp>
+      <p:sp>
+        <p:nvSpPr>
+          <p:cNvPr id="4" name="Espace réservé du numéro de diapositive 3"/>
+          <p:cNvSpPr>
+            <a:spLocks noGrp="1"/>
+          </p:cNvSpPr>
+          <p:nvPr>
+            <p:ph type="sldNum" sz="quarter" idx="10"/>
+          </p:nvPr>
+        </p:nvSpPr>
+        <p:spPr/>
+        <p:txBody>
+          <a:bodyPr/>
+          <a:lstStyle/>
+          <a:p>
+            <a:pPr>
+              <a:defRPr/>
+            </a:pPr>
+            <a:fld id="{9E8EB9F5-F2F7-4A48-A943-9B409357C15C}" type="slidenum">
+              <a:rPr lang="en-US" smtClean="0"/>
+              <a:pPr>
+                <a:defRPr/>
+              </a:pPr>
+              <a:t>7</a:t>
             </a:fld>
             <a:endParaRPr lang="en-US"/>
           </a:p>
@@ -1954,7 +1824,7 @@
   <p:timing>
     <p:tnLst>
       <p:par>
-        <p:cTn xmlns:p14="http://schemas.microsoft.com/office/powerpoint/2010/main" id="1" dur="indefinite" restart="never" nodeType="tmRoot"/>
+        <p:cTn id="1" dur="indefinite" restart="never" nodeType="tmRoot"/>
       </p:par>
     </p:tnLst>
   </p:timing>
@@ -2114,7 +1984,7 @@
               <a:pPr>
                 <a:defRPr/>
               </a:pPr>
-              <a:t>‹#›</a:t>
+              <a:t>‹N°›</a:t>
             </a:fld>
             <a:endParaRPr lang="fr-FR"/>
           </a:p>
@@ -2296,7 +2166,7 @@
               <a:pPr>
                 <a:defRPr/>
               </a:pPr>
-              <a:t>‹#›</a:t>
+              <a:t>‹N°›</a:t>
             </a:fld>
             <a:endParaRPr lang="fr-FR"/>
           </a:p>
@@ -2535,7 +2405,7 @@
               <a:pPr>
                 <a:defRPr/>
               </a:pPr>
-              <a:t>‹#›</a:t>
+              <a:t>‹N°›</a:t>
             </a:fld>
             <a:endParaRPr lang="fr-FR"/>
           </a:p>
@@ -2707,7 +2577,7 @@
               <a:pPr>
                 <a:defRPr/>
               </a:pPr>
-              <a:t>‹#›</a:t>
+              <a:t>‹N°›</a:t>
             </a:fld>
             <a:endParaRPr lang="fr-FR"/>
           </a:p>
@@ -2726,7 +2596,7 @@
   <p:timing>
     <p:tnLst>
       <p:par>
-        <p:cTn xmlns:p14="http://schemas.microsoft.com/office/powerpoint/2010/main" id="1" dur="indefinite" restart="never" nodeType="tmRoot"/>
+        <p:cTn id="1" dur="indefinite" restart="never" nodeType="tmRoot"/>
       </p:par>
     </p:tnLst>
   </p:timing>
@@ -2908,7 +2778,7 @@
               <a:pPr>
                 <a:defRPr/>
               </a:pPr>
-              <a:t>‹#›</a:t>
+              <a:t>‹N°›</a:t>
             </a:fld>
             <a:endParaRPr lang="fr-FR"/>
           </a:p>
@@ -2927,7 +2797,7 @@
   <p:timing>
     <p:tnLst>
       <p:par>
-        <p:cTn xmlns:p14="http://schemas.microsoft.com/office/powerpoint/2010/main" id="1" dur="indefinite" restart="never" nodeType="tmRoot"/>
+        <p:cTn id="1" dur="indefinite" restart="never" nodeType="tmRoot"/>
       </p:par>
     </p:tnLst>
   </p:timing>
@@ -3205,7 +3075,7 @@
               <a:pPr>
                 <a:defRPr/>
               </a:pPr>
-              <a:t>‹#›</a:t>
+              <a:t>‹N°›</a:t>
             </a:fld>
             <a:endParaRPr lang="fr-FR"/>
           </a:p>
@@ -3224,7 +3094,7 @@
   <p:timing>
     <p:tnLst>
       <p:par>
-        <p:cTn xmlns:p14="http://schemas.microsoft.com/office/powerpoint/2010/main" id="1" dur="indefinite" restart="never" nodeType="tmRoot"/>
+        <p:cTn id="1" dur="indefinite" restart="never" nodeType="tmRoot"/>
       </p:par>
     </p:tnLst>
   </p:timing>
@@ -3636,7 +3506,7 @@
               <a:pPr>
                 <a:defRPr/>
               </a:pPr>
-              <a:t>‹#›</a:t>
+              <a:t>‹N°›</a:t>
             </a:fld>
             <a:endParaRPr lang="fr-FR"/>
           </a:p>
@@ -3655,7 +3525,7 @@
   <p:timing>
     <p:tnLst>
       <p:par>
-        <p:cTn xmlns:p14="http://schemas.microsoft.com/office/powerpoint/2010/main" id="1" dur="indefinite" restart="never" nodeType="tmRoot"/>
+        <p:cTn id="1" dur="indefinite" restart="never" nodeType="tmRoot"/>
       </p:par>
     </p:tnLst>
   </p:timing>
@@ -3763,7 +3633,7 @@
               <a:pPr>
                 <a:defRPr/>
               </a:pPr>
-              <a:t>‹#›</a:t>
+              <a:t>‹N°›</a:t>
             </a:fld>
             <a:endParaRPr lang="fr-FR"/>
           </a:p>
@@ -3782,7 +3652,7 @@
   <p:timing>
     <p:tnLst>
       <p:par>
-        <p:cTn xmlns:p14="http://schemas.microsoft.com/office/powerpoint/2010/main" id="1" dur="indefinite" restart="never" nodeType="tmRoot"/>
+        <p:cTn id="1" dur="indefinite" restart="never" nodeType="tmRoot"/>
       </p:par>
     </p:tnLst>
   </p:timing>
@@ -3867,7 +3737,7 @@
               <a:pPr>
                 <a:defRPr/>
               </a:pPr>
-              <a:t>‹#›</a:t>
+              <a:t>‹N°›</a:t>
             </a:fld>
             <a:endParaRPr lang="fr-FR"/>
           </a:p>
@@ -3886,7 +3756,7 @@
   <p:timing>
     <p:tnLst>
       <p:par>
-        <p:cTn xmlns:p14="http://schemas.microsoft.com/office/powerpoint/2010/main" id="1" dur="indefinite" restart="never" nodeType="tmRoot"/>
+        <p:cTn id="1" dur="indefinite" restart="never" nodeType="tmRoot"/>
       </p:par>
     </p:tnLst>
   </p:timing>
@@ -4153,7 +4023,7 @@
               <a:pPr>
                 <a:defRPr/>
               </a:pPr>
-              <a:t>‹#›</a:t>
+              <a:t>‹N°›</a:t>
             </a:fld>
             <a:endParaRPr lang="fr-FR"/>
           </a:p>
@@ -4409,7 +4279,7 @@
               <a:pPr>
                 <a:defRPr/>
               </a:pPr>
-              <a:t>‹#›</a:t>
+              <a:t>‹N°›</a:t>
             </a:fld>
             <a:endParaRPr lang="fr-FR"/>
           </a:p>
@@ -4477,14 +4347,14 @@
           </a:ln>
           <a:extLst>
             <a:ext uri="{909E8E84-426E-40dd-AFC4-6F175D3DCCD1}">
-              <a14:hiddenFill xmlns:a14="http://schemas.microsoft.com/office/drawing/2010/main">
+              <a14:hiddenFill xmlns="" xmlns:a14="http://schemas.microsoft.com/office/drawing/2010/main">
                 <a:solidFill>
                   <a:srgbClr val="FFFFFF"/>
                 </a:solidFill>
               </a14:hiddenFill>
             </a:ext>
             <a:ext uri="{91240B29-F687-4f45-9708-019B960494DF}">
-              <a14:hiddenLine xmlns:a14="http://schemas.microsoft.com/office/drawing/2010/main" w="9525">
+              <a14:hiddenLine xmlns="" xmlns:a14="http://schemas.microsoft.com/office/drawing/2010/main" w="9525">
                 <a:solidFill>
                   <a:srgbClr val="000000"/>
                 </a:solidFill>
@@ -4535,14 +4405,14 @@
           </a:ln>
           <a:extLst>
             <a:ext uri="{909E8E84-426E-40dd-AFC4-6F175D3DCCD1}">
-              <a14:hiddenFill xmlns:a14="http://schemas.microsoft.com/office/drawing/2010/main">
+              <a14:hiddenFill xmlns="" xmlns:a14="http://schemas.microsoft.com/office/drawing/2010/main">
                 <a:solidFill>
                   <a:srgbClr val="FFFFFF"/>
                 </a:solidFill>
               </a14:hiddenFill>
             </a:ext>
             <a:ext uri="{91240B29-F687-4f45-9708-019B960494DF}">
-              <a14:hiddenLine xmlns:a14="http://schemas.microsoft.com/office/drawing/2010/main" w="9525">
+              <a14:hiddenLine xmlns="" xmlns:a14="http://schemas.microsoft.com/office/drawing/2010/main" w="9525">
                 <a:solidFill>
                   <a:srgbClr val="000000"/>
                 </a:solidFill>
@@ -4712,7 +4582,7 @@
               <a:pPr>
                 <a:defRPr/>
               </a:pPr>
-              <a:t>‹#›</a:t>
+              <a:t>‹N°›</a:t>
             </a:fld>
             <a:endParaRPr lang="fr-FR" dirty="0"/>
           </a:p>
@@ -4738,7 +4608,7 @@
   <p:timing>
     <p:tnLst>
       <p:par>
-        <p:cTn xmlns:p14="http://schemas.microsoft.com/office/powerpoint/2010/main" id="1" dur="indefinite" restart="never" nodeType="tmRoot"/>
+        <p:cTn id="1" dur="indefinite" restart="never" nodeType="tmRoot"/>
       </p:par>
     </p:tnLst>
   </p:timing>
@@ -5429,7 +5299,7 @@
   <p:timing>
     <p:tnLst>
       <p:par>
-        <p:cTn xmlns:p14="http://schemas.microsoft.com/office/powerpoint/2010/main" id="1" dur="indefinite" restart="never" nodeType="tmRoot">
+        <p:cTn id="1" dur="indefinite" restart="never" nodeType="tmRoot">
           <p:childTnLst>
             <p:seq concurrent="1" nextAc="seek">
               <p:cTn id="2" dur="indefinite" nodeType="mainSeq">
@@ -5968,101 +5838,77 @@
               <a:buNone/>
             </a:pPr>
             <a:r>
-              <a:rPr lang="fr-FR" sz="4000" dirty="0" smtClean="0"/>
-              <a:t>&gt;	&gt;=	&lt; 	&lt;=	==	!=	…</a:t>
+              <a:rPr lang="fr-FR" sz="4000" dirty="0" smtClean="0">
+                <a:solidFill>
+                  <a:srgbClr val="3333CC"/>
+                </a:solidFill>
+              </a:rPr>
+              <a:t>Que peut-être un test dans un if ?</a:t>
+            </a:r>
+          </a:p>
+          <a:p>
+            <a:pPr lvl="1">
+              <a:buFont typeface="Arial" panose="020B0604020202020204" pitchFamily="34" charset="0"/>
+              <a:buChar char="•"/>
+            </a:pPr>
+            <a:r>
+              <a:rPr lang="fr-FR" sz="3600" dirty="0" smtClean="0"/>
+              <a:t>Une comparaison </a:t>
+            </a:r>
+            <a:endParaRPr lang="fr-FR" sz="3600" dirty="0"/>
+          </a:p>
+          <a:p>
+            <a:pPr marL="457200" lvl="1" indent="0">
+              <a:buNone/>
+            </a:pPr>
+            <a:r>
+              <a:rPr lang="fr-FR" sz="3600" dirty="0" smtClean="0">
+                <a:latin typeface="Courier New" panose="02070309020205020404" pitchFamily="49" charset="0"/>
+                <a:cs typeface="Courier New" panose="02070309020205020404" pitchFamily="49" charset="0"/>
+              </a:rPr>
+              <a:t>&gt; &gt;=</a:t>
+            </a:r>
+            <a:r>
+              <a:rPr lang="fr-FR" sz="3600" dirty="0">
+                <a:latin typeface="Courier New" panose="02070309020205020404" pitchFamily="49" charset="0"/>
+                <a:cs typeface="Courier New" panose="02070309020205020404" pitchFamily="49" charset="0"/>
+              </a:rPr>
+              <a:t>	&lt; </a:t>
+            </a:r>
+            <a:r>
+              <a:rPr lang="fr-FR" sz="3600" dirty="0" smtClean="0">
+                <a:latin typeface="Courier New" panose="02070309020205020404" pitchFamily="49" charset="0"/>
+                <a:cs typeface="Courier New" panose="02070309020205020404" pitchFamily="49" charset="0"/>
+              </a:rPr>
+              <a:t>&lt;= == !=</a:t>
             </a:r>
           </a:p>
           <a:p>
             <a:pPr marL="0" indent="0">
               <a:buNone/>
             </a:pPr>
-            <a:r>
-              <a:rPr lang="fr-FR" sz="4000" dirty="0"/>
-              <a:t>r</a:t>
-            </a:r>
-            <a:r>
-              <a:rPr lang="fr-FR" sz="4000" dirty="0" smtClean="0"/>
-              <a:t>etour de fonction</a:t>
-            </a:r>
+            <a:endParaRPr lang="en-US" sz="4000" dirty="0" smtClean="0">
+              <a:latin typeface="Courier New" panose="02070309020205020404" pitchFamily="49" charset="0"/>
+              <a:cs typeface="Courier New" panose="02070309020205020404" pitchFamily="49" charset="0"/>
+            </a:endParaRPr>
           </a:p>
           <a:p>
             <a:pPr marL="0" indent="0">
               <a:buNone/>
             </a:pPr>
             <a:r>
-              <a:rPr lang="fr-FR" sz="4000" dirty="0"/>
-              <a:t>l</a:t>
-            </a:r>
-            <a:r>
-              <a:rPr lang="fr-FR" sz="4000" dirty="0" smtClean="0"/>
-              <a:t>es types </a:t>
-            </a:r>
-            <a:r>
-              <a:rPr lang="fr-FR" sz="4000" dirty="0" err="1" smtClean="0"/>
-              <a:t>built</a:t>
-            </a:r>
-            <a:r>
-              <a:rPr lang="fr-FR" sz="4000" dirty="0" smtClean="0"/>
-              <a:t>-in </a:t>
-            </a:r>
-          </a:p>
-          <a:p>
-            <a:pPr lvl="1"/>
-            <a:r>
-              <a:rPr lang="fr-FR" sz="3600" dirty="0" smtClean="0"/>
-              <a:t>False </a:t>
-            </a:r>
-          </a:p>
-          <a:p>
-            <a:pPr lvl="2"/>
-            <a:r>
-              <a:rPr lang="fr-FR" sz="3200" dirty="0" smtClean="0"/>
-              <a:t>0</a:t>
-            </a:r>
-          </a:p>
-          <a:p>
-            <a:pPr lvl="2"/>
-            <a:r>
-              <a:rPr lang="fr-FR" sz="3200" dirty="0" smtClean="0"/>
-              <a:t>les </a:t>
-            </a:r>
-            <a:r>
-              <a:rPr lang="fr-FR" sz="3200" dirty="0"/>
-              <a:t>objets </a:t>
-            </a:r>
-            <a:r>
-              <a:rPr lang="fr-FR" sz="3200" dirty="0" smtClean="0"/>
-              <a:t>vides </a:t>
-            </a:r>
-            <a:r>
-              <a:rPr lang="fr-FR" sz="3200" dirty="0"/>
-              <a:t>([], (), {}, set([]), </a:t>
-            </a:r>
-            <a:r>
-              <a:rPr lang="fr-FR" sz="3200" dirty="0" smtClean="0"/>
-              <a:t>'')</a:t>
-            </a:r>
-          </a:p>
-          <a:p>
-            <a:pPr lvl="2"/>
-            <a:r>
-              <a:rPr lang="fr-FR" sz="3200" dirty="0" smtClean="0"/>
-              <a:t>None</a:t>
-            </a:r>
-          </a:p>
-          <a:p>
-            <a:pPr lvl="1"/>
-            <a:r>
-              <a:rPr lang="fr-FR" sz="3600" dirty="0" err="1" smtClean="0"/>
-              <a:t>True</a:t>
-            </a:r>
-            <a:endParaRPr lang="fr-FR" sz="3600" dirty="0" smtClean="0"/>
-          </a:p>
-          <a:p>
-            <a:pPr lvl="2"/>
-            <a:r>
-              <a:rPr lang="fr-FR" sz="3200" dirty="0" smtClean="0"/>
-              <a:t>Tout le reste</a:t>
+              <a:rPr lang="en-US" sz="4000" dirty="0" smtClean="0">
+                <a:latin typeface="Courier New" panose="02070309020205020404" pitchFamily="49" charset="0"/>
+                <a:cs typeface="Courier New" panose="02070309020205020404" pitchFamily="49" charset="0"/>
+              </a:rPr>
+              <a:t>if </a:t>
+            </a:r>
+            <a:r>
+              <a:rPr lang="en-US" sz="4000" dirty="0">
+                <a:latin typeface="Courier New" panose="02070309020205020404" pitchFamily="49" charset="0"/>
+                <a:cs typeface="Courier New" panose="02070309020205020404" pitchFamily="49" charset="0"/>
+              </a:rPr>
+              <a:t>a != b:</a:t>
             </a:r>
           </a:p>
           <a:p>
@@ -6070,14 +5916,47 @@
               <a:buNone/>
             </a:pPr>
             <a:r>
-              <a:rPr lang="fr-FR" sz="4000" dirty="0"/>
-              <a:t>o</a:t>
-            </a:r>
-            <a:r>
-              <a:rPr lang="fr-FR" sz="4000" dirty="0" smtClean="0"/>
-              <a:t>pérateur de test booléen : and, or, not</a:t>
-            </a:r>
-            <a:endParaRPr lang="fr-FR" sz="4000" dirty="0"/>
+              <a:rPr lang="en-US" sz="4000" dirty="0">
+                <a:latin typeface="Courier New" panose="02070309020205020404" pitchFamily="49" charset="0"/>
+                <a:cs typeface="Courier New" panose="02070309020205020404" pitchFamily="49" charset="0"/>
+              </a:rPr>
+              <a:t>    print </a:t>
+            </a:r>
+            <a:r>
+              <a:rPr lang="en-US" sz="4000" dirty="0" smtClean="0">
+                <a:latin typeface="Courier New" panose="02070309020205020404" pitchFamily="49" charset="0"/>
+                <a:cs typeface="Courier New" panose="02070309020205020404" pitchFamily="49" charset="0"/>
+              </a:rPr>
+              <a:t>'faux'</a:t>
+            </a:r>
+          </a:p>
+          <a:p>
+            <a:pPr marL="0" indent="0">
+              <a:buNone/>
+            </a:pPr>
+            <a:endParaRPr lang="fr-FR" sz="4000" dirty="0" smtClean="0">
+              <a:latin typeface="Courier New" panose="02070309020205020404" pitchFamily="49" charset="0"/>
+              <a:cs typeface="Courier New" panose="02070309020205020404" pitchFamily="49" charset="0"/>
+            </a:endParaRPr>
+          </a:p>
+          <a:p>
+            <a:pPr marL="457200" lvl="1" indent="0">
+              <a:buNone/>
+            </a:pPr>
+            <a:r>
+              <a:rPr lang="fr-FR" sz="3600" dirty="0" smtClean="0">
+                <a:cs typeface="Courier New" panose="02070309020205020404" pitchFamily="49" charset="0"/>
+              </a:rPr>
+              <a:t>	</a:t>
+            </a:r>
+          </a:p>
+          <a:p>
+            <a:pPr marL="457200" lvl="1" indent="0">
+              <a:buNone/>
+            </a:pPr>
+            <a:endParaRPr lang="fr-FR" sz="3600" dirty="0" smtClean="0">
+              <a:cs typeface="Courier New" panose="02070309020205020404" pitchFamily="49" charset="0"/>
+            </a:endParaRPr>
           </a:p>
         </p:txBody>
       </p:sp>
@@ -6094,7 +5973,7 @@
   <p:timing>
     <p:tnLst>
       <p:par>
-        <p:cTn xmlns:p14="http://schemas.microsoft.com/office/powerpoint/2010/main" id="1" dur="indefinite" restart="never" nodeType="tmRoot">
+        <p:cTn id="1" dur="indefinite" restart="never" nodeType="tmRoot">
           <p:childTnLst>
             <p:seq concurrent="1" nextAc="seek">
               <p:cTn id="2" dur="indefinite" nodeType="mainSeq">
@@ -6112,7 +5991,7 @@
                             </p:stCondLst>
                             <p:childTnLst>
                               <p:par>
-                                <p:cTn id="5" presetID="1" presetClass="entr" presetSubtype="0" fill="hold" nodeType="clickEffect">
+                                <p:cTn id="5" presetID="10" presetClass="entr" presetSubtype="0" fill="hold" nodeType="clickEffect">
                                   <p:stCondLst>
                                     <p:cond delay="0"/>
                                   </p:stCondLst>
@@ -6120,55 +5999,6 @@
                                     <p:set>
                                       <p:cBhvr>
                                         <p:cTn id="6" dur="1" fill="hold">
-                                          <p:stCondLst>
-                                            <p:cond delay="0"/>
-                                          </p:stCondLst>
-                                        </p:cTn>
-                                        <p:tgtEl>
-                                          <p:spTgt spid="3">
-                                            <p:txEl>
-                                              <p:pRg st="0" end="0"/>
-                                            </p:txEl>
-                                          </p:spTgt>
-                                        </p:tgtEl>
-                                        <p:attrNameLst>
-                                          <p:attrName>style.visibility</p:attrName>
-                                        </p:attrNameLst>
-                                      </p:cBhvr>
-                                      <p:to>
-                                        <p:strVal val="visible"/>
-                                      </p:to>
-                                    </p:set>
-                                  </p:childTnLst>
-                                </p:cTn>
-                              </p:par>
-                            </p:childTnLst>
-                          </p:cTn>
-                        </p:par>
-                      </p:childTnLst>
-                    </p:cTn>
-                  </p:par>
-                  <p:par>
-                    <p:cTn id="7" fill="hold">
-                      <p:stCondLst>
-                        <p:cond delay="indefinite"/>
-                      </p:stCondLst>
-                      <p:childTnLst>
-                        <p:par>
-                          <p:cTn id="8" fill="hold">
-                            <p:stCondLst>
-                              <p:cond delay="0"/>
-                            </p:stCondLst>
-                            <p:childTnLst>
-                              <p:par>
-                                <p:cTn id="9" presetID="10" presetClass="entr" presetSubtype="0" fill="hold" nodeType="clickEffect">
-                                  <p:stCondLst>
-                                    <p:cond delay="0"/>
-                                  </p:stCondLst>
-                                  <p:childTnLst>
-                                    <p:set>
-                                      <p:cBhvr>
-                                        <p:cTn id="10" dur="1" fill="hold">
                                           <p:stCondLst>
                                             <p:cond delay="0"/>
                                           </p:stCondLst>
@@ -6190,7 +6020,7 @@
                                     </p:set>
                                     <p:animEffect transition="in" filter="fade">
                                       <p:cBhvr>
-                                        <p:cTn id="11" dur="500"/>
+                                        <p:cTn id="7" dur="500"/>
                                         <p:tgtEl>
                                           <p:spTgt spid="3">
                                             <p:txEl>
@@ -6203,33 +6033,15 @@
                                   </p:childTnLst>
                                 </p:cTn>
                               </p:par>
-                            </p:childTnLst>
-                          </p:cTn>
-                        </p:par>
-                      </p:childTnLst>
-                    </p:cTn>
-                  </p:par>
-                  <p:par>
-                    <p:cTn id="12" fill="hold">
-                      <p:stCondLst>
-                        <p:cond delay="indefinite"/>
-                      </p:stCondLst>
-                      <p:childTnLst>
-                        <p:par>
-                          <p:cTn id="13" fill="hold">
-                            <p:stCondLst>
-                              <p:cond delay="0"/>
-                            </p:stCondLst>
-                            <p:childTnLst>
                               <p:par>
-                                <p:cTn id="14" presetID="10" presetClass="entr" presetSubtype="0" fill="hold" nodeType="clickEffect">
+                                <p:cTn id="8" presetID="10" presetClass="entr" presetSubtype="0" fill="hold" nodeType="withEffect">
                                   <p:stCondLst>
                                     <p:cond delay="0"/>
                                   </p:stCondLst>
                                   <p:childTnLst>
                                     <p:set>
                                       <p:cBhvr>
-                                        <p:cTn id="15" dur="1" fill="hold">
+                                        <p:cTn id="9" dur="1" fill="hold">
                                           <p:stCondLst>
                                             <p:cond delay="0"/>
                                           </p:stCondLst>
@@ -6251,7 +6063,7 @@
                                     </p:set>
                                     <p:animEffect transition="in" filter="fade">
                                       <p:cBhvr>
-                                        <p:cTn id="16" dur="500"/>
+                                        <p:cTn id="10" dur="500"/>
                                         <p:tgtEl>
                                           <p:spTgt spid="3">
                                             <p:txEl>
@@ -6271,87 +6083,29 @@
                     </p:cTn>
                   </p:par>
                   <p:par>
-                    <p:cTn id="17" fill="hold">
+                    <p:cTn id="11" fill="hold">
                       <p:stCondLst>
                         <p:cond delay="indefinite"/>
                       </p:stCondLst>
                       <p:childTnLst>
                         <p:par>
-                          <p:cTn id="18" fill="hold">
+                          <p:cTn id="12" fill="hold">
                             <p:stCondLst>
                               <p:cond delay="0"/>
                             </p:stCondLst>
                             <p:childTnLst>
                               <p:par>
-                                <p:cTn id="19" presetID="10" presetClass="entr" presetSubtype="0" fill="hold" nodeType="clickEffect">
+                                <p:cTn id="13" presetID="1" presetClass="entr" presetSubtype="0" fill="hold" nodeType="clickEffect">
                                   <p:stCondLst>
                                     <p:cond delay="0"/>
                                   </p:stCondLst>
+                                  <p:iterate type="lt">
+                                    <p:tmAbs val="100"/>
+                                  </p:iterate>
                                   <p:childTnLst>
                                     <p:set>
                                       <p:cBhvr>
-                                        <p:cTn id="20" dur="1" fill="hold">
-                                          <p:stCondLst>
-                                            <p:cond delay="0"/>
-                                          </p:stCondLst>
-                                        </p:cTn>
-                                        <p:tgtEl>
-                                          <p:spTgt spid="3">
-                                            <p:txEl>
-                                              <p:pRg st="3" end="3"/>
-                                            </p:txEl>
-                                          </p:spTgt>
-                                        </p:tgtEl>
-                                        <p:attrNameLst>
-                                          <p:attrName>style.visibility</p:attrName>
-                                        </p:attrNameLst>
-                                      </p:cBhvr>
-                                      <p:to>
-                                        <p:strVal val="visible"/>
-                                      </p:to>
-                                    </p:set>
-                                    <p:animEffect transition="in" filter="fade">
-                                      <p:cBhvr>
-                                        <p:cTn id="21" dur="500"/>
-                                        <p:tgtEl>
-                                          <p:spTgt spid="3">
-                                            <p:txEl>
-                                              <p:pRg st="3" end="3"/>
-                                            </p:txEl>
-                                          </p:spTgt>
-                                        </p:tgtEl>
-                                      </p:cBhvr>
-                                    </p:animEffect>
-                                  </p:childTnLst>
-                                </p:cTn>
-                              </p:par>
-                            </p:childTnLst>
-                          </p:cTn>
-                        </p:par>
-                      </p:childTnLst>
-                    </p:cTn>
-                  </p:par>
-                  <p:par>
-                    <p:cTn id="22" fill="hold">
-                      <p:stCondLst>
-                        <p:cond delay="indefinite"/>
-                      </p:stCondLst>
-                      <p:childTnLst>
-                        <p:par>
-                          <p:cTn id="23" fill="hold">
-                            <p:stCondLst>
-                              <p:cond delay="0"/>
-                            </p:stCondLst>
-                            <p:childTnLst>
-                              <p:par>
-                                <p:cTn id="24" presetID="10" presetClass="entr" presetSubtype="0" fill="hold" nodeType="clickEffect">
-                                  <p:stCondLst>
-                                    <p:cond delay="0"/>
-                                  </p:stCondLst>
-                                  <p:childTnLst>
-                                    <p:set>
-                                      <p:cBhvr>
-                                        <p:cTn id="25" dur="1" fill="hold">
+                                        <p:cTn id="14" dur="1" fill="hold">
                                           <p:stCondLst>
                                             <p:cond delay="0"/>
                                           </p:stCondLst>
@@ -6371,48 +6125,30 @@
                                         <p:strVal val="visible"/>
                                       </p:to>
                                     </p:set>
-                                    <p:animEffect transition="in" filter="fade">
-                                      <p:cBhvr>
-                                        <p:cTn id="26" dur="500"/>
-                                        <p:tgtEl>
-                                          <p:spTgt spid="3">
-                                            <p:txEl>
-                                              <p:pRg st="4" end="4"/>
-                                            </p:txEl>
-                                          </p:spTgt>
-                                        </p:tgtEl>
-                                      </p:cBhvr>
-                                    </p:animEffect>
                                   </p:childTnLst>
                                 </p:cTn>
                               </p:par>
                             </p:childTnLst>
                           </p:cTn>
                         </p:par>
-                      </p:childTnLst>
-                    </p:cTn>
-                  </p:par>
-                  <p:par>
-                    <p:cTn id="27" fill="hold">
-                      <p:stCondLst>
-                        <p:cond delay="indefinite"/>
-                      </p:stCondLst>
-                      <p:childTnLst>
                         <p:par>
-                          <p:cTn id="28" fill="hold">
+                          <p:cTn id="15" fill="hold">
                             <p:stCondLst>
-                              <p:cond delay="0"/>
+                              <p:cond delay="601"/>
                             </p:stCondLst>
                             <p:childTnLst>
                               <p:par>
-                                <p:cTn id="29" presetID="10" presetClass="entr" presetSubtype="0" fill="hold" nodeType="clickEffect">
+                                <p:cTn id="16" presetID="1" presetClass="entr" presetSubtype="0" fill="hold" nodeType="afterEffect">
                                   <p:stCondLst>
                                     <p:cond delay="0"/>
                                   </p:stCondLst>
+                                  <p:iterate type="lt">
+                                    <p:tmAbs val="100"/>
+                                  </p:iterate>
                                   <p:childTnLst>
                                     <p:set>
                                       <p:cBhvr>
-                                        <p:cTn id="30" dur="1" fill="hold">
+                                        <p:cTn id="17" dur="1" fill="hold">
                                           <p:stCondLst>
                                             <p:cond delay="0"/>
                                           </p:stCondLst>
@@ -6432,262 +6168,6 @@
                                         <p:strVal val="visible"/>
                                       </p:to>
                                     </p:set>
-                                    <p:animEffect transition="in" filter="fade">
-                                      <p:cBhvr>
-                                        <p:cTn id="31" dur="500"/>
-                                        <p:tgtEl>
-                                          <p:spTgt spid="3">
-                                            <p:txEl>
-                                              <p:pRg st="5" end="5"/>
-                                            </p:txEl>
-                                          </p:spTgt>
-                                        </p:tgtEl>
-                                      </p:cBhvr>
-                                    </p:animEffect>
-                                  </p:childTnLst>
-                                </p:cTn>
-                              </p:par>
-                            </p:childTnLst>
-                          </p:cTn>
-                        </p:par>
-                      </p:childTnLst>
-                    </p:cTn>
-                  </p:par>
-                  <p:par>
-                    <p:cTn id="32" fill="hold">
-                      <p:stCondLst>
-                        <p:cond delay="indefinite"/>
-                      </p:stCondLst>
-                      <p:childTnLst>
-                        <p:par>
-                          <p:cTn id="33" fill="hold">
-                            <p:stCondLst>
-                              <p:cond delay="0"/>
-                            </p:stCondLst>
-                            <p:childTnLst>
-                              <p:par>
-                                <p:cTn id="34" presetID="10" presetClass="entr" presetSubtype="0" fill="hold" nodeType="clickEffect">
-                                  <p:stCondLst>
-                                    <p:cond delay="0"/>
-                                  </p:stCondLst>
-                                  <p:childTnLst>
-                                    <p:set>
-                                      <p:cBhvr>
-                                        <p:cTn id="35" dur="1" fill="hold">
-                                          <p:stCondLst>
-                                            <p:cond delay="0"/>
-                                          </p:stCondLst>
-                                        </p:cTn>
-                                        <p:tgtEl>
-                                          <p:spTgt spid="3">
-                                            <p:txEl>
-                                              <p:pRg st="6" end="6"/>
-                                            </p:txEl>
-                                          </p:spTgt>
-                                        </p:tgtEl>
-                                        <p:attrNameLst>
-                                          <p:attrName>style.visibility</p:attrName>
-                                        </p:attrNameLst>
-                                      </p:cBhvr>
-                                      <p:to>
-                                        <p:strVal val="visible"/>
-                                      </p:to>
-                                    </p:set>
-                                    <p:animEffect transition="in" filter="fade">
-                                      <p:cBhvr>
-                                        <p:cTn id="36" dur="500"/>
-                                        <p:tgtEl>
-                                          <p:spTgt spid="3">
-                                            <p:txEl>
-                                              <p:pRg st="6" end="6"/>
-                                            </p:txEl>
-                                          </p:spTgt>
-                                        </p:tgtEl>
-                                      </p:cBhvr>
-                                    </p:animEffect>
-                                  </p:childTnLst>
-                                </p:cTn>
-                              </p:par>
-                            </p:childTnLst>
-                          </p:cTn>
-                        </p:par>
-                      </p:childTnLst>
-                    </p:cTn>
-                  </p:par>
-                  <p:par>
-                    <p:cTn id="37" fill="hold">
-                      <p:stCondLst>
-                        <p:cond delay="indefinite"/>
-                      </p:stCondLst>
-                      <p:childTnLst>
-                        <p:par>
-                          <p:cTn id="38" fill="hold">
-                            <p:stCondLst>
-                              <p:cond delay="0"/>
-                            </p:stCondLst>
-                            <p:childTnLst>
-                              <p:par>
-                                <p:cTn id="39" presetID="10" presetClass="entr" presetSubtype="0" fill="hold" nodeType="clickEffect">
-                                  <p:stCondLst>
-                                    <p:cond delay="0"/>
-                                  </p:stCondLst>
-                                  <p:childTnLst>
-                                    <p:set>
-                                      <p:cBhvr>
-                                        <p:cTn id="40" dur="1" fill="hold">
-                                          <p:stCondLst>
-                                            <p:cond delay="0"/>
-                                          </p:stCondLst>
-                                        </p:cTn>
-                                        <p:tgtEl>
-                                          <p:spTgt spid="3">
-                                            <p:txEl>
-                                              <p:pRg st="7" end="7"/>
-                                            </p:txEl>
-                                          </p:spTgt>
-                                        </p:tgtEl>
-                                        <p:attrNameLst>
-                                          <p:attrName>style.visibility</p:attrName>
-                                        </p:attrNameLst>
-                                      </p:cBhvr>
-                                      <p:to>
-                                        <p:strVal val="visible"/>
-                                      </p:to>
-                                    </p:set>
-                                    <p:animEffect transition="in" filter="fade">
-                                      <p:cBhvr>
-                                        <p:cTn id="41" dur="500"/>
-                                        <p:tgtEl>
-                                          <p:spTgt spid="3">
-                                            <p:txEl>
-                                              <p:pRg st="7" end="7"/>
-                                            </p:txEl>
-                                          </p:spTgt>
-                                        </p:tgtEl>
-                                      </p:cBhvr>
-                                    </p:animEffect>
-                                  </p:childTnLst>
-                                </p:cTn>
-                              </p:par>
-                            </p:childTnLst>
-                          </p:cTn>
-                        </p:par>
-                      </p:childTnLst>
-                    </p:cTn>
-                  </p:par>
-                  <p:par>
-                    <p:cTn id="42" fill="hold">
-                      <p:stCondLst>
-                        <p:cond delay="indefinite"/>
-                      </p:stCondLst>
-                      <p:childTnLst>
-                        <p:par>
-                          <p:cTn id="43" fill="hold">
-                            <p:stCondLst>
-                              <p:cond delay="0"/>
-                            </p:stCondLst>
-                            <p:childTnLst>
-                              <p:par>
-                                <p:cTn id="44" presetID="10" presetClass="entr" presetSubtype="0" fill="hold" nodeType="clickEffect">
-                                  <p:stCondLst>
-                                    <p:cond delay="0"/>
-                                  </p:stCondLst>
-                                  <p:childTnLst>
-                                    <p:set>
-                                      <p:cBhvr>
-                                        <p:cTn id="45" dur="1" fill="hold">
-                                          <p:stCondLst>
-                                            <p:cond delay="0"/>
-                                          </p:stCondLst>
-                                        </p:cTn>
-                                        <p:tgtEl>
-                                          <p:spTgt spid="3">
-                                            <p:txEl>
-                                              <p:pRg st="8" end="8"/>
-                                            </p:txEl>
-                                          </p:spTgt>
-                                        </p:tgtEl>
-                                        <p:attrNameLst>
-                                          <p:attrName>style.visibility</p:attrName>
-                                        </p:attrNameLst>
-                                      </p:cBhvr>
-                                      <p:to>
-                                        <p:strVal val="visible"/>
-                                      </p:to>
-                                    </p:set>
-                                    <p:animEffect transition="in" filter="fade">
-                                      <p:cBhvr>
-                                        <p:cTn id="46" dur="500"/>
-                                        <p:tgtEl>
-                                          <p:spTgt spid="3">
-                                            <p:txEl>
-                                              <p:pRg st="8" end="8"/>
-                                            </p:txEl>
-                                          </p:spTgt>
-                                        </p:tgtEl>
-                                      </p:cBhvr>
-                                    </p:animEffect>
-                                  </p:childTnLst>
-                                </p:cTn>
-                              </p:par>
-                            </p:childTnLst>
-                          </p:cTn>
-                        </p:par>
-                      </p:childTnLst>
-                    </p:cTn>
-                  </p:par>
-                  <p:par>
-                    <p:cTn id="47" fill="hold">
-                      <p:stCondLst>
-                        <p:cond delay="indefinite"/>
-                      </p:stCondLst>
-                      <p:childTnLst>
-                        <p:par>
-                          <p:cTn id="48" fill="hold">
-                            <p:stCondLst>
-                              <p:cond delay="0"/>
-                            </p:stCondLst>
-                            <p:childTnLst>
-                              <p:par>
-                                <p:cTn id="49" presetID="10" presetClass="entr" presetSubtype="0" fill="hold" nodeType="clickEffect">
-                                  <p:stCondLst>
-                                    <p:cond delay="0"/>
-                                  </p:stCondLst>
-                                  <p:childTnLst>
-                                    <p:set>
-                                      <p:cBhvr>
-                                        <p:cTn id="50" dur="1" fill="hold">
-                                          <p:stCondLst>
-                                            <p:cond delay="0"/>
-                                          </p:stCondLst>
-                                        </p:cTn>
-                                        <p:tgtEl>
-                                          <p:spTgt spid="3">
-                                            <p:txEl>
-                                              <p:pRg st="9" end="9"/>
-                                            </p:txEl>
-                                          </p:spTgt>
-                                        </p:tgtEl>
-                                        <p:attrNameLst>
-                                          <p:attrName>style.visibility</p:attrName>
-                                        </p:attrNameLst>
-                                      </p:cBhvr>
-                                      <p:to>
-                                        <p:strVal val="visible"/>
-                                      </p:to>
-                                    </p:set>
-                                    <p:animEffect transition="in" filter="fade">
-                                      <p:cBhvr>
-                                        <p:cTn id="51" dur="500"/>
-                                        <p:tgtEl>
-                                          <p:spTgt spid="3">
-                                            <p:txEl>
-                                              <p:pRg st="9" end="9"/>
-                                            </p:txEl>
-                                          </p:spTgt>
-                                        </p:tgtEl>
-                                      </p:cBhvr>
-                                    </p:animEffect>
                                   </p:childTnLst>
                                 </p:cTn>
                               </p:par>
@@ -6741,6 +6221,2108 @@
       </p:grpSpPr>
       <p:sp>
         <p:nvSpPr>
+          <p:cNvPr id="3" name="Espace réservé du contenu 2"/>
+          <p:cNvSpPr>
+            <a:spLocks noGrp="1"/>
+          </p:cNvSpPr>
+          <p:nvPr>
+            <p:ph idx="1"/>
+          </p:nvPr>
+        </p:nvSpPr>
+        <p:spPr>
+          <a:xfrm>
+            <a:off x="595745" y="263238"/>
+            <a:ext cx="9434946" cy="5668963"/>
+          </a:xfrm>
+        </p:spPr>
+        <p:txBody>
+          <a:bodyPr/>
+          <a:lstStyle/>
+          <a:p>
+            <a:pPr marL="0" indent="0">
+              <a:buNone/>
+            </a:pPr>
+            <a:r>
+              <a:rPr lang="fr-FR" sz="4000" dirty="0" smtClean="0">
+                <a:solidFill>
+                  <a:srgbClr val="3333CC"/>
+                </a:solidFill>
+              </a:rPr>
+              <a:t>Que peut-être un test dans un if ?</a:t>
+            </a:r>
+          </a:p>
+          <a:p>
+            <a:pPr lvl="1">
+              <a:buFont typeface="Arial" panose="020B0604020202020204" pitchFamily="34" charset="0"/>
+              <a:buChar char="•"/>
+            </a:pPr>
+            <a:r>
+              <a:rPr lang="fr-FR" sz="3600" dirty="0" smtClean="0"/>
+              <a:t>Un test d’appartenance </a:t>
+            </a:r>
+            <a:r>
+              <a:rPr lang="fr-FR" sz="3600" dirty="0" smtClean="0">
+                <a:latin typeface="Courier New" panose="02070309020205020404" pitchFamily="49" charset="0"/>
+                <a:cs typeface="Courier New" panose="02070309020205020404" pitchFamily="49" charset="0"/>
+              </a:rPr>
+              <a:t>in</a:t>
+            </a:r>
+            <a:endParaRPr lang="fr-FR" sz="3600" dirty="0">
+              <a:latin typeface="Courier New" panose="02070309020205020404" pitchFamily="49" charset="0"/>
+              <a:cs typeface="Courier New" panose="02070309020205020404" pitchFamily="49" charset="0"/>
+            </a:endParaRPr>
+          </a:p>
+          <a:p>
+            <a:pPr marL="0" indent="0">
+              <a:buNone/>
+            </a:pPr>
+            <a:endParaRPr lang="en-US" sz="4000" dirty="0" smtClean="0">
+              <a:latin typeface="Courier New" panose="02070309020205020404" pitchFamily="49" charset="0"/>
+              <a:cs typeface="Courier New" panose="02070309020205020404" pitchFamily="49" charset="0"/>
+            </a:endParaRPr>
+          </a:p>
+          <a:p>
+            <a:pPr marL="0" indent="0">
+              <a:buNone/>
+            </a:pPr>
+            <a:r>
+              <a:rPr lang="en-US" sz="4000" dirty="0" smtClean="0">
+                <a:latin typeface="Courier New" panose="02070309020205020404" pitchFamily="49" charset="0"/>
+                <a:cs typeface="Courier New" panose="02070309020205020404" pitchFamily="49" charset="0"/>
+              </a:rPr>
+              <a:t>if </a:t>
+            </a:r>
+            <a:r>
+              <a:rPr lang="en-US" sz="4000" dirty="0">
+                <a:latin typeface="Courier New" panose="02070309020205020404" pitchFamily="49" charset="0"/>
+                <a:cs typeface="Courier New" panose="02070309020205020404" pitchFamily="49" charset="0"/>
+              </a:rPr>
+              <a:t>'a' in 'marc':</a:t>
+            </a:r>
+          </a:p>
+          <a:p>
+            <a:pPr marL="0" indent="0">
+              <a:buNone/>
+            </a:pPr>
+            <a:r>
+              <a:rPr lang="en-US" sz="4000" dirty="0">
+                <a:latin typeface="Courier New" panose="02070309020205020404" pitchFamily="49" charset="0"/>
+                <a:cs typeface="Courier New" panose="02070309020205020404" pitchFamily="49" charset="0"/>
+              </a:rPr>
+              <a:t>    print 'ok'</a:t>
+            </a:r>
+            <a:endParaRPr lang="fr-FR" sz="4000" dirty="0" smtClean="0">
+              <a:latin typeface="Courier New" panose="02070309020205020404" pitchFamily="49" charset="0"/>
+              <a:cs typeface="Courier New" panose="02070309020205020404" pitchFamily="49" charset="0"/>
+            </a:endParaRPr>
+          </a:p>
+          <a:p>
+            <a:pPr marL="457200" lvl="1" indent="0">
+              <a:buNone/>
+            </a:pPr>
+            <a:r>
+              <a:rPr lang="fr-FR" sz="3600" dirty="0" smtClean="0">
+                <a:cs typeface="Courier New" panose="02070309020205020404" pitchFamily="49" charset="0"/>
+              </a:rPr>
+              <a:t>	</a:t>
+            </a:r>
+          </a:p>
+          <a:p>
+            <a:pPr marL="457200" lvl="1" indent="0">
+              <a:buNone/>
+            </a:pPr>
+            <a:endParaRPr lang="fr-FR" sz="3600" dirty="0" smtClean="0">
+              <a:cs typeface="Courier New" panose="02070309020205020404" pitchFamily="49" charset="0"/>
+            </a:endParaRPr>
+          </a:p>
+        </p:txBody>
+      </p:sp>
+    </p:spTree>
+    <p:extLst>
+      <p:ext uri="{BB962C8B-B14F-4D97-AF65-F5344CB8AC3E}">
+        <p14:creationId xmlns:p14="http://schemas.microsoft.com/office/powerpoint/2010/main" val="3181682277"/>
+      </p:ext>
+    </p:extLst>
+  </p:cSld>
+  <p:clrMapOvr>
+    <a:masterClrMapping/>
+  </p:clrMapOvr>
+  <p:timing>
+    <p:tnLst>
+      <p:par>
+        <p:cTn id="1" dur="indefinite" restart="never" nodeType="tmRoot">
+          <p:childTnLst>
+            <p:seq concurrent="1" nextAc="seek">
+              <p:cTn id="2" dur="indefinite" nodeType="mainSeq">
+                <p:childTnLst>
+                  <p:par>
+                    <p:cTn id="3" fill="hold">
+                      <p:stCondLst>
+                        <p:cond delay="indefinite"/>
+                      </p:stCondLst>
+                      <p:childTnLst>
+                        <p:par>
+                          <p:cTn id="4" fill="hold">
+                            <p:stCondLst>
+                              <p:cond delay="0"/>
+                            </p:stCondLst>
+                            <p:childTnLst>
+                              <p:par>
+                                <p:cTn id="5" presetID="10" presetClass="entr" presetSubtype="0" fill="hold" nodeType="clickEffect">
+                                  <p:stCondLst>
+                                    <p:cond delay="0"/>
+                                  </p:stCondLst>
+                                  <p:childTnLst>
+                                    <p:set>
+                                      <p:cBhvr>
+                                        <p:cTn id="6" dur="1" fill="hold">
+                                          <p:stCondLst>
+                                            <p:cond delay="0"/>
+                                          </p:stCondLst>
+                                        </p:cTn>
+                                        <p:tgtEl>
+                                          <p:spTgt spid="3">
+                                            <p:txEl>
+                                              <p:pRg st="1" end="1"/>
+                                            </p:txEl>
+                                          </p:spTgt>
+                                        </p:tgtEl>
+                                        <p:attrNameLst>
+                                          <p:attrName>style.visibility</p:attrName>
+                                        </p:attrNameLst>
+                                      </p:cBhvr>
+                                      <p:to>
+                                        <p:strVal val="visible"/>
+                                      </p:to>
+                                    </p:set>
+                                    <p:animEffect transition="in" filter="fade">
+                                      <p:cBhvr>
+                                        <p:cTn id="7" dur="500"/>
+                                        <p:tgtEl>
+                                          <p:spTgt spid="3">
+                                            <p:txEl>
+                                              <p:pRg st="1" end="1"/>
+                                            </p:txEl>
+                                          </p:spTgt>
+                                        </p:tgtEl>
+                                      </p:cBhvr>
+                                    </p:animEffect>
+                                  </p:childTnLst>
+                                </p:cTn>
+                              </p:par>
+                            </p:childTnLst>
+                          </p:cTn>
+                        </p:par>
+                      </p:childTnLst>
+                    </p:cTn>
+                  </p:par>
+                  <p:par>
+                    <p:cTn id="8" fill="hold">
+                      <p:stCondLst>
+                        <p:cond delay="indefinite"/>
+                      </p:stCondLst>
+                      <p:childTnLst>
+                        <p:par>
+                          <p:cTn id="9" fill="hold">
+                            <p:stCondLst>
+                              <p:cond delay="0"/>
+                            </p:stCondLst>
+                            <p:childTnLst>
+                              <p:par>
+                                <p:cTn id="10" presetID="1" presetClass="entr" presetSubtype="0" fill="hold" nodeType="clickEffect">
+                                  <p:stCondLst>
+                                    <p:cond delay="0"/>
+                                  </p:stCondLst>
+                                  <p:iterate type="lt">
+                                    <p:tmAbs val="100"/>
+                                  </p:iterate>
+                                  <p:childTnLst>
+                                    <p:set>
+                                      <p:cBhvr>
+                                        <p:cTn id="11" dur="1" fill="hold">
+                                          <p:stCondLst>
+                                            <p:cond delay="0"/>
+                                          </p:stCondLst>
+                                        </p:cTn>
+                                        <p:tgtEl>
+                                          <p:spTgt spid="3">
+                                            <p:txEl>
+                                              <p:pRg st="3" end="3"/>
+                                            </p:txEl>
+                                          </p:spTgt>
+                                        </p:tgtEl>
+                                        <p:attrNameLst>
+                                          <p:attrName>style.visibility</p:attrName>
+                                        </p:attrNameLst>
+                                      </p:cBhvr>
+                                      <p:to>
+                                        <p:strVal val="visible"/>
+                                      </p:to>
+                                    </p:set>
+                                  </p:childTnLst>
+                                </p:cTn>
+                              </p:par>
+                            </p:childTnLst>
+                          </p:cTn>
+                        </p:par>
+                        <p:par>
+                          <p:cTn id="12" fill="hold">
+                            <p:stCondLst>
+                              <p:cond delay="1301"/>
+                            </p:stCondLst>
+                            <p:childTnLst>
+                              <p:par>
+                                <p:cTn id="13" presetID="1" presetClass="entr" presetSubtype="0" fill="hold" nodeType="afterEffect">
+                                  <p:stCondLst>
+                                    <p:cond delay="0"/>
+                                  </p:stCondLst>
+                                  <p:iterate type="lt">
+                                    <p:tmAbs val="100"/>
+                                  </p:iterate>
+                                  <p:childTnLst>
+                                    <p:set>
+                                      <p:cBhvr>
+                                        <p:cTn id="14" dur="1" fill="hold">
+                                          <p:stCondLst>
+                                            <p:cond delay="0"/>
+                                          </p:stCondLst>
+                                        </p:cTn>
+                                        <p:tgtEl>
+                                          <p:spTgt spid="3">
+                                            <p:txEl>
+                                              <p:pRg st="4" end="4"/>
+                                            </p:txEl>
+                                          </p:spTgt>
+                                        </p:tgtEl>
+                                        <p:attrNameLst>
+                                          <p:attrName>style.visibility</p:attrName>
+                                        </p:attrNameLst>
+                                      </p:cBhvr>
+                                      <p:to>
+                                        <p:strVal val="visible"/>
+                                      </p:to>
+                                    </p:set>
+                                  </p:childTnLst>
+                                </p:cTn>
+                              </p:par>
+                            </p:childTnLst>
+                          </p:cTn>
+                        </p:par>
+                      </p:childTnLst>
+                    </p:cTn>
+                  </p:par>
+                </p:childTnLst>
+              </p:cTn>
+              <p:prevCondLst>
+                <p:cond evt="onPrev" delay="0">
+                  <p:tgtEl>
+                    <p:sldTgt/>
+                  </p:tgtEl>
+                </p:cond>
+              </p:prevCondLst>
+              <p:nextCondLst>
+                <p:cond evt="onNext" delay="0">
+                  <p:tgtEl>
+                    <p:sldTgt/>
+                  </p:tgtEl>
+                </p:cond>
+              </p:nextCondLst>
+            </p:seq>
+          </p:childTnLst>
+        </p:cTn>
+      </p:par>
+    </p:tnLst>
+  </p:timing>
+</p:sld>
+</file>
+
+<file path=ppt/slides/slide4.xml><?xml version="1.0" encoding="utf-8"?>
+<p:sld xmlns:a="http://schemas.openxmlformats.org/drawingml/2006/main" xmlns:r="http://schemas.openxmlformats.org/officeDocument/2006/relationships" xmlns:p="http://schemas.openxmlformats.org/presentationml/2006/main">
+  <p:cSld>
+    <p:spTree>
+      <p:nvGrpSpPr>
+        <p:cNvPr id="1" name=""/>
+        <p:cNvGrpSpPr/>
+        <p:nvPr/>
+      </p:nvGrpSpPr>
+      <p:grpSpPr>
+        <a:xfrm>
+          <a:off x="0" y="0"/>
+          <a:ext cx="0" cy="0"/>
+          <a:chOff x="0" y="0"/>
+          <a:chExt cx="0" cy="0"/>
+        </a:xfrm>
+      </p:grpSpPr>
+      <p:sp>
+        <p:nvSpPr>
+          <p:cNvPr id="3" name="Espace réservé du contenu 2"/>
+          <p:cNvSpPr>
+            <a:spLocks noGrp="1"/>
+          </p:cNvSpPr>
+          <p:nvPr>
+            <p:ph idx="1"/>
+          </p:nvPr>
+        </p:nvSpPr>
+        <p:spPr>
+          <a:xfrm>
+            <a:off x="595745" y="263238"/>
+            <a:ext cx="9434946" cy="5668963"/>
+          </a:xfrm>
+        </p:spPr>
+        <p:txBody>
+          <a:bodyPr/>
+          <a:lstStyle/>
+          <a:p>
+            <a:pPr marL="0" indent="0">
+              <a:buNone/>
+            </a:pPr>
+            <a:r>
+              <a:rPr lang="fr-FR" sz="4000" dirty="0" smtClean="0">
+                <a:solidFill>
+                  <a:srgbClr val="3333CC"/>
+                </a:solidFill>
+              </a:rPr>
+              <a:t>Que peut-être un test dans un if ?</a:t>
+            </a:r>
+          </a:p>
+          <a:p>
+            <a:pPr lvl="1">
+              <a:buFont typeface="Arial" panose="020B0604020202020204" pitchFamily="34" charset="0"/>
+              <a:buChar char="•"/>
+            </a:pPr>
+            <a:r>
+              <a:rPr lang="fr-FR" sz="3600" dirty="0" smtClean="0"/>
+              <a:t>Un type </a:t>
+            </a:r>
+            <a:r>
+              <a:rPr lang="fr-FR" sz="3600" dirty="0" err="1" smtClean="0"/>
+              <a:t>built</a:t>
+            </a:r>
+            <a:r>
+              <a:rPr lang="fr-FR" sz="3600" dirty="0" smtClean="0"/>
+              <a:t>-in</a:t>
+            </a:r>
+          </a:p>
+          <a:p>
+            <a:pPr lvl="2">
+              <a:buFont typeface="Arial" panose="020B0604020202020204" pitchFamily="34" charset="0"/>
+              <a:buChar char="•"/>
+            </a:pPr>
+            <a:r>
+              <a:rPr lang="fr-FR" sz="3200" dirty="0">
+                <a:latin typeface="Courier New" panose="02070309020205020404" pitchFamily="49" charset="0"/>
+                <a:cs typeface="Courier New" panose="02070309020205020404" pitchFamily="49" charset="0"/>
+              </a:rPr>
+              <a:t>False</a:t>
+            </a:r>
+            <a:r>
+              <a:rPr lang="fr-FR" sz="3200" dirty="0"/>
+              <a:t> : </a:t>
+            </a:r>
+            <a:r>
+              <a:rPr lang="fr-FR" sz="3200" dirty="0">
+                <a:latin typeface="Courier New" panose="02070309020205020404" pitchFamily="49" charset="0"/>
+                <a:cs typeface="Courier New" panose="02070309020205020404" pitchFamily="49" charset="0"/>
+              </a:rPr>
+              <a:t>0 [] {} () </a:t>
+            </a:r>
+            <a:r>
+              <a:rPr lang="fr-FR" sz="3200" dirty="0" smtClean="0">
+                <a:latin typeface="Courier New" panose="02070309020205020404" pitchFamily="49" charset="0"/>
+                <a:cs typeface="Courier New" panose="02070309020205020404" pitchFamily="49" charset="0"/>
+              </a:rPr>
+              <a:t>'' None</a:t>
+            </a:r>
+          </a:p>
+          <a:p>
+            <a:pPr lvl="2">
+              <a:buFont typeface="Arial" panose="020B0604020202020204" pitchFamily="34" charset="0"/>
+              <a:buChar char="•"/>
+            </a:pPr>
+            <a:r>
+              <a:rPr lang="fr-FR" sz="3200" dirty="0" err="1" smtClean="0">
+                <a:latin typeface="Courier New" panose="02070309020205020404" pitchFamily="49" charset="0"/>
+                <a:cs typeface="Courier New" panose="02070309020205020404" pitchFamily="49" charset="0"/>
+              </a:rPr>
+              <a:t>True</a:t>
+            </a:r>
+            <a:r>
+              <a:rPr lang="fr-FR" sz="3200" dirty="0" smtClean="0"/>
+              <a:t> : le reste</a:t>
+            </a:r>
+            <a:endParaRPr lang="fr-FR" sz="3200" dirty="0"/>
+          </a:p>
+          <a:p>
+            <a:pPr marL="0" indent="0">
+              <a:buNone/>
+            </a:pPr>
+            <a:endParaRPr lang="en-US" sz="4000" dirty="0" smtClean="0">
+              <a:latin typeface="Courier New" panose="02070309020205020404" pitchFamily="49" charset="0"/>
+              <a:cs typeface="Courier New" panose="02070309020205020404" pitchFamily="49" charset="0"/>
+            </a:endParaRPr>
+          </a:p>
+          <a:p>
+            <a:pPr marL="0" indent="0">
+              <a:buNone/>
+            </a:pPr>
+            <a:r>
+              <a:rPr lang="en-US" sz="4000" dirty="0">
+                <a:latin typeface="Courier New" panose="02070309020205020404" pitchFamily="49" charset="0"/>
+                <a:cs typeface="Courier New" panose="02070309020205020404" pitchFamily="49" charset="0"/>
+              </a:rPr>
+              <a:t>d = {'marc': 10} </a:t>
+            </a:r>
+            <a:endParaRPr lang="en-US" sz="4000" dirty="0" smtClean="0">
+              <a:latin typeface="Courier New" panose="02070309020205020404" pitchFamily="49" charset="0"/>
+              <a:cs typeface="Courier New" panose="02070309020205020404" pitchFamily="49" charset="0"/>
+            </a:endParaRPr>
+          </a:p>
+          <a:p>
+            <a:pPr marL="0" indent="0">
+              <a:buNone/>
+            </a:pPr>
+            <a:r>
+              <a:rPr lang="en-US" sz="4000" dirty="0" smtClean="0">
+                <a:latin typeface="Courier New" panose="02070309020205020404" pitchFamily="49" charset="0"/>
+                <a:cs typeface="Courier New" panose="02070309020205020404" pitchFamily="49" charset="0"/>
+              </a:rPr>
+              <a:t>if </a:t>
+            </a:r>
+            <a:r>
+              <a:rPr lang="en-US" sz="4000" dirty="0">
+                <a:latin typeface="Courier New" panose="02070309020205020404" pitchFamily="49" charset="0"/>
+                <a:cs typeface="Courier New" panose="02070309020205020404" pitchFamily="49" charset="0"/>
+              </a:rPr>
+              <a:t>d:</a:t>
+            </a:r>
+          </a:p>
+          <a:p>
+            <a:pPr marL="0" indent="0">
+              <a:buNone/>
+            </a:pPr>
+            <a:r>
+              <a:rPr lang="en-US" sz="4000" dirty="0">
+                <a:latin typeface="Courier New" panose="02070309020205020404" pitchFamily="49" charset="0"/>
+                <a:cs typeface="Courier New" panose="02070309020205020404" pitchFamily="49" charset="0"/>
+              </a:rPr>
+              <a:t>    print d</a:t>
+            </a:r>
+            <a:r>
+              <a:rPr lang="fr-FR" sz="3600" dirty="0" smtClean="0">
+                <a:cs typeface="Courier New" panose="02070309020205020404" pitchFamily="49" charset="0"/>
+              </a:rPr>
+              <a:t>	</a:t>
+            </a:r>
+          </a:p>
+          <a:p>
+            <a:pPr marL="457200" lvl="1" indent="0">
+              <a:buNone/>
+            </a:pPr>
+            <a:endParaRPr lang="fr-FR" sz="3600" dirty="0" smtClean="0">
+              <a:cs typeface="Courier New" panose="02070309020205020404" pitchFamily="49" charset="0"/>
+            </a:endParaRPr>
+          </a:p>
+        </p:txBody>
+      </p:sp>
+    </p:spTree>
+    <p:extLst>
+      <p:ext uri="{BB962C8B-B14F-4D97-AF65-F5344CB8AC3E}">
+        <p14:creationId xmlns:p14="http://schemas.microsoft.com/office/powerpoint/2010/main" val="2308901556"/>
+      </p:ext>
+    </p:extLst>
+  </p:cSld>
+  <p:clrMapOvr>
+    <a:masterClrMapping/>
+  </p:clrMapOvr>
+  <p:timing>
+    <p:tnLst>
+      <p:par>
+        <p:cTn id="1" dur="indefinite" restart="never" nodeType="tmRoot">
+          <p:childTnLst>
+            <p:seq concurrent="1" nextAc="seek">
+              <p:cTn id="2" dur="indefinite" nodeType="mainSeq">
+                <p:childTnLst>
+                  <p:par>
+                    <p:cTn id="3" fill="hold">
+                      <p:stCondLst>
+                        <p:cond delay="indefinite"/>
+                      </p:stCondLst>
+                      <p:childTnLst>
+                        <p:par>
+                          <p:cTn id="4" fill="hold">
+                            <p:stCondLst>
+                              <p:cond delay="0"/>
+                            </p:stCondLst>
+                            <p:childTnLst>
+                              <p:par>
+                                <p:cTn id="5" presetID="1" presetClass="entr" presetSubtype="0" fill="hold" nodeType="clickEffect">
+                                  <p:stCondLst>
+                                    <p:cond delay="0"/>
+                                  </p:stCondLst>
+                                  <p:childTnLst>
+                                    <p:set>
+                                      <p:cBhvr>
+                                        <p:cTn id="6" dur="1" fill="hold">
+                                          <p:stCondLst>
+                                            <p:cond delay="0"/>
+                                          </p:stCondLst>
+                                        </p:cTn>
+                                        <p:tgtEl>
+                                          <p:spTgt spid="3">
+                                            <p:txEl>
+                                              <p:pRg st="1" end="1"/>
+                                            </p:txEl>
+                                          </p:spTgt>
+                                        </p:tgtEl>
+                                        <p:attrNameLst>
+                                          <p:attrName>style.visibility</p:attrName>
+                                        </p:attrNameLst>
+                                      </p:cBhvr>
+                                      <p:to>
+                                        <p:strVal val="visible"/>
+                                      </p:to>
+                                    </p:set>
+                                  </p:childTnLst>
+                                </p:cTn>
+                              </p:par>
+                            </p:childTnLst>
+                          </p:cTn>
+                        </p:par>
+                      </p:childTnLst>
+                    </p:cTn>
+                  </p:par>
+                  <p:par>
+                    <p:cTn id="7" fill="hold">
+                      <p:stCondLst>
+                        <p:cond delay="indefinite"/>
+                      </p:stCondLst>
+                      <p:childTnLst>
+                        <p:par>
+                          <p:cTn id="8" fill="hold">
+                            <p:stCondLst>
+                              <p:cond delay="0"/>
+                            </p:stCondLst>
+                            <p:childTnLst>
+                              <p:par>
+                                <p:cTn id="9" presetID="1" presetClass="entr" presetSubtype="0" fill="hold" nodeType="clickEffect">
+                                  <p:stCondLst>
+                                    <p:cond delay="0"/>
+                                  </p:stCondLst>
+                                  <p:childTnLst>
+                                    <p:set>
+                                      <p:cBhvr>
+                                        <p:cTn id="10" dur="1" fill="hold">
+                                          <p:stCondLst>
+                                            <p:cond delay="0"/>
+                                          </p:stCondLst>
+                                        </p:cTn>
+                                        <p:tgtEl>
+                                          <p:spTgt spid="3">
+                                            <p:txEl>
+                                              <p:pRg st="2" end="2"/>
+                                            </p:txEl>
+                                          </p:spTgt>
+                                        </p:tgtEl>
+                                        <p:attrNameLst>
+                                          <p:attrName>style.visibility</p:attrName>
+                                        </p:attrNameLst>
+                                      </p:cBhvr>
+                                      <p:to>
+                                        <p:strVal val="visible"/>
+                                      </p:to>
+                                    </p:set>
+                                  </p:childTnLst>
+                                </p:cTn>
+                              </p:par>
+                            </p:childTnLst>
+                          </p:cTn>
+                        </p:par>
+                      </p:childTnLst>
+                    </p:cTn>
+                  </p:par>
+                  <p:par>
+                    <p:cTn id="11" fill="hold">
+                      <p:stCondLst>
+                        <p:cond delay="indefinite"/>
+                      </p:stCondLst>
+                      <p:childTnLst>
+                        <p:par>
+                          <p:cTn id="12" fill="hold">
+                            <p:stCondLst>
+                              <p:cond delay="0"/>
+                            </p:stCondLst>
+                            <p:childTnLst>
+                              <p:par>
+                                <p:cTn id="13" presetID="1" presetClass="entr" presetSubtype="0" fill="hold" nodeType="clickEffect">
+                                  <p:stCondLst>
+                                    <p:cond delay="0"/>
+                                  </p:stCondLst>
+                                  <p:childTnLst>
+                                    <p:set>
+                                      <p:cBhvr>
+                                        <p:cTn id="14" dur="1" fill="hold">
+                                          <p:stCondLst>
+                                            <p:cond delay="0"/>
+                                          </p:stCondLst>
+                                        </p:cTn>
+                                        <p:tgtEl>
+                                          <p:spTgt spid="3">
+                                            <p:txEl>
+                                              <p:pRg st="3" end="3"/>
+                                            </p:txEl>
+                                          </p:spTgt>
+                                        </p:tgtEl>
+                                        <p:attrNameLst>
+                                          <p:attrName>style.visibility</p:attrName>
+                                        </p:attrNameLst>
+                                      </p:cBhvr>
+                                      <p:to>
+                                        <p:strVal val="visible"/>
+                                      </p:to>
+                                    </p:set>
+                                  </p:childTnLst>
+                                </p:cTn>
+                              </p:par>
+                            </p:childTnLst>
+                          </p:cTn>
+                        </p:par>
+                        <p:par>
+                          <p:cTn id="15" fill="hold">
+                            <p:stCondLst>
+                              <p:cond delay="0"/>
+                            </p:stCondLst>
+                            <p:childTnLst>
+                              <p:par>
+                                <p:cTn id="16" presetID="1" presetClass="entr" presetSubtype="0" fill="hold" nodeType="afterEffect">
+                                  <p:stCondLst>
+                                    <p:cond delay="0"/>
+                                  </p:stCondLst>
+                                  <p:iterate type="lt">
+                                    <p:tmAbs val="100"/>
+                                  </p:iterate>
+                                  <p:childTnLst>
+                                    <p:set>
+                                      <p:cBhvr>
+                                        <p:cTn id="17" dur="1" fill="hold">
+                                          <p:stCondLst>
+                                            <p:cond delay="0"/>
+                                          </p:stCondLst>
+                                        </p:cTn>
+                                        <p:tgtEl>
+                                          <p:spTgt spid="3">
+                                            <p:txEl>
+                                              <p:pRg st="5" end="5"/>
+                                            </p:txEl>
+                                          </p:spTgt>
+                                        </p:tgtEl>
+                                        <p:attrNameLst>
+                                          <p:attrName>style.visibility</p:attrName>
+                                        </p:attrNameLst>
+                                      </p:cBhvr>
+                                      <p:to>
+                                        <p:strVal val="visible"/>
+                                      </p:to>
+                                    </p:set>
+                                  </p:childTnLst>
+                                </p:cTn>
+                              </p:par>
+                            </p:childTnLst>
+                          </p:cTn>
+                        </p:par>
+                        <p:par>
+                          <p:cTn id="18" fill="hold">
+                            <p:stCondLst>
+                              <p:cond delay="1201"/>
+                            </p:stCondLst>
+                            <p:childTnLst>
+                              <p:par>
+                                <p:cTn id="19" presetID="1" presetClass="entr" presetSubtype="0" fill="hold" nodeType="afterEffect">
+                                  <p:stCondLst>
+                                    <p:cond delay="0"/>
+                                  </p:stCondLst>
+                                  <p:iterate type="lt">
+                                    <p:tmAbs val="100"/>
+                                  </p:iterate>
+                                  <p:childTnLst>
+                                    <p:set>
+                                      <p:cBhvr>
+                                        <p:cTn id="20" dur="1" fill="hold">
+                                          <p:stCondLst>
+                                            <p:cond delay="0"/>
+                                          </p:stCondLst>
+                                        </p:cTn>
+                                        <p:tgtEl>
+                                          <p:spTgt spid="3">
+                                            <p:txEl>
+                                              <p:pRg st="6" end="6"/>
+                                            </p:txEl>
+                                          </p:spTgt>
+                                        </p:tgtEl>
+                                        <p:attrNameLst>
+                                          <p:attrName>style.visibility</p:attrName>
+                                        </p:attrNameLst>
+                                      </p:cBhvr>
+                                      <p:to>
+                                        <p:strVal val="visible"/>
+                                      </p:to>
+                                    </p:set>
+                                  </p:childTnLst>
+                                </p:cTn>
+                              </p:par>
+                            </p:childTnLst>
+                          </p:cTn>
+                        </p:par>
+                        <p:par>
+                          <p:cTn id="21" fill="hold">
+                            <p:stCondLst>
+                              <p:cond delay="1502"/>
+                            </p:stCondLst>
+                            <p:childTnLst>
+                              <p:par>
+                                <p:cTn id="22" presetID="1" presetClass="entr" presetSubtype="0" fill="hold" nodeType="afterEffect">
+                                  <p:stCondLst>
+                                    <p:cond delay="0"/>
+                                  </p:stCondLst>
+                                  <p:iterate type="lt">
+                                    <p:tmAbs val="100"/>
+                                  </p:iterate>
+                                  <p:childTnLst>
+                                    <p:set>
+                                      <p:cBhvr>
+                                        <p:cTn id="23" dur="1" fill="hold">
+                                          <p:stCondLst>
+                                            <p:cond delay="0"/>
+                                          </p:stCondLst>
+                                        </p:cTn>
+                                        <p:tgtEl>
+                                          <p:spTgt spid="3">
+                                            <p:txEl>
+                                              <p:pRg st="7" end="7"/>
+                                            </p:txEl>
+                                          </p:spTgt>
+                                        </p:tgtEl>
+                                        <p:attrNameLst>
+                                          <p:attrName>style.visibility</p:attrName>
+                                        </p:attrNameLst>
+                                      </p:cBhvr>
+                                      <p:to>
+                                        <p:strVal val="visible"/>
+                                      </p:to>
+                                    </p:set>
+                                  </p:childTnLst>
+                                </p:cTn>
+                              </p:par>
+                            </p:childTnLst>
+                          </p:cTn>
+                        </p:par>
+                      </p:childTnLst>
+                    </p:cTn>
+                  </p:par>
+                </p:childTnLst>
+              </p:cTn>
+              <p:prevCondLst>
+                <p:cond evt="onPrev" delay="0">
+                  <p:tgtEl>
+                    <p:sldTgt/>
+                  </p:tgtEl>
+                </p:cond>
+              </p:prevCondLst>
+              <p:nextCondLst>
+                <p:cond evt="onNext" delay="0">
+                  <p:tgtEl>
+                    <p:sldTgt/>
+                  </p:tgtEl>
+                </p:cond>
+              </p:nextCondLst>
+            </p:seq>
+          </p:childTnLst>
+        </p:cTn>
+      </p:par>
+    </p:tnLst>
+  </p:timing>
+</p:sld>
+</file>
+
+<file path=ppt/slides/slide5.xml><?xml version="1.0" encoding="utf-8"?>
+<p:sld xmlns:a="http://schemas.openxmlformats.org/drawingml/2006/main" xmlns:r="http://schemas.openxmlformats.org/officeDocument/2006/relationships" xmlns:p="http://schemas.openxmlformats.org/presentationml/2006/main">
+  <p:cSld>
+    <p:spTree>
+      <p:nvGrpSpPr>
+        <p:cNvPr id="1" name=""/>
+        <p:cNvGrpSpPr/>
+        <p:nvPr/>
+      </p:nvGrpSpPr>
+      <p:grpSpPr>
+        <a:xfrm>
+          <a:off x="0" y="0"/>
+          <a:ext cx="0" cy="0"/>
+          <a:chOff x="0" y="0"/>
+          <a:chExt cx="0" cy="0"/>
+        </a:xfrm>
+      </p:grpSpPr>
+      <p:sp>
+        <p:nvSpPr>
+          <p:cNvPr id="3" name="Espace réservé du contenu 2"/>
+          <p:cNvSpPr>
+            <a:spLocks noGrp="1"/>
+          </p:cNvSpPr>
+          <p:nvPr>
+            <p:ph idx="1"/>
+          </p:nvPr>
+        </p:nvSpPr>
+        <p:spPr>
+          <a:xfrm>
+            <a:off x="595745" y="263238"/>
+            <a:ext cx="9434946" cy="5668963"/>
+          </a:xfrm>
+        </p:spPr>
+        <p:txBody>
+          <a:bodyPr/>
+          <a:lstStyle/>
+          <a:p>
+            <a:pPr marL="0" indent="0">
+              <a:buNone/>
+            </a:pPr>
+            <a:r>
+              <a:rPr lang="fr-FR" sz="4000" dirty="0" smtClean="0">
+                <a:solidFill>
+                  <a:srgbClr val="3333CC"/>
+                </a:solidFill>
+              </a:rPr>
+              <a:t>Que peut-être un test dans un if ?</a:t>
+            </a:r>
+          </a:p>
+          <a:p>
+            <a:pPr lvl="1">
+              <a:buFont typeface="Arial" panose="020B0604020202020204" pitchFamily="34" charset="0"/>
+              <a:buChar char="•"/>
+            </a:pPr>
+            <a:r>
+              <a:rPr lang="fr-FR" sz="3600" dirty="0" smtClean="0"/>
+              <a:t>Un retour de fonction </a:t>
+            </a:r>
+          </a:p>
+          <a:p>
+            <a:pPr lvl="2">
+              <a:buFont typeface="Arial" panose="020B0604020202020204" pitchFamily="34" charset="0"/>
+              <a:buChar char="•"/>
+            </a:pPr>
+            <a:r>
+              <a:rPr lang="fr-FR" sz="3200" dirty="0" smtClean="0"/>
+              <a:t>Soit un booléen</a:t>
+            </a:r>
+          </a:p>
+          <a:p>
+            <a:pPr lvl="2">
+              <a:buFont typeface="Arial" panose="020B0604020202020204" pitchFamily="34" charset="0"/>
+              <a:buChar char="•"/>
+            </a:pPr>
+            <a:r>
+              <a:rPr lang="fr-FR" sz="3200" dirty="0" smtClean="0"/>
+              <a:t>Soit un type </a:t>
+            </a:r>
+            <a:r>
+              <a:rPr lang="fr-FR" sz="3200" dirty="0" err="1" smtClean="0"/>
+              <a:t>built</a:t>
+            </a:r>
+            <a:r>
+              <a:rPr lang="fr-FR" sz="3200" dirty="0" smtClean="0"/>
+              <a:t>-in</a:t>
+            </a:r>
+            <a:endParaRPr lang="fr-FR" sz="3200" dirty="0"/>
+          </a:p>
+          <a:p>
+            <a:pPr marL="0" indent="0">
+              <a:buNone/>
+            </a:pPr>
+            <a:endParaRPr lang="en-US" sz="4000" dirty="0" smtClean="0">
+              <a:latin typeface="Courier New" panose="02070309020205020404" pitchFamily="49" charset="0"/>
+              <a:cs typeface="Courier New" panose="02070309020205020404" pitchFamily="49" charset="0"/>
+            </a:endParaRPr>
+          </a:p>
+          <a:p>
+            <a:pPr marL="0" indent="0">
+              <a:buNone/>
+            </a:pPr>
+            <a:r>
+              <a:rPr lang="en-US" sz="4000" dirty="0">
+                <a:latin typeface="Courier New" panose="02070309020205020404" pitchFamily="49" charset="0"/>
+                <a:cs typeface="Courier New" panose="02070309020205020404" pitchFamily="49" charset="0"/>
+              </a:rPr>
+              <a:t>s = '123'</a:t>
+            </a:r>
+          </a:p>
+          <a:p>
+            <a:pPr marL="0" indent="0">
+              <a:buNone/>
+            </a:pPr>
+            <a:r>
+              <a:rPr lang="en-US" sz="4000" dirty="0">
+                <a:latin typeface="Courier New" panose="02070309020205020404" pitchFamily="49" charset="0"/>
+                <a:cs typeface="Courier New" panose="02070309020205020404" pitchFamily="49" charset="0"/>
+              </a:rPr>
+              <a:t>if </a:t>
+            </a:r>
+            <a:r>
+              <a:rPr lang="en-US" sz="4000" dirty="0" err="1">
+                <a:latin typeface="Courier New" panose="02070309020205020404" pitchFamily="49" charset="0"/>
+                <a:cs typeface="Courier New" panose="02070309020205020404" pitchFamily="49" charset="0"/>
+              </a:rPr>
+              <a:t>s.isdigit</a:t>
+            </a:r>
+            <a:r>
+              <a:rPr lang="en-US" sz="4000" dirty="0">
+                <a:latin typeface="Courier New" panose="02070309020205020404" pitchFamily="49" charset="0"/>
+                <a:cs typeface="Courier New" panose="02070309020205020404" pitchFamily="49" charset="0"/>
+              </a:rPr>
+              <a:t>():</a:t>
+            </a:r>
+          </a:p>
+          <a:p>
+            <a:pPr marL="0" indent="0">
+              <a:buNone/>
+            </a:pPr>
+            <a:r>
+              <a:rPr lang="en-US" sz="4000" dirty="0">
+                <a:latin typeface="Courier New" panose="02070309020205020404" pitchFamily="49" charset="0"/>
+                <a:cs typeface="Courier New" panose="02070309020205020404" pitchFamily="49" charset="0"/>
+              </a:rPr>
+              <a:t>    print </a:t>
+            </a:r>
+            <a:r>
+              <a:rPr lang="en-US" sz="4000" dirty="0" err="1">
+                <a:latin typeface="Courier New" panose="02070309020205020404" pitchFamily="49" charset="0"/>
+                <a:cs typeface="Courier New" panose="02070309020205020404" pitchFamily="49" charset="0"/>
+              </a:rPr>
+              <a:t>int</a:t>
+            </a:r>
+            <a:r>
+              <a:rPr lang="en-US" sz="4000" dirty="0">
+                <a:latin typeface="Courier New" panose="02070309020205020404" pitchFamily="49" charset="0"/>
+                <a:cs typeface="Courier New" panose="02070309020205020404" pitchFamily="49" charset="0"/>
+              </a:rPr>
+              <a:t>(s) + 10</a:t>
+            </a:r>
+            <a:endParaRPr lang="fr-FR" sz="3600" dirty="0" smtClean="0">
+              <a:cs typeface="Courier New" panose="02070309020205020404" pitchFamily="49" charset="0"/>
+            </a:endParaRPr>
+          </a:p>
+        </p:txBody>
+      </p:sp>
+    </p:spTree>
+    <p:extLst>
+      <p:ext uri="{BB962C8B-B14F-4D97-AF65-F5344CB8AC3E}">
+        <p14:creationId xmlns:p14="http://schemas.microsoft.com/office/powerpoint/2010/main" val="3863601073"/>
+      </p:ext>
+    </p:extLst>
+  </p:cSld>
+  <p:clrMapOvr>
+    <a:masterClrMapping/>
+  </p:clrMapOvr>
+  <p:timing>
+    <p:tnLst>
+      <p:par>
+        <p:cTn id="1" dur="indefinite" restart="never" nodeType="tmRoot">
+          <p:childTnLst>
+            <p:seq concurrent="1" nextAc="seek">
+              <p:cTn id="2" dur="indefinite" nodeType="mainSeq">
+                <p:childTnLst>
+                  <p:par>
+                    <p:cTn id="3" fill="hold">
+                      <p:stCondLst>
+                        <p:cond delay="indefinite"/>
+                      </p:stCondLst>
+                      <p:childTnLst>
+                        <p:par>
+                          <p:cTn id="4" fill="hold">
+                            <p:stCondLst>
+                              <p:cond delay="0"/>
+                            </p:stCondLst>
+                            <p:childTnLst>
+                              <p:par>
+                                <p:cTn id="5" presetID="1" presetClass="entr" presetSubtype="0" fill="hold" nodeType="clickEffect">
+                                  <p:stCondLst>
+                                    <p:cond delay="0"/>
+                                  </p:stCondLst>
+                                  <p:childTnLst>
+                                    <p:set>
+                                      <p:cBhvr>
+                                        <p:cTn id="6" dur="1" fill="hold">
+                                          <p:stCondLst>
+                                            <p:cond delay="0"/>
+                                          </p:stCondLst>
+                                        </p:cTn>
+                                        <p:tgtEl>
+                                          <p:spTgt spid="3">
+                                            <p:txEl>
+                                              <p:pRg st="1" end="1"/>
+                                            </p:txEl>
+                                          </p:spTgt>
+                                        </p:tgtEl>
+                                        <p:attrNameLst>
+                                          <p:attrName>style.visibility</p:attrName>
+                                        </p:attrNameLst>
+                                      </p:cBhvr>
+                                      <p:to>
+                                        <p:strVal val="visible"/>
+                                      </p:to>
+                                    </p:set>
+                                  </p:childTnLst>
+                                </p:cTn>
+                              </p:par>
+                            </p:childTnLst>
+                          </p:cTn>
+                        </p:par>
+                      </p:childTnLst>
+                    </p:cTn>
+                  </p:par>
+                  <p:par>
+                    <p:cTn id="7" fill="hold">
+                      <p:stCondLst>
+                        <p:cond delay="indefinite"/>
+                      </p:stCondLst>
+                      <p:childTnLst>
+                        <p:par>
+                          <p:cTn id="8" fill="hold">
+                            <p:stCondLst>
+                              <p:cond delay="0"/>
+                            </p:stCondLst>
+                            <p:childTnLst>
+                              <p:par>
+                                <p:cTn id="9" presetID="1" presetClass="entr" presetSubtype="0" fill="hold" nodeType="clickEffect">
+                                  <p:stCondLst>
+                                    <p:cond delay="0"/>
+                                  </p:stCondLst>
+                                  <p:childTnLst>
+                                    <p:set>
+                                      <p:cBhvr>
+                                        <p:cTn id="10" dur="1" fill="hold">
+                                          <p:stCondLst>
+                                            <p:cond delay="0"/>
+                                          </p:stCondLst>
+                                        </p:cTn>
+                                        <p:tgtEl>
+                                          <p:spTgt spid="3">
+                                            <p:txEl>
+                                              <p:pRg st="2" end="2"/>
+                                            </p:txEl>
+                                          </p:spTgt>
+                                        </p:tgtEl>
+                                        <p:attrNameLst>
+                                          <p:attrName>style.visibility</p:attrName>
+                                        </p:attrNameLst>
+                                      </p:cBhvr>
+                                      <p:to>
+                                        <p:strVal val="visible"/>
+                                      </p:to>
+                                    </p:set>
+                                  </p:childTnLst>
+                                </p:cTn>
+                              </p:par>
+                            </p:childTnLst>
+                          </p:cTn>
+                        </p:par>
+                      </p:childTnLst>
+                    </p:cTn>
+                  </p:par>
+                  <p:par>
+                    <p:cTn id="11" fill="hold">
+                      <p:stCondLst>
+                        <p:cond delay="indefinite"/>
+                      </p:stCondLst>
+                      <p:childTnLst>
+                        <p:par>
+                          <p:cTn id="12" fill="hold">
+                            <p:stCondLst>
+                              <p:cond delay="0"/>
+                            </p:stCondLst>
+                            <p:childTnLst>
+                              <p:par>
+                                <p:cTn id="13" presetID="1" presetClass="entr" presetSubtype="0" fill="hold" nodeType="clickEffect">
+                                  <p:stCondLst>
+                                    <p:cond delay="0"/>
+                                  </p:stCondLst>
+                                  <p:childTnLst>
+                                    <p:set>
+                                      <p:cBhvr>
+                                        <p:cTn id="14" dur="1" fill="hold">
+                                          <p:stCondLst>
+                                            <p:cond delay="0"/>
+                                          </p:stCondLst>
+                                        </p:cTn>
+                                        <p:tgtEl>
+                                          <p:spTgt spid="3">
+                                            <p:txEl>
+                                              <p:pRg st="3" end="3"/>
+                                            </p:txEl>
+                                          </p:spTgt>
+                                        </p:tgtEl>
+                                        <p:attrNameLst>
+                                          <p:attrName>style.visibility</p:attrName>
+                                        </p:attrNameLst>
+                                      </p:cBhvr>
+                                      <p:to>
+                                        <p:strVal val="visible"/>
+                                      </p:to>
+                                    </p:set>
+                                  </p:childTnLst>
+                                </p:cTn>
+                              </p:par>
+                            </p:childTnLst>
+                          </p:cTn>
+                        </p:par>
+                      </p:childTnLst>
+                    </p:cTn>
+                  </p:par>
+                  <p:par>
+                    <p:cTn id="15" fill="hold">
+                      <p:stCondLst>
+                        <p:cond delay="indefinite"/>
+                      </p:stCondLst>
+                      <p:childTnLst>
+                        <p:par>
+                          <p:cTn id="16" fill="hold">
+                            <p:stCondLst>
+                              <p:cond delay="0"/>
+                            </p:stCondLst>
+                            <p:childTnLst>
+                              <p:par>
+                                <p:cTn id="17" presetID="1" presetClass="entr" presetSubtype="0" fill="hold" nodeType="clickEffect">
+                                  <p:stCondLst>
+                                    <p:cond delay="0"/>
+                                  </p:stCondLst>
+                                  <p:iterate type="lt">
+                                    <p:tmAbs val="100"/>
+                                  </p:iterate>
+                                  <p:childTnLst>
+                                    <p:set>
+                                      <p:cBhvr>
+                                        <p:cTn id="18" dur="1" fill="hold">
+                                          <p:stCondLst>
+                                            <p:cond delay="0"/>
+                                          </p:stCondLst>
+                                        </p:cTn>
+                                        <p:tgtEl>
+                                          <p:spTgt spid="3">
+                                            <p:txEl>
+                                              <p:pRg st="5" end="5"/>
+                                            </p:txEl>
+                                          </p:spTgt>
+                                        </p:tgtEl>
+                                        <p:attrNameLst>
+                                          <p:attrName>style.visibility</p:attrName>
+                                        </p:attrNameLst>
+                                      </p:cBhvr>
+                                      <p:to>
+                                        <p:strVal val="visible"/>
+                                      </p:to>
+                                    </p:set>
+                                  </p:childTnLst>
+                                </p:cTn>
+                              </p:par>
+                            </p:childTnLst>
+                          </p:cTn>
+                        </p:par>
+                        <p:par>
+                          <p:cTn id="19" fill="hold">
+                            <p:stCondLst>
+                              <p:cond delay="601"/>
+                            </p:stCondLst>
+                            <p:childTnLst>
+                              <p:par>
+                                <p:cTn id="20" presetID="1" presetClass="entr" presetSubtype="0" fill="hold" nodeType="afterEffect">
+                                  <p:stCondLst>
+                                    <p:cond delay="0"/>
+                                  </p:stCondLst>
+                                  <p:iterate type="lt">
+                                    <p:tmAbs val="100"/>
+                                  </p:iterate>
+                                  <p:childTnLst>
+                                    <p:set>
+                                      <p:cBhvr>
+                                        <p:cTn id="21" dur="1" fill="hold">
+                                          <p:stCondLst>
+                                            <p:cond delay="0"/>
+                                          </p:stCondLst>
+                                        </p:cTn>
+                                        <p:tgtEl>
+                                          <p:spTgt spid="3">
+                                            <p:txEl>
+                                              <p:pRg st="6" end="6"/>
+                                            </p:txEl>
+                                          </p:spTgt>
+                                        </p:tgtEl>
+                                        <p:attrNameLst>
+                                          <p:attrName>style.visibility</p:attrName>
+                                        </p:attrNameLst>
+                                      </p:cBhvr>
+                                      <p:to>
+                                        <p:strVal val="visible"/>
+                                      </p:to>
+                                    </p:set>
+                                  </p:childTnLst>
+                                </p:cTn>
+                              </p:par>
+                            </p:childTnLst>
+                          </p:cTn>
+                        </p:par>
+                        <p:par>
+                          <p:cTn id="22" fill="hold">
+                            <p:stCondLst>
+                              <p:cond delay="1902"/>
+                            </p:stCondLst>
+                            <p:childTnLst>
+                              <p:par>
+                                <p:cTn id="23" presetID="1" presetClass="entr" presetSubtype="0" fill="hold" nodeType="afterEffect">
+                                  <p:stCondLst>
+                                    <p:cond delay="0"/>
+                                  </p:stCondLst>
+                                  <p:iterate type="lt">
+                                    <p:tmAbs val="100"/>
+                                  </p:iterate>
+                                  <p:childTnLst>
+                                    <p:set>
+                                      <p:cBhvr>
+                                        <p:cTn id="24" dur="1" fill="hold">
+                                          <p:stCondLst>
+                                            <p:cond delay="0"/>
+                                          </p:stCondLst>
+                                        </p:cTn>
+                                        <p:tgtEl>
+                                          <p:spTgt spid="3">
+                                            <p:txEl>
+                                              <p:pRg st="7" end="7"/>
+                                            </p:txEl>
+                                          </p:spTgt>
+                                        </p:tgtEl>
+                                        <p:attrNameLst>
+                                          <p:attrName>style.visibility</p:attrName>
+                                        </p:attrNameLst>
+                                      </p:cBhvr>
+                                      <p:to>
+                                        <p:strVal val="visible"/>
+                                      </p:to>
+                                    </p:set>
+                                  </p:childTnLst>
+                                </p:cTn>
+                              </p:par>
+                            </p:childTnLst>
+                          </p:cTn>
+                        </p:par>
+                      </p:childTnLst>
+                    </p:cTn>
+                  </p:par>
+                </p:childTnLst>
+              </p:cTn>
+              <p:prevCondLst>
+                <p:cond evt="onPrev" delay="0">
+                  <p:tgtEl>
+                    <p:sldTgt/>
+                  </p:tgtEl>
+                </p:cond>
+              </p:prevCondLst>
+              <p:nextCondLst>
+                <p:cond evt="onNext" delay="0">
+                  <p:tgtEl>
+                    <p:sldTgt/>
+                  </p:tgtEl>
+                </p:cond>
+              </p:nextCondLst>
+            </p:seq>
+          </p:childTnLst>
+        </p:cTn>
+      </p:par>
+    </p:tnLst>
+  </p:timing>
+</p:sld>
+</file>
+
+<file path=ppt/slides/slide6.xml><?xml version="1.0" encoding="utf-8"?>
+<p:sld xmlns:a="http://schemas.openxmlformats.org/drawingml/2006/main" xmlns:r="http://schemas.openxmlformats.org/officeDocument/2006/relationships" xmlns:p="http://schemas.openxmlformats.org/presentationml/2006/main">
+  <p:cSld>
+    <p:spTree>
+      <p:nvGrpSpPr>
+        <p:cNvPr id="1" name=""/>
+        <p:cNvGrpSpPr/>
+        <p:nvPr/>
+      </p:nvGrpSpPr>
+      <p:grpSpPr>
+        <a:xfrm>
+          <a:off x="0" y="0"/>
+          <a:ext cx="0" cy="0"/>
+          <a:chOff x="0" y="0"/>
+          <a:chExt cx="0" cy="0"/>
+        </a:xfrm>
+      </p:grpSpPr>
+      <p:sp>
+        <p:nvSpPr>
+          <p:cNvPr id="3" name="Espace réservé du contenu 2"/>
+          <p:cNvSpPr>
+            <a:spLocks noGrp="1"/>
+          </p:cNvSpPr>
+          <p:nvPr>
+            <p:ph idx="1"/>
+          </p:nvPr>
+        </p:nvSpPr>
+        <p:spPr>
+          <a:xfrm>
+            <a:off x="595745" y="263238"/>
+            <a:ext cx="10799086" cy="5668963"/>
+          </a:xfrm>
+        </p:spPr>
+        <p:txBody>
+          <a:bodyPr/>
+          <a:lstStyle/>
+          <a:p>
+            <a:pPr marL="0" indent="0">
+              <a:buNone/>
+            </a:pPr>
+            <a:r>
+              <a:rPr lang="fr-FR" sz="4000" dirty="0" smtClean="0">
+                <a:solidFill>
+                  <a:srgbClr val="3333CC"/>
+                </a:solidFill>
+              </a:rPr>
+              <a:t>Que peut-être un test dans un if ?</a:t>
+            </a:r>
+          </a:p>
+          <a:p>
+            <a:pPr lvl="1">
+              <a:buFont typeface="Arial" panose="020B0604020202020204" pitchFamily="34" charset="0"/>
+              <a:buChar char="•"/>
+            </a:pPr>
+            <a:r>
+              <a:rPr lang="fr-FR" sz="3600" dirty="0" smtClean="0"/>
+              <a:t>Un opérateur de test booléen </a:t>
+            </a:r>
+            <a:r>
+              <a:rPr lang="fr-FR" sz="3600" dirty="0" smtClean="0">
+                <a:latin typeface="Courier New" panose="02070309020205020404" pitchFamily="49" charset="0"/>
+                <a:cs typeface="Courier New" panose="02070309020205020404" pitchFamily="49" charset="0"/>
+              </a:rPr>
+              <a:t>and or not</a:t>
+            </a:r>
+          </a:p>
+          <a:p>
+            <a:pPr lvl="2">
+              <a:buFont typeface="Arial" panose="020B0604020202020204" pitchFamily="34" charset="0"/>
+              <a:buChar char="•"/>
+            </a:pPr>
+            <a:r>
+              <a:rPr lang="fr-FR" sz="3200" dirty="0" smtClean="0">
+                <a:latin typeface="Courier New" panose="02070309020205020404" pitchFamily="49" charset="0"/>
+                <a:cs typeface="Courier New" panose="02070309020205020404" pitchFamily="49" charset="0"/>
+              </a:rPr>
+              <a:t>A and B </a:t>
+            </a:r>
+            <a:r>
+              <a:rPr lang="fr-FR" sz="3200" dirty="0" smtClean="0">
+                <a:cs typeface="Courier New" panose="02070309020205020404" pitchFamily="49" charset="0"/>
+              </a:rPr>
+              <a:t>est</a:t>
+            </a:r>
+            <a:r>
+              <a:rPr lang="fr-FR" sz="3200" dirty="0" smtClean="0">
+                <a:latin typeface="Courier New" panose="02070309020205020404" pitchFamily="49" charset="0"/>
+                <a:cs typeface="Courier New" panose="02070309020205020404" pitchFamily="49" charset="0"/>
+              </a:rPr>
+              <a:t> </a:t>
+            </a:r>
+            <a:r>
+              <a:rPr lang="fr-FR" sz="3200" dirty="0" err="1" smtClean="0">
+                <a:latin typeface="Courier New" panose="02070309020205020404" pitchFamily="49" charset="0"/>
+                <a:cs typeface="Courier New" panose="02070309020205020404" pitchFamily="49" charset="0"/>
+              </a:rPr>
+              <a:t>True</a:t>
+            </a:r>
+            <a:r>
+              <a:rPr lang="fr-FR" sz="3200" dirty="0" smtClean="0">
+                <a:latin typeface="Courier New" panose="02070309020205020404" pitchFamily="49" charset="0"/>
+                <a:cs typeface="Courier New" panose="02070309020205020404" pitchFamily="49" charset="0"/>
+              </a:rPr>
+              <a:t> </a:t>
+            </a:r>
+            <a:r>
+              <a:rPr lang="fr-FR" sz="3200" dirty="0" smtClean="0">
+                <a:cs typeface="Courier New" panose="02070309020205020404" pitchFamily="49" charset="0"/>
+              </a:rPr>
+              <a:t>si</a:t>
+            </a:r>
+            <a:r>
+              <a:rPr lang="fr-FR" sz="3200" dirty="0" smtClean="0">
+                <a:latin typeface="Courier New" panose="02070309020205020404" pitchFamily="49" charset="0"/>
+                <a:cs typeface="Courier New" panose="02070309020205020404" pitchFamily="49" charset="0"/>
+              </a:rPr>
+              <a:t> A </a:t>
+            </a:r>
+            <a:r>
+              <a:rPr lang="fr-FR" sz="3200" dirty="0" smtClean="0">
+                <a:cs typeface="Courier New" panose="02070309020205020404" pitchFamily="49" charset="0"/>
+              </a:rPr>
+              <a:t>et</a:t>
+            </a:r>
+            <a:r>
+              <a:rPr lang="fr-FR" sz="3200" dirty="0" smtClean="0">
+                <a:latin typeface="Courier New" panose="02070309020205020404" pitchFamily="49" charset="0"/>
+                <a:cs typeface="Courier New" panose="02070309020205020404" pitchFamily="49" charset="0"/>
+              </a:rPr>
+              <a:t> B </a:t>
+            </a:r>
+            <a:r>
+              <a:rPr lang="fr-FR" sz="3200" dirty="0" smtClean="0">
+                <a:cs typeface="Courier New" panose="02070309020205020404" pitchFamily="49" charset="0"/>
+              </a:rPr>
+              <a:t>sont</a:t>
+            </a:r>
+            <a:r>
+              <a:rPr lang="fr-FR" sz="3200" dirty="0" smtClean="0">
+                <a:latin typeface="Courier New" panose="02070309020205020404" pitchFamily="49" charset="0"/>
+                <a:cs typeface="Courier New" panose="02070309020205020404" pitchFamily="49" charset="0"/>
+              </a:rPr>
+              <a:t> </a:t>
+            </a:r>
+            <a:r>
+              <a:rPr lang="fr-FR" sz="3200" dirty="0" err="1" smtClean="0">
+                <a:latin typeface="Courier New" panose="02070309020205020404" pitchFamily="49" charset="0"/>
+                <a:cs typeface="Courier New" panose="02070309020205020404" pitchFamily="49" charset="0"/>
+              </a:rPr>
+              <a:t>True</a:t>
+            </a:r>
+            <a:endParaRPr lang="fr-FR" sz="3200" dirty="0" smtClean="0">
+              <a:latin typeface="Courier New" panose="02070309020205020404" pitchFamily="49" charset="0"/>
+              <a:cs typeface="Courier New" panose="02070309020205020404" pitchFamily="49" charset="0"/>
+            </a:endParaRPr>
+          </a:p>
+          <a:p>
+            <a:pPr lvl="2">
+              <a:buFont typeface="Arial" panose="020B0604020202020204" pitchFamily="34" charset="0"/>
+              <a:buChar char="•"/>
+            </a:pPr>
+            <a:r>
+              <a:rPr lang="fr-FR" sz="3200" dirty="0" smtClean="0">
+                <a:latin typeface="Courier New" panose="02070309020205020404" pitchFamily="49" charset="0"/>
+                <a:cs typeface="Courier New" panose="02070309020205020404" pitchFamily="49" charset="0"/>
+              </a:rPr>
+              <a:t>A or B </a:t>
+            </a:r>
+            <a:r>
+              <a:rPr lang="fr-FR" sz="3200" dirty="0" smtClean="0">
+                <a:cs typeface="Courier New" panose="02070309020205020404" pitchFamily="49" charset="0"/>
+              </a:rPr>
+              <a:t>est</a:t>
+            </a:r>
+            <a:r>
+              <a:rPr lang="fr-FR" sz="3200" dirty="0" smtClean="0">
+                <a:latin typeface="Courier New" panose="02070309020205020404" pitchFamily="49" charset="0"/>
+                <a:cs typeface="Courier New" panose="02070309020205020404" pitchFamily="49" charset="0"/>
+              </a:rPr>
+              <a:t> </a:t>
+            </a:r>
+            <a:r>
+              <a:rPr lang="fr-FR" sz="3200" dirty="0" err="1" smtClean="0">
+                <a:latin typeface="Courier New" panose="02070309020205020404" pitchFamily="49" charset="0"/>
+                <a:cs typeface="Courier New" panose="02070309020205020404" pitchFamily="49" charset="0"/>
+              </a:rPr>
+              <a:t>True</a:t>
+            </a:r>
+            <a:r>
+              <a:rPr lang="fr-FR" sz="3200" dirty="0" smtClean="0">
+                <a:latin typeface="Courier New" panose="02070309020205020404" pitchFamily="49" charset="0"/>
+                <a:cs typeface="Courier New" panose="02070309020205020404" pitchFamily="49" charset="0"/>
+              </a:rPr>
+              <a:t> </a:t>
+            </a:r>
+            <a:r>
+              <a:rPr lang="fr-FR" sz="3200" dirty="0" smtClean="0">
+                <a:cs typeface="Courier New" panose="02070309020205020404" pitchFamily="49" charset="0"/>
+              </a:rPr>
+              <a:t>si</a:t>
+            </a:r>
+            <a:r>
+              <a:rPr lang="fr-FR" sz="3200" dirty="0" smtClean="0">
+                <a:latin typeface="Courier New" panose="02070309020205020404" pitchFamily="49" charset="0"/>
+                <a:cs typeface="Courier New" panose="02070309020205020404" pitchFamily="49" charset="0"/>
+              </a:rPr>
+              <a:t> A </a:t>
+            </a:r>
+            <a:r>
+              <a:rPr lang="fr-FR" sz="3200" dirty="0" smtClean="0">
+                <a:cs typeface="Courier New" panose="02070309020205020404" pitchFamily="49" charset="0"/>
+              </a:rPr>
+              <a:t>ou</a:t>
+            </a:r>
+            <a:r>
+              <a:rPr lang="fr-FR" sz="3200" dirty="0" smtClean="0">
+                <a:latin typeface="Courier New" panose="02070309020205020404" pitchFamily="49" charset="0"/>
+                <a:cs typeface="Courier New" panose="02070309020205020404" pitchFamily="49" charset="0"/>
+              </a:rPr>
+              <a:t> B </a:t>
+            </a:r>
+            <a:r>
+              <a:rPr lang="fr-FR" sz="3200" dirty="0" smtClean="0">
+                <a:cs typeface="Courier New" panose="02070309020205020404" pitchFamily="49" charset="0"/>
+              </a:rPr>
+              <a:t>est</a:t>
+            </a:r>
+            <a:r>
+              <a:rPr lang="fr-FR" sz="3200" dirty="0" smtClean="0">
+                <a:latin typeface="Courier New" panose="02070309020205020404" pitchFamily="49" charset="0"/>
+                <a:cs typeface="Courier New" panose="02070309020205020404" pitchFamily="49" charset="0"/>
+              </a:rPr>
+              <a:t> </a:t>
+            </a:r>
+            <a:r>
+              <a:rPr lang="fr-FR" sz="3200" dirty="0" err="1" smtClean="0">
+                <a:latin typeface="Courier New" panose="02070309020205020404" pitchFamily="49" charset="0"/>
+                <a:cs typeface="Courier New" panose="02070309020205020404" pitchFamily="49" charset="0"/>
+              </a:rPr>
+              <a:t>True</a:t>
+            </a:r>
+            <a:endParaRPr lang="fr-FR" sz="3200" dirty="0" smtClean="0">
+              <a:latin typeface="Courier New" panose="02070309020205020404" pitchFamily="49" charset="0"/>
+              <a:cs typeface="Courier New" panose="02070309020205020404" pitchFamily="49" charset="0"/>
+            </a:endParaRPr>
+          </a:p>
+          <a:p>
+            <a:pPr lvl="2">
+              <a:buFont typeface="Arial" panose="020B0604020202020204" pitchFamily="34" charset="0"/>
+              <a:buChar char="•"/>
+            </a:pPr>
+            <a:r>
+              <a:rPr lang="fr-FR" sz="3200" dirty="0" smtClean="0">
+                <a:latin typeface="Courier New" panose="02070309020205020404" pitchFamily="49" charset="0"/>
+                <a:cs typeface="Courier New" panose="02070309020205020404" pitchFamily="49" charset="0"/>
+              </a:rPr>
+              <a:t>not A </a:t>
+            </a:r>
+            <a:r>
+              <a:rPr lang="fr-FR" sz="3200" dirty="0" smtClean="0">
+                <a:cs typeface="Courier New" panose="02070309020205020404" pitchFamily="49" charset="0"/>
+              </a:rPr>
+              <a:t>est</a:t>
+            </a:r>
+            <a:r>
+              <a:rPr lang="fr-FR" sz="3200" dirty="0" smtClean="0">
+                <a:latin typeface="Courier New" panose="02070309020205020404" pitchFamily="49" charset="0"/>
+                <a:cs typeface="Courier New" panose="02070309020205020404" pitchFamily="49" charset="0"/>
+              </a:rPr>
+              <a:t> </a:t>
+            </a:r>
+            <a:r>
+              <a:rPr lang="fr-FR" sz="3200" dirty="0" err="1" smtClean="0">
+                <a:latin typeface="Courier New" panose="02070309020205020404" pitchFamily="49" charset="0"/>
+                <a:cs typeface="Courier New" panose="02070309020205020404" pitchFamily="49" charset="0"/>
+              </a:rPr>
+              <a:t>True</a:t>
+            </a:r>
+            <a:r>
+              <a:rPr lang="fr-FR" sz="3200" dirty="0" smtClean="0">
+                <a:latin typeface="Courier New" panose="02070309020205020404" pitchFamily="49" charset="0"/>
+                <a:cs typeface="Courier New" panose="02070309020205020404" pitchFamily="49" charset="0"/>
+              </a:rPr>
+              <a:t> </a:t>
+            </a:r>
+            <a:r>
+              <a:rPr lang="fr-FR" sz="3200" dirty="0" smtClean="0">
+                <a:cs typeface="Courier New" panose="02070309020205020404" pitchFamily="49" charset="0"/>
+              </a:rPr>
+              <a:t>si</a:t>
+            </a:r>
+            <a:r>
+              <a:rPr lang="fr-FR" sz="3200" dirty="0" smtClean="0">
+                <a:latin typeface="Courier New" panose="02070309020205020404" pitchFamily="49" charset="0"/>
+                <a:cs typeface="Courier New" panose="02070309020205020404" pitchFamily="49" charset="0"/>
+              </a:rPr>
+              <a:t> A </a:t>
+            </a:r>
+            <a:r>
+              <a:rPr lang="fr-FR" sz="3200" dirty="0" smtClean="0">
+                <a:cs typeface="Courier New" panose="02070309020205020404" pitchFamily="49" charset="0"/>
+              </a:rPr>
+              <a:t>est</a:t>
+            </a:r>
+            <a:r>
+              <a:rPr lang="fr-FR" sz="3200" dirty="0" smtClean="0">
+                <a:latin typeface="Courier New" panose="02070309020205020404" pitchFamily="49" charset="0"/>
+                <a:cs typeface="Courier New" panose="02070309020205020404" pitchFamily="49" charset="0"/>
+              </a:rPr>
+              <a:t> False</a:t>
+            </a:r>
+          </a:p>
+          <a:p>
+            <a:pPr marL="0" indent="0">
+              <a:buNone/>
+            </a:pPr>
+            <a:endParaRPr lang="en-US" sz="4000" dirty="0" smtClean="0">
+              <a:latin typeface="Courier New" panose="02070309020205020404" pitchFamily="49" charset="0"/>
+              <a:cs typeface="Courier New" panose="02070309020205020404" pitchFamily="49" charset="0"/>
+            </a:endParaRPr>
+          </a:p>
+          <a:p>
+            <a:pPr marL="0" indent="0">
+              <a:buNone/>
+            </a:pPr>
+            <a:r>
+              <a:rPr lang="en-US" sz="4000" dirty="0">
+                <a:latin typeface="Courier New" panose="02070309020205020404" pitchFamily="49" charset="0"/>
+                <a:cs typeface="Courier New" panose="02070309020205020404" pitchFamily="49" charset="0"/>
+              </a:rPr>
+              <a:t>s = '123'</a:t>
+            </a:r>
+          </a:p>
+          <a:p>
+            <a:pPr marL="0" indent="0">
+              <a:buNone/>
+            </a:pPr>
+            <a:r>
+              <a:rPr lang="en-US" sz="4000" dirty="0">
+                <a:latin typeface="Courier New" panose="02070309020205020404" pitchFamily="49" charset="0"/>
+                <a:cs typeface="Courier New" panose="02070309020205020404" pitchFamily="49" charset="0"/>
+              </a:rPr>
+              <a:t>if '1' in s and </a:t>
+            </a:r>
+            <a:r>
+              <a:rPr lang="en-US" sz="4000" dirty="0" err="1">
+                <a:latin typeface="Courier New" panose="02070309020205020404" pitchFamily="49" charset="0"/>
+                <a:cs typeface="Courier New" panose="02070309020205020404" pitchFamily="49" charset="0"/>
+              </a:rPr>
+              <a:t>s.isdigit</a:t>
+            </a:r>
+            <a:r>
+              <a:rPr lang="en-US" sz="4000" dirty="0">
+                <a:latin typeface="Courier New" panose="02070309020205020404" pitchFamily="49" charset="0"/>
+                <a:cs typeface="Courier New" panose="02070309020205020404" pitchFamily="49" charset="0"/>
+              </a:rPr>
+              <a:t>():</a:t>
+            </a:r>
+          </a:p>
+          <a:p>
+            <a:pPr marL="0" indent="0">
+              <a:buNone/>
+            </a:pPr>
+            <a:r>
+              <a:rPr lang="en-US" sz="4000" dirty="0">
+                <a:latin typeface="Courier New" panose="02070309020205020404" pitchFamily="49" charset="0"/>
+                <a:cs typeface="Courier New" panose="02070309020205020404" pitchFamily="49" charset="0"/>
+              </a:rPr>
+              <a:t>    print </a:t>
+            </a:r>
+            <a:r>
+              <a:rPr lang="en-US" sz="4000" dirty="0" err="1">
+                <a:latin typeface="Courier New" panose="02070309020205020404" pitchFamily="49" charset="0"/>
+                <a:cs typeface="Courier New" panose="02070309020205020404" pitchFamily="49" charset="0"/>
+              </a:rPr>
+              <a:t>int</a:t>
+            </a:r>
+            <a:r>
+              <a:rPr lang="en-US" sz="4000" dirty="0">
+                <a:latin typeface="Courier New" panose="02070309020205020404" pitchFamily="49" charset="0"/>
+                <a:cs typeface="Courier New" panose="02070309020205020404" pitchFamily="49" charset="0"/>
+              </a:rPr>
+              <a:t>(s) + 10</a:t>
+            </a:r>
+            <a:endParaRPr lang="fr-FR" sz="3600" dirty="0" smtClean="0">
+              <a:cs typeface="Courier New" panose="02070309020205020404" pitchFamily="49" charset="0"/>
+            </a:endParaRPr>
+          </a:p>
+        </p:txBody>
+      </p:sp>
+    </p:spTree>
+    <p:extLst>
+      <p:ext uri="{BB962C8B-B14F-4D97-AF65-F5344CB8AC3E}">
+        <p14:creationId xmlns:p14="http://schemas.microsoft.com/office/powerpoint/2010/main" val="1185624634"/>
+      </p:ext>
+    </p:extLst>
+  </p:cSld>
+  <p:clrMapOvr>
+    <a:masterClrMapping/>
+  </p:clrMapOvr>
+  <p:timing>
+    <p:tnLst>
+      <p:par>
+        <p:cTn id="1" dur="indefinite" restart="never" nodeType="tmRoot">
+          <p:childTnLst>
+            <p:seq concurrent="1" nextAc="seek">
+              <p:cTn id="2" dur="indefinite" nodeType="mainSeq">
+                <p:childTnLst>
+                  <p:par>
+                    <p:cTn id="3" fill="hold">
+                      <p:stCondLst>
+                        <p:cond delay="indefinite"/>
+                      </p:stCondLst>
+                      <p:childTnLst>
+                        <p:par>
+                          <p:cTn id="4" fill="hold">
+                            <p:stCondLst>
+                              <p:cond delay="0"/>
+                            </p:stCondLst>
+                            <p:childTnLst>
+                              <p:par>
+                                <p:cTn id="5" presetID="1" presetClass="entr" presetSubtype="0" fill="hold" nodeType="clickEffect">
+                                  <p:stCondLst>
+                                    <p:cond delay="0"/>
+                                  </p:stCondLst>
+                                  <p:childTnLst>
+                                    <p:set>
+                                      <p:cBhvr>
+                                        <p:cTn id="6" dur="1" fill="hold">
+                                          <p:stCondLst>
+                                            <p:cond delay="0"/>
+                                          </p:stCondLst>
+                                        </p:cTn>
+                                        <p:tgtEl>
+                                          <p:spTgt spid="3">
+                                            <p:txEl>
+                                              <p:pRg st="1" end="1"/>
+                                            </p:txEl>
+                                          </p:spTgt>
+                                        </p:tgtEl>
+                                        <p:attrNameLst>
+                                          <p:attrName>style.visibility</p:attrName>
+                                        </p:attrNameLst>
+                                      </p:cBhvr>
+                                      <p:to>
+                                        <p:strVal val="visible"/>
+                                      </p:to>
+                                    </p:set>
+                                  </p:childTnLst>
+                                </p:cTn>
+                              </p:par>
+                            </p:childTnLst>
+                          </p:cTn>
+                        </p:par>
+                      </p:childTnLst>
+                    </p:cTn>
+                  </p:par>
+                  <p:par>
+                    <p:cTn id="7" fill="hold">
+                      <p:stCondLst>
+                        <p:cond delay="indefinite"/>
+                      </p:stCondLst>
+                      <p:childTnLst>
+                        <p:par>
+                          <p:cTn id="8" fill="hold">
+                            <p:stCondLst>
+                              <p:cond delay="0"/>
+                            </p:stCondLst>
+                            <p:childTnLst>
+                              <p:par>
+                                <p:cTn id="9" presetID="1" presetClass="entr" presetSubtype="0" fill="hold" nodeType="clickEffect">
+                                  <p:stCondLst>
+                                    <p:cond delay="0"/>
+                                  </p:stCondLst>
+                                  <p:childTnLst>
+                                    <p:set>
+                                      <p:cBhvr>
+                                        <p:cTn id="10" dur="1" fill="hold">
+                                          <p:stCondLst>
+                                            <p:cond delay="0"/>
+                                          </p:stCondLst>
+                                        </p:cTn>
+                                        <p:tgtEl>
+                                          <p:spTgt spid="3">
+                                            <p:txEl>
+                                              <p:pRg st="2" end="2"/>
+                                            </p:txEl>
+                                          </p:spTgt>
+                                        </p:tgtEl>
+                                        <p:attrNameLst>
+                                          <p:attrName>style.visibility</p:attrName>
+                                        </p:attrNameLst>
+                                      </p:cBhvr>
+                                      <p:to>
+                                        <p:strVal val="visible"/>
+                                      </p:to>
+                                    </p:set>
+                                  </p:childTnLst>
+                                </p:cTn>
+                              </p:par>
+                            </p:childTnLst>
+                          </p:cTn>
+                        </p:par>
+                      </p:childTnLst>
+                    </p:cTn>
+                  </p:par>
+                  <p:par>
+                    <p:cTn id="11" fill="hold">
+                      <p:stCondLst>
+                        <p:cond delay="indefinite"/>
+                      </p:stCondLst>
+                      <p:childTnLst>
+                        <p:par>
+                          <p:cTn id="12" fill="hold">
+                            <p:stCondLst>
+                              <p:cond delay="0"/>
+                            </p:stCondLst>
+                            <p:childTnLst>
+                              <p:par>
+                                <p:cTn id="13" presetID="1" presetClass="entr" presetSubtype="0" fill="hold" nodeType="clickEffect">
+                                  <p:stCondLst>
+                                    <p:cond delay="0"/>
+                                  </p:stCondLst>
+                                  <p:childTnLst>
+                                    <p:set>
+                                      <p:cBhvr>
+                                        <p:cTn id="14" dur="1" fill="hold">
+                                          <p:stCondLst>
+                                            <p:cond delay="0"/>
+                                          </p:stCondLst>
+                                        </p:cTn>
+                                        <p:tgtEl>
+                                          <p:spTgt spid="3">
+                                            <p:txEl>
+                                              <p:pRg st="3" end="3"/>
+                                            </p:txEl>
+                                          </p:spTgt>
+                                        </p:tgtEl>
+                                        <p:attrNameLst>
+                                          <p:attrName>style.visibility</p:attrName>
+                                        </p:attrNameLst>
+                                      </p:cBhvr>
+                                      <p:to>
+                                        <p:strVal val="visible"/>
+                                      </p:to>
+                                    </p:set>
+                                  </p:childTnLst>
+                                </p:cTn>
+                              </p:par>
+                            </p:childTnLst>
+                          </p:cTn>
+                        </p:par>
+                      </p:childTnLst>
+                    </p:cTn>
+                  </p:par>
+                  <p:par>
+                    <p:cTn id="15" fill="hold">
+                      <p:stCondLst>
+                        <p:cond delay="indefinite"/>
+                      </p:stCondLst>
+                      <p:childTnLst>
+                        <p:par>
+                          <p:cTn id="16" fill="hold">
+                            <p:stCondLst>
+                              <p:cond delay="0"/>
+                            </p:stCondLst>
+                            <p:childTnLst>
+                              <p:par>
+                                <p:cTn id="17" presetID="1" presetClass="entr" presetSubtype="0" fill="hold" nodeType="clickEffect">
+                                  <p:stCondLst>
+                                    <p:cond delay="0"/>
+                                  </p:stCondLst>
+                                  <p:childTnLst>
+                                    <p:set>
+                                      <p:cBhvr>
+                                        <p:cTn id="18" dur="1" fill="hold">
+                                          <p:stCondLst>
+                                            <p:cond delay="0"/>
+                                          </p:stCondLst>
+                                        </p:cTn>
+                                        <p:tgtEl>
+                                          <p:spTgt spid="3">
+                                            <p:txEl>
+                                              <p:pRg st="4" end="4"/>
+                                            </p:txEl>
+                                          </p:spTgt>
+                                        </p:tgtEl>
+                                        <p:attrNameLst>
+                                          <p:attrName>style.visibility</p:attrName>
+                                        </p:attrNameLst>
+                                      </p:cBhvr>
+                                      <p:to>
+                                        <p:strVal val="visible"/>
+                                      </p:to>
+                                    </p:set>
+                                  </p:childTnLst>
+                                </p:cTn>
+                              </p:par>
+                            </p:childTnLst>
+                          </p:cTn>
+                        </p:par>
+                      </p:childTnLst>
+                    </p:cTn>
+                  </p:par>
+                  <p:par>
+                    <p:cTn id="19" fill="hold">
+                      <p:stCondLst>
+                        <p:cond delay="indefinite"/>
+                      </p:stCondLst>
+                      <p:childTnLst>
+                        <p:par>
+                          <p:cTn id="20" fill="hold">
+                            <p:stCondLst>
+                              <p:cond delay="0"/>
+                            </p:stCondLst>
+                            <p:childTnLst>
+                              <p:par>
+                                <p:cTn id="21" presetID="1" presetClass="entr" presetSubtype="0" fill="hold" nodeType="clickEffect">
+                                  <p:stCondLst>
+                                    <p:cond delay="0"/>
+                                  </p:stCondLst>
+                                  <p:iterate type="lt">
+                                    <p:tmAbs val="100"/>
+                                  </p:iterate>
+                                  <p:childTnLst>
+                                    <p:set>
+                                      <p:cBhvr>
+                                        <p:cTn id="22" dur="1" fill="hold">
+                                          <p:stCondLst>
+                                            <p:cond delay="0"/>
+                                          </p:stCondLst>
+                                        </p:cTn>
+                                        <p:tgtEl>
+                                          <p:spTgt spid="3">
+                                            <p:txEl>
+                                              <p:pRg st="6" end="6"/>
+                                            </p:txEl>
+                                          </p:spTgt>
+                                        </p:tgtEl>
+                                        <p:attrNameLst>
+                                          <p:attrName>style.visibility</p:attrName>
+                                        </p:attrNameLst>
+                                      </p:cBhvr>
+                                      <p:to>
+                                        <p:strVal val="visible"/>
+                                      </p:to>
+                                    </p:set>
+                                  </p:childTnLst>
+                                </p:cTn>
+                              </p:par>
+                            </p:childTnLst>
+                          </p:cTn>
+                        </p:par>
+                        <p:par>
+                          <p:cTn id="23" fill="hold">
+                            <p:stCondLst>
+                              <p:cond delay="601"/>
+                            </p:stCondLst>
+                            <p:childTnLst>
+                              <p:par>
+                                <p:cTn id="24" presetID="1" presetClass="entr" presetSubtype="0" fill="hold" nodeType="afterEffect">
+                                  <p:stCondLst>
+                                    <p:cond delay="0"/>
+                                  </p:stCondLst>
+                                  <p:iterate type="lt">
+                                    <p:tmAbs val="100"/>
+                                  </p:iterate>
+                                  <p:childTnLst>
+                                    <p:set>
+                                      <p:cBhvr>
+                                        <p:cTn id="25" dur="1" fill="hold">
+                                          <p:stCondLst>
+                                            <p:cond delay="0"/>
+                                          </p:stCondLst>
+                                        </p:cTn>
+                                        <p:tgtEl>
+                                          <p:spTgt spid="3">
+                                            <p:txEl>
+                                              <p:pRg st="7" end="7"/>
+                                            </p:txEl>
+                                          </p:spTgt>
+                                        </p:tgtEl>
+                                        <p:attrNameLst>
+                                          <p:attrName>style.visibility</p:attrName>
+                                        </p:attrNameLst>
+                                      </p:cBhvr>
+                                      <p:to>
+                                        <p:strVal val="visible"/>
+                                      </p:to>
+                                    </p:set>
+                                  </p:childTnLst>
+                                </p:cTn>
+                              </p:par>
+                            </p:childTnLst>
+                          </p:cTn>
+                        </p:par>
+                        <p:par>
+                          <p:cTn id="26" fill="hold">
+                            <p:stCondLst>
+                              <p:cond delay="2802"/>
+                            </p:stCondLst>
+                            <p:childTnLst>
+                              <p:par>
+                                <p:cTn id="27" presetID="1" presetClass="entr" presetSubtype="0" fill="hold" nodeType="afterEffect">
+                                  <p:stCondLst>
+                                    <p:cond delay="0"/>
+                                  </p:stCondLst>
+                                  <p:iterate type="lt">
+                                    <p:tmAbs val="100"/>
+                                  </p:iterate>
+                                  <p:childTnLst>
+                                    <p:set>
+                                      <p:cBhvr>
+                                        <p:cTn id="28" dur="1" fill="hold">
+                                          <p:stCondLst>
+                                            <p:cond delay="0"/>
+                                          </p:stCondLst>
+                                        </p:cTn>
+                                        <p:tgtEl>
+                                          <p:spTgt spid="3">
+                                            <p:txEl>
+                                              <p:pRg st="8" end="8"/>
+                                            </p:txEl>
+                                          </p:spTgt>
+                                        </p:tgtEl>
+                                        <p:attrNameLst>
+                                          <p:attrName>style.visibility</p:attrName>
+                                        </p:attrNameLst>
+                                      </p:cBhvr>
+                                      <p:to>
+                                        <p:strVal val="visible"/>
+                                      </p:to>
+                                    </p:set>
+                                  </p:childTnLst>
+                                </p:cTn>
+                              </p:par>
+                            </p:childTnLst>
+                          </p:cTn>
+                        </p:par>
+                      </p:childTnLst>
+                    </p:cTn>
+                  </p:par>
+                </p:childTnLst>
+              </p:cTn>
+              <p:prevCondLst>
+                <p:cond evt="onPrev" delay="0">
+                  <p:tgtEl>
+                    <p:sldTgt/>
+                  </p:tgtEl>
+                </p:cond>
+              </p:prevCondLst>
+              <p:nextCondLst>
+                <p:cond evt="onNext" delay="0">
+                  <p:tgtEl>
+                    <p:sldTgt/>
+                  </p:tgtEl>
+                </p:cond>
+              </p:nextCondLst>
+            </p:seq>
+          </p:childTnLst>
+        </p:cTn>
+      </p:par>
+    </p:tnLst>
+  </p:timing>
+</p:sld>
+</file>
+
+<file path=ppt/slides/slide7.xml><?xml version="1.0" encoding="utf-8"?>
+<p:sld xmlns:a="http://schemas.openxmlformats.org/drawingml/2006/main" xmlns:r="http://schemas.openxmlformats.org/officeDocument/2006/relationships" xmlns:p="http://schemas.openxmlformats.org/presentationml/2006/main">
+  <p:cSld>
+    <p:spTree>
+      <p:nvGrpSpPr>
+        <p:cNvPr id="1" name=""/>
+        <p:cNvGrpSpPr/>
+        <p:nvPr/>
+      </p:nvGrpSpPr>
+      <p:grpSpPr>
+        <a:xfrm>
+          <a:off x="0" y="0"/>
+          <a:ext cx="0" cy="0"/>
+          <a:chOff x="0" y="0"/>
+          <a:chExt cx="0" cy="0"/>
+        </a:xfrm>
+      </p:grpSpPr>
+      <p:sp>
+        <p:nvSpPr>
           <p:cNvPr id="5" name="Espace réservé du contenu 4"/>
           <p:cNvSpPr>
             <a:spLocks noGrp="1"/>
@@ -6751,8 +8333,8 @@
         </p:nvSpPr>
         <p:spPr>
           <a:xfrm>
-            <a:off x="761998" y="204587"/>
-            <a:ext cx="9712037" cy="5336454"/>
+            <a:off x="761999" y="232297"/>
+            <a:ext cx="9573492" cy="5336454"/>
           </a:xfrm>
         </p:spPr>
         <p:txBody>
@@ -6789,8 +8371,36 @@
                 <a:latin typeface="Courier New" panose="02070309020205020404" pitchFamily="49" charset="0"/>
                 <a:cs typeface="Courier New" panose="02070309020205020404" pitchFamily="49" charset="0"/>
               </a:rPr>
-              <a:t> note &gt; 10:</a:t>
-            </a:r>
+              <a:t> note &gt; </a:t>
+            </a:r>
+            <a:r>
+              <a:rPr lang="en-US" sz="3600" dirty="0" smtClean="0">
+                <a:latin typeface="Courier New" panose="02070309020205020404" pitchFamily="49" charset="0"/>
+                <a:cs typeface="Courier New" panose="02070309020205020404" pitchFamily="49" charset="0"/>
+              </a:rPr>
+              <a:t>10 </a:t>
+            </a:r>
+            <a:r>
+              <a:rPr lang="en-US" sz="3600" dirty="0" smtClean="0">
+                <a:solidFill>
+                  <a:srgbClr val="FFC000"/>
+                </a:solidFill>
+                <a:latin typeface="Courier New" panose="02070309020205020404" pitchFamily="49" charset="0"/>
+                <a:cs typeface="Courier New" panose="02070309020205020404" pitchFamily="49" charset="0"/>
+              </a:rPr>
+              <a:t>and</a:t>
+            </a:r>
+            <a:r>
+              <a:rPr lang="en-US" sz="3600" dirty="0" smtClean="0">
+                <a:latin typeface="Courier New" panose="02070309020205020404" pitchFamily="49" charset="0"/>
+                <a:cs typeface="Courier New" panose="02070309020205020404" pitchFamily="49" charset="0"/>
+              </a:rPr>
+              <a:t> note &lt; 12:</a:t>
+            </a:r>
+            <a:endParaRPr lang="en-US" sz="3600" dirty="0">
+              <a:latin typeface="Courier New" panose="02070309020205020404" pitchFamily="49" charset="0"/>
+              <a:cs typeface="Courier New" panose="02070309020205020404" pitchFamily="49" charset="0"/>
+            </a:endParaRPr>
           </a:p>
           <a:p>
             <a:pPr marL="0" indent="0">
@@ -6856,6 +8466,38 @@
               <a:buNone/>
             </a:pPr>
             <a:r>
+              <a:rPr lang="en-US" sz="3600" dirty="0" err="1" smtClean="0">
+                <a:solidFill>
+                  <a:srgbClr val="FFC000"/>
+                </a:solidFill>
+                <a:latin typeface="Courier New" panose="02070309020205020404" pitchFamily="49" charset="0"/>
+                <a:cs typeface="Courier New" panose="02070309020205020404" pitchFamily="49" charset="0"/>
+              </a:rPr>
+              <a:t>elif</a:t>
+            </a:r>
+            <a:r>
+              <a:rPr lang="en-US" sz="3600" dirty="0" smtClean="0">
+                <a:solidFill>
+                  <a:srgbClr val="FFC000"/>
+                </a:solidFill>
+                <a:latin typeface="Courier New" panose="02070309020205020404" pitchFamily="49" charset="0"/>
+                <a:cs typeface="Courier New" panose="02070309020205020404" pitchFamily="49" charset="0"/>
+              </a:rPr>
+              <a:t> </a:t>
+            </a:r>
+            <a:r>
+              <a:rPr lang="en-US" sz="3600" dirty="0">
+                <a:latin typeface="Courier New" panose="02070309020205020404" pitchFamily="49" charset="0"/>
+                <a:cs typeface="Courier New" panose="02070309020205020404" pitchFamily="49" charset="0"/>
+              </a:rPr>
+              <a:t>note &gt; 12:</a:t>
+            </a:r>
+          </a:p>
+          <a:p>
+            <a:pPr marL="0" indent="0">
+              <a:buNone/>
+            </a:pPr>
+            <a:r>
               <a:rPr lang="en-US" sz="3600" dirty="0">
                 <a:latin typeface="Courier New" panose="02070309020205020404" pitchFamily="49" charset="0"/>
                 <a:cs typeface="Courier New" panose="02070309020205020404" pitchFamily="49" charset="0"/>
@@ -6887,68 +8529,17 @@
                 <a:latin typeface="Courier New" panose="02070309020205020404" pitchFamily="49" charset="0"/>
                 <a:cs typeface="Courier New" panose="02070309020205020404" pitchFamily="49" charset="0"/>
               </a:rPr>
-              <a:t>'bravo !'</a:t>
-            </a:r>
-          </a:p>
-          <a:p>
-            <a:pPr marL="0" indent="0">
-              <a:buNone/>
-            </a:pPr>
+              <a:t>'</a:t>
+            </a:r>
             <a:r>
               <a:rPr lang="en-US" sz="3600" dirty="0" err="1">
                 <a:solidFill>
-                  <a:srgbClr val="FFC000"/>
+                  <a:srgbClr val="00B050"/>
                 </a:solidFill>
                 <a:latin typeface="Courier New" panose="02070309020205020404" pitchFamily="49" charset="0"/>
                 <a:cs typeface="Courier New" panose="02070309020205020404" pitchFamily="49" charset="0"/>
               </a:rPr>
-              <a:t>elif</a:t>
-            </a:r>
-            <a:r>
-              <a:rPr lang="en-US" sz="3600" dirty="0">
-                <a:solidFill>
-                  <a:srgbClr val="FFC000"/>
-                </a:solidFill>
-                <a:latin typeface="Courier New" panose="02070309020205020404" pitchFamily="49" charset="0"/>
-                <a:cs typeface="Courier New" panose="02070309020205020404" pitchFamily="49" charset="0"/>
-              </a:rPr>
-              <a:t> </a:t>
-            </a:r>
-            <a:r>
-              <a:rPr lang="en-US" sz="3600" dirty="0">
-                <a:latin typeface="Courier New" panose="02070309020205020404" pitchFamily="49" charset="0"/>
-                <a:cs typeface="Courier New" panose="02070309020205020404" pitchFamily="49" charset="0"/>
-              </a:rPr>
-              <a:t>note &gt; 12:</a:t>
-            </a:r>
-          </a:p>
-          <a:p>
-            <a:pPr marL="0" indent="0">
-              <a:buNone/>
-            </a:pPr>
-            <a:r>
-              <a:rPr lang="en-US" sz="3600" dirty="0">
-                <a:latin typeface="Courier New" panose="02070309020205020404" pitchFamily="49" charset="0"/>
-                <a:cs typeface="Courier New" panose="02070309020205020404" pitchFamily="49" charset="0"/>
-              </a:rPr>
-              <a:t>    </a:t>
-            </a:r>
-            <a:r>
-              <a:rPr lang="en-US" sz="3600" dirty="0">
-                <a:solidFill>
-                  <a:srgbClr val="FFC000"/>
-                </a:solidFill>
-                <a:latin typeface="Courier New" panose="02070309020205020404" pitchFamily="49" charset="0"/>
-                <a:cs typeface="Courier New" panose="02070309020205020404" pitchFamily="49" charset="0"/>
-              </a:rPr>
-              <a:t>print</a:t>
-            </a:r>
-            <a:r>
-              <a:rPr lang="en-US" sz="3600" dirty="0">
-                <a:latin typeface="Courier New" panose="02070309020205020404" pitchFamily="49" charset="0"/>
-                <a:cs typeface="Courier New" panose="02070309020205020404" pitchFamily="49" charset="0"/>
-              </a:rPr>
-              <a:t> </a:t>
+              <a:t>reçu</a:t>
             </a:r>
             <a:r>
               <a:rPr lang="en-US" sz="3600" dirty="0">
@@ -6958,26 +8549,6 @@
                 <a:latin typeface="Courier New" panose="02070309020205020404" pitchFamily="49" charset="0"/>
                 <a:cs typeface="Courier New" panose="02070309020205020404" pitchFamily="49" charset="0"/>
               </a:rPr>
-              <a:t>'</a:t>
-            </a:r>
-            <a:r>
-              <a:rPr lang="en-US" sz="3600" dirty="0" err="1">
-                <a:solidFill>
-                  <a:srgbClr val="00B050"/>
-                </a:solidFill>
-                <a:latin typeface="Courier New" panose="02070309020205020404" pitchFamily="49" charset="0"/>
-                <a:cs typeface="Courier New" panose="02070309020205020404" pitchFamily="49" charset="0"/>
-              </a:rPr>
-              <a:t>reçu</a:t>
-            </a:r>
-            <a:r>
-              <a:rPr lang="en-US" sz="3600" dirty="0">
-                <a:solidFill>
-                  <a:srgbClr val="00B050"/>
-                </a:solidFill>
-                <a:latin typeface="Courier New" panose="02070309020205020404" pitchFamily="49" charset="0"/>
-                <a:cs typeface="Courier New" panose="02070309020205020404" pitchFamily="49" charset="0"/>
-              </a:rPr>
               <a:t>, avec mention'</a:t>
             </a:r>
           </a:p>
@@ -6986,46 +8557,7 @@
               <a:buNone/>
             </a:pPr>
             <a:r>
-              <a:rPr lang="en-US" sz="3600" dirty="0">
-                <a:latin typeface="Courier New" panose="02070309020205020404" pitchFamily="49" charset="0"/>
-                <a:cs typeface="Courier New" panose="02070309020205020404" pitchFamily="49" charset="0"/>
-              </a:rPr>
-              <a:t>    </a:t>
-            </a:r>
-            <a:r>
-              <a:rPr lang="en-US" sz="3600" dirty="0">
-                <a:solidFill>
-                  <a:srgbClr val="FFC000"/>
-                </a:solidFill>
-                <a:latin typeface="Courier New" panose="02070309020205020404" pitchFamily="49" charset="0"/>
-                <a:cs typeface="Courier New" panose="02070309020205020404" pitchFamily="49" charset="0"/>
-              </a:rPr>
-              <a:t>print</a:t>
-            </a:r>
-            <a:r>
-              <a:rPr lang="en-US" sz="3600" dirty="0">
-                <a:latin typeface="Courier New" panose="02070309020205020404" pitchFamily="49" charset="0"/>
-                <a:cs typeface="Courier New" panose="02070309020205020404" pitchFamily="49" charset="0"/>
-              </a:rPr>
-              <a:t> </a:t>
-            </a:r>
-            <a:r>
-              <a:rPr lang="en-US" sz="3600" dirty="0">
-                <a:solidFill>
-                  <a:srgbClr val="00B050"/>
-                </a:solidFill>
-                <a:latin typeface="Courier New" panose="02070309020205020404" pitchFamily="49" charset="0"/>
-                <a:cs typeface="Courier New" panose="02070309020205020404" pitchFamily="49" charset="0"/>
-              </a:rPr>
-              <a:t>'bravo !'</a:t>
-            </a:r>
-          </a:p>
-          <a:p>
-            <a:pPr marL="0" indent="0">
-              <a:buNone/>
-            </a:pPr>
-            <a:r>
-              <a:rPr lang="en-US" sz="3600" dirty="0">
+              <a:rPr lang="en-US" sz="3600" dirty="0" smtClean="0">
                 <a:solidFill>
                   <a:srgbClr val="FFC000"/>
                 </a:solidFill>
@@ -7124,7 +8656,7 @@
     </p:spTree>
     <p:extLst>
       <p:ext uri="{BB962C8B-B14F-4D97-AF65-F5344CB8AC3E}">
-        <p14:creationId xmlns:p14="http://schemas.microsoft.com/office/powerpoint/2010/main" val="927669538"/>
+        <p14:creationId xmlns:p14="http://schemas.microsoft.com/office/powerpoint/2010/main" val="1274449893"/>
       </p:ext>
     </p:extLst>
   </p:cSld>
@@ -7134,7 +8666,7 @@
   <p:timing>
     <p:tnLst>
       <p:par>
-        <p:cTn xmlns:p14="http://schemas.microsoft.com/office/powerpoint/2010/main" id="1" dur="indefinite" restart="never" nodeType="tmRoot">
+        <p:cTn id="1" dur="indefinite" restart="never" nodeType="tmRoot">
           <p:childTnLst>
             <p:seq concurrent="1" nextAc="seek">
               <p:cTn id="2" dur="indefinite" nodeType="mainSeq">
@@ -7483,1983 +9015,6 @@
                                           <p:spTgt spid="5">
                                             <p:txEl>
                                               <p:pRg st="6" end="6"/>
-                                            </p:txEl>
-                                          </p:spTgt>
-                                        </p:tgtEl>
-                                        <p:attrNameLst>
-                                          <p:attrName>style.visibility</p:attrName>
-                                        </p:attrNameLst>
-                                      </p:cBhvr>
-                                      <p:to>
-                                        <p:strVal val="visible"/>
-                                      </p:to>
-                                    </p:set>
-                                  </p:childTnLst>
-                                </p:cTn>
-                              </p:par>
-                            </p:childTnLst>
-                          </p:cTn>
-                        </p:par>
-                      </p:childTnLst>
-                    </p:cTn>
-                  </p:par>
-                  <p:par>
-                    <p:cTn id="31" fill="hold">
-                      <p:stCondLst>
-                        <p:cond delay="indefinite"/>
-                      </p:stCondLst>
-                      <p:childTnLst>
-                        <p:par>
-                          <p:cTn id="32" fill="hold">
-                            <p:stCondLst>
-                              <p:cond delay="0"/>
-                            </p:stCondLst>
-                            <p:childTnLst>
-                              <p:par>
-                                <p:cTn id="33" presetID="1" presetClass="entr" presetSubtype="0" fill="hold" nodeType="clickEffect">
-                                  <p:stCondLst>
-                                    <p:cond delay="0"/>
-                                  </p:stCondLst>
-                                  <p:iterate type="lt">
-                                    <p:tmAbs val="100"/>
-                                  </p:iterate>
-                                  <p:childTnLst>
-                                    <p:set>
-                                      <p:cBhvr>
-                                        <p:cTn id="34" dur="1" fill="hold">
-                                          <p:stCondLst>
-                                            <p:cond delay="0"/>
-                                          </p:stCondLst>
-                                        </p:cTn>
-                                        <p:tgtEl>
-                                          <p:spTgt spid="5">
-                                            <p:txEl>
-                                              <p:pRg st="7" end="7"/>
-                                            </p:txEl>
-                                          </p:spTgt>
-                                        </p:tgtEl>
-                                        <p:attrNameLst>
-                                          <p:attrName>style.visibility</p:attrName>
-                                        </p:attrNameLst>
-                                      </p:cBhvr>
-                                      <p:to>
-                                        <p:strVal val="visible"/>
-                                      </p:to>
-                                    </p:set>
-                                  </p:childTnLst>
-                                </p:cTn>
-                              </p:par>
-                            </p:childTnLst>
-                          </p:cTn>
-                        </p:par>
-                      </p:childTnLst>
-                    </p:cTn>
-                  </p:par>
-                  <p:par>
-                    <p:cTn id="35" fill="hold">
-                      <p:stCondLst>
-                        <p:cond delay="indefinite"/>
-                      </p:stCondLst>
-                      <p:childTnLst>
-                        <p:par>
-                          <p:cTn id="36" fill="hold">
-                            <p:stCondLst>
-                              <p:cond delay="0"/>
-                            </p:stCondLst>
-                            <p:childTnLst>
-                              <p:par>
-                                <p:cTn id="37" presetID="1" presetClass="entr" presetSubtype="0" fill="hold" nodeType="clickEffect">
-                                  <p:stCondLst>
-                                    <p:cond delay="0"/>
-                                  </p:stCondLst>
-                                  <p:iterate type="lt">
-                                    <p:tmAbs val="100"/>
-                                  </p:iterate>
-                                  <p:childTnLst>
-                                    <p:set>
-                                      <p:cBhvr>
-                                        <p:cTn id="38" dur="1" fill="hold">
-                                          <p:stCondLst>
-                                            <p:cond delay="0"/>
-                                          </p:stCondLst>
-                                        </p:cTn>
-                                        <p:tgtEl>
-                                          <p:spTgt spid="5">
-                                            <p:txEl>
-                                              <p:pRg st="8" end="8"/>
-                                            </p:txEl>
-                                          </p:spTgt>
-                                        </p:tgtEl>
-                                        <p:attrNameLst>
-                                          <p:attrName>style.visibility</p:attrName>
-                                        </p:attrNameLst>
-                                      </p:cBhvr>
-                                      <p:to>
-                                        <p:strVal val="visible"/>
-                                      </p:to>
-                                    </p:set>
-                                  </p:childTnLst>
-                                </p:cTn>
-                              </p:par>
-                            </p:childTnLst>
-                          </p:cTn>
-                        </p:par>
-                      </p:childTnLst>
-                    </p:cTn>
-                  </p:par>
-                </p:childTnLst>
-              </p:cTn>
-              <p:prevCondLst>
-                <p:cond evt="onPrev" delay="0">
-                  <p:tgtEl>
-                    <p:sldTgt/>
-                  </p:tgtEl>
-                </p:cond>
-              </p:prevCondLst>
-              <p:nextCondLst>
-                <p:cond evt="onNext" delay="0">
-                  <p:tgtEl>
-                    <p:sldTgt/>
-                  </p:tgtEl>
-                </p:cond>
-              </p:nextCondLst>
-            </p:seq>
-          </p:childTnLst>
-        </p:cTn>
-      </p:par>
-    </p:tnLst>
-  </p:timing>
-</p:sld>
-</file>
-
-<file path=ppt/slides/slide4.xml><?xml version="1.0" encoding="utf-8"?>
-<p:sld xmlns:a="http://schemas.openxmlformats.org/drawingml/2006/main" xmlns:r="http://schemas.openxmlformats.org/officeDocument/2006/relationships" xmlns:p="http://schemas.openxmlformats.org/presentationml/2006/main">
-  <p:cSld>
-    <p:spTree>
-      <p:nvGrpSpPr>
-        <p:cNvPr id="1" name=""/>
-        <p:cNvGrpSpPr/>
-        <p:nvPr/>
-      </p:nvGrpSpPr>
-      <p:grpSpPr>
-        <a:xfrm>
-          <a:off x="0" y="0"/>
-          <a:ext cx="0" cy="0"/>
-          <a:chOff x="0" y="0"/>
-          <a:chExt cx="0" cy="0"/>
-        </a:xfrm>
-      </p:grpSpPr>
-      <p:sp>
-        <p:nvSpPr>
-          <p:cNvPr id="5" name="Espace réservé du contenu 4"/>
-          <p:cNvSpPr>
-            <a:spLocks noGrp="1"/>
-          </p:cNvSpPr>
-          <p:nvPr>
-            <p:ph idx="1"/>
-          </p:nvPr>
-        </p:nvSpPr>
-        <p:spPr>
-          <a:xfrm>
-            <a:off x="761998" y="193963"/>
-            <a:ext cx="9573492" cy="5336454"/>
-          </a:xfrm>
-        </p:spPr>
-        <p:txBody>
-          <a:bodyPr/>
-          <a:lstStyle/>
-          <a:p>
-            <a:pPr marL="0" indent="0">
-              <a:buNone/>
-            </a:pPr>
-            <a:r>
-              <a:rPr lang="en-US" sz="3600" dirty="0">
-                <a:latin typeface="Courier New" panose="02070309020205020404" pitchFamily="49" charset="0"/>
-                <a:cs typeface="Courier New" panose="02070309020205020404" pitchFamily="49" charset="0"/>
-              </a:rPr>
-              <a:t>note = 14</a:t>
-            </a:r>
-          </a:p>
-          <a:p>
-            <a:pPr marL="0" indent="0">
-              <a:buNone/>
-            </a:pPr>
-            <a:r>
-              <a:rPr lang="en-US" sz="3600" dirty="0">
-                <a:solidFill>
-                  <a:srgbClr val="FFC000"/>
-                </a:solidFill>
-                <a:latin typeface="Courier New" panose="02070309020205020404" pitchFamily="49" charset="0"/>
-                <a:cs typeface="Courier New" panose="02070309020205020404" pitchFamily="49" charset="0"/>
-              </a:rPr>
-              <a:t>if</a:t>
-            </a:r>
-            <a:r>
-              <a:rPr lang="en-US" sz="3600" dirty="0">
-                <a:latin typeface="Courier New" panose="02070309020205020404" pitchFamily="49" charset="0"/>
-                <a:cs typeface="Courier New" panose="02070309020205020404" pitchFamily="49" charset="0"/>
-              </a:rPr>
-              <a:t> note &gt; </a:t>
-            </a:r>
-            <a:r>
-              <a:rPr lang="en-US" sz="3600" dirty="0" smtClean="0">
-                <a:latin typeface="Courier New" panose="02070309020205020404" pitchFamily="49" charset="0"/>
-                <a:cs typeface="Courier New" panose="02070309020205020404" pitchFamily="49" charset="0"/>
-              </a:rPr>
-              <a:t>10:</a:t>
-            </a:r>
-            <a:endParaRPr lang="en-US" sz="3600" dirty="0">
-              <a:latin typeface="Courier New" panose="02070309020205020404" pitchFamily="49" charset="0"/>
-              <a:cs typeface="Courier New" panose="02070309020205020404" pitchFamily="49" charset="0"/>
-            </a:endParaRPr>
-          </a:p>
-          <a:p>
-            <a:pPr marL="0" indent="0">
-              <a:buNone/>
-            </a:pPr>
-            <a:r>
-              <a:rPr lang="en-US" sz="3600" dirty="0">
-                <a:latin typeface="Courier New" panose="02070309020205020404" pitchFamily="49" charset="0"/>
-                <a:cs typeface="Courier New" panose="02070309020205020404" pitchFamily="49" charset="0"/>
-              </a:rPr>
-              <a:t>    </a:t>
-            </a:r>
-            <a:r>
-              <a:rPr lang="en-US" sz="3600" dirty="0">
-                <a:solidFill>
-                  <a:srgbClr val="FFC000"/>
-                </a:solidFill>
-                <a:latin typeface="Courier New" panose="02070309020205020404" pitchFamily="49" charset="0"/>
-                <a:cs typeface="Courier New" panose="02070309020205020404" pitchFamily="49" charset="0"/>
-              </a:rPr>
-              <a:t>print</a:t>
-            </a:r>
-            <a:r>
-              <a:rPr lang="en-US" sz="3600" dirty="0">
-                <a:latin typeface="Courier New" panose="02070309020205020404" pitchFamily="49" charset="0"/>
-                <a:cs typeface="Courier New" panose="02070309020205020404" pitchFamily="49" charset="0"/>
-              </a:rPr>
-              <a:t> </a:t>
-            </a:r>
-            <a:r>
-              <a:rPr lang="en-US" sz="3600" dirty="0">
-                <a:solidFill>
-                  <a:srgbClr val="00B050"/>
-                </a:solidFill>
-                <a:latin typeface="Courier New" panose="02070309020205020404" pitchFamily="49" charset="0"/>
-                <a:cs typeface="Courier New" panose="02070309020205020404" pitchFamily="49" charset="0"/>
-              </a:rPr>
-              <a:t>'</a:t>
-            </a:r>
-            <a:r>
-              <a:rPr lang="en-US" sz="3600" dirty="0" err="1">
-                <a:solidFill>
-                  <a:srgbClr val="00B050"/>
-                </a:solidFill>
-                <a:latin typeface="Courier New" panose="02070309020205020404" pitchFamily="49" charset="0"/>
-                <a:cs typeface="Courier New" panose="02070309020205020404" pitchFamily="49" charset="0"/>
-              </a:rPr>
-              <a:t>reçu</a:t>
-            </a:r>
-            <a:r>
-              <a:rPr lang="en-US" sz="3600" dirty="0">
-                <a:solidFill>
-                  <a:srgbClr val="00B050"/>
-                </a:solidFill>
-                <a:latin typeface="Courier New" panose="02070309020205020404" pitchFamily="49" charset="0"/>
-                <a:cs typeface="Courier New" panose="02070309020205020404" pitchFamily="49" charset="0"/>
-              </a:rPr>
-              <a:t>'</a:t>
-            </a:r>
-          </a:p>
-          <a:p>
-            <a:pPr marL="0" indent="0">
-              <a:buNone/>
-            </a:pPr>
-            <a:r>
-              <a:rPr lang="en-US" sz="3600" dirty="0">
-                <a:latin typeface="Courier New" panose="02070309020205020404" pitchFamily="49" charset="0"/>
-                <a:cs typeface="Courier New" panose="02070309020205020404" pitchFamily="49" charset="0"/>
-              </a:rPr>
-              <a:t>    </a:t>
-            </a:r>
-            <a:r>
-              <a:rPr lang="en-US" sz="3600" dirty="0">
-                <a:solidFill>
-                  <a:srgbClr val="FFC000"/>
-                </a:solidFill>
-                <a:latin typeface="Courier New" panose="02070309020205020404" pitchFamily="49" charset="0"/>
-                <a:cs typeface="Courier New" panose="02070309020205020404" pitchFamily="49" charset="0"/>
-              </a:rPr>
-              <a:t>print</a:t>
-            </a:r>
-            <a:r>
-              <a:rPr lang="en-US" sz="3600" dirty="0">
-                <a:latin typeface="Courier New" panose="02070309020205020404" pitchFamily="49" charset="0"/>
-                <a:cs typeface="Courier New" panose="02070309020205020404" pitchFamily="49" charset="0"/>
-              </a:rPr>
-              <a:t> </a:t>
-            </a:r>
-            <a:r>
-              <a:rPr lang="en-US" sz="3600" dirty="0">
-                <a:solidFill>
-                  <a:srgbClr val="00B050"/>
-                </a:solidFill>
-                <a:latin typeface="Courier New" panose="02070309020205020404" pitchFamily="49" charset="0"/>
-                <a:cs typeface="Courier New" panose="02070309020205020404" pitchFamily="49" charset="0"/>
-              </a:rPr>
-              <a:t>'bravo !'</a:t>
-            </a:r>
-          </a:p>
-          <a:p>
-            <a:pPr marL="0" indent="0">
-              <a:buNone/>
-            </a:pPr>
-            <a:r>
-              <a:rPr lang="en-US" sz="3600" dirty="0">
-                <a:solidFill>
-                  <a:srgbClr val="FFC000"/>
-                </a:solidFill>
-                <a:latin typeface="Courier New" panose="02070309020205020404" pitchFamily="49" charset="0"/>
-                <a:cs typeface="Courier New" panose="02070309020205020404" pitchFamily="49" charset="0"/>
-              </a:rPr>
-              <a:t>	</a:t>
-            </a:r>
-            <a:r>
-              <a:rPr lang="en-US" sz="3600" dirty="0" smtClean="0">
-                <a:solidFill>
-                  <a:srgbClr val="FFC000"/>
-                </a:solidFill>
-                <a:latin typeface="Courier New" panose="02070309020205020404" pitchFamily="49" charset="0"/>
-                <a:cs typeface="Courier New" panose="02070309020205020404" pitchFamily="49" charset="0"/>
-              </a:rPr>
-              <a:t>if </a:t>
-            </a:r>
-            <a:r>
-              <a:rPr lang="en-US" sz="3600" dirty="0">
-                <a:latin typeface="Courier New" panose="02070309020205020404" pitchFamily="49" charset="0"/>
-                <a:cs typeface="Courier New" panose="02070309020205020404" pitchFamily="49" charset="0"/>
-              </a:rPr>
-              <a:t>note &gt; 12:</a:t>
-            </a:r>
-          </a:p>
-          <a:p>
-            <a:pPr marL="0" indent="0">
-              <a:buNone/>
-            </a:pPr>
-            <a:r>
-              <a:rPr lang="en-US" sz="3600" dirty="0">
-                <a:latin typeface="Courier New" panose="02070309020205020404" pitchFamily="49" charset="0"/>
-                <a:cs typeface="Courier New" panose="02070309020205020404" pitchFamily="49" charset="0"/>
-              </a:rPr>
-              <a:t>    </a:t>
-            </a:r>
-            <a:r>
-              <a:rPr lang="en-US" sz="3600" dirty="0" smtClean="0">
-                <a:latin typeface="Courier New" panose="02070309020205020404" pitchFamily="49" charset="0"/>
-                <a:cs typeface="Courier New" panose="02070309020205020404" pitchFamily="49" charset="0"/>
-              </a:rPr>
-              <a:t>	</a:t>
-            </a:r>
-            <a:r>
-              <a:rPr lang="en-US" sz="3600" dirty="0" smtClean="0">
-                <a:solidFill>
-                  <a:srgbClr val="FFC000"/>
-                </a:solidFill>
-                <a:latin typeface="Courier New" panose="02070309020205020404" pitchFamily="49" charset="0"/>
-                <a:cs typeface="Courier New" panose="02070309020205020404" pitchFamily="49" charset="0"/>
-              </a:rPr>
-              <a:t>print</a:t>
-            </a:r>
-            <a:r>
-              <a:rPr lang="en-US" sz="3600" dirty="0" smtClean="0">
-                <a:latin typeface="Courier New" panose="02070309020205020404" pitchFamily="49" charset="0"/>
-                <a:cs typeface="Courier New" panose="02070309020205020404" pitchFamily="49" charset="0"/>
-              </a:rPr>
-              <a:t> </a:t>
-            </a:r>
-            <a:r>
-              <a:rPr lang="en-US" sz="3600" dirty="0">
-                <a:solidFill>
-                  <a:srgbClr val="00B050"/>
-                </a:solidFill>
-                <a:latin typeface="Courier New" panose="02070309020205020404" pitchFamily="49" charset="0"/>
-                <a:cs typeface="Courier New" panose="02070309020205020404" pitchFamily="49" charset="0"/>
-              </a:rPr>
-              <a:t>'</a:t>
-            </a:r>
-            <a:r>
-              <a:rPr lang="en-US" sz="3600" dirty="0" err="1">
-                <a:solidFill>
-                  <a:srgbClr val="00B050"/>
-                </a:solidFill>
-                <a:latin typeface="Courier New" panose="02070309020205020404" pitchFamily="49" charset="0"/>
-                <a:cs typeface="Courier New" panose="02070309020205020404" pitchFamily="49" charset="0"/>
-              </a:rPr>
-              <a:t>reçu</a:t>
-            </a:r>
-            <a:r>
-              <a:rPr lang="en-US" sz="3600" dirty="0">
-                <a:solidFill>
-                  <a:srgbClr val="00B050"/>
-                </a:solidFill>
-                <a:latin typeface="Courier New" panose="02070309020205020404" pitchFamily="49" charset="0"/>
-                <a:cs typeface="Courier New" panose="02070309020205020404" pitchFamily="49" charset="0"/>
-              </a:rPr>
-              <a:t>, avec mention'</a:t>
-            </a:r>
-          </a:p>
-          <a:p>
-            <a:pPr marL="0" indent="0">
-              <a:buNone/>
-            </a:pPr>
-            <a:r>
-              <a:rPr lang="en-US" sz="3600" dirty="0">
-                <a:latin typeface="Courier New" panose="02070309020205020404" pitchFamily="49" charset="0"/>
-                <a:cs typeface="Courier New" panose="02070309020205020404" pitchFamily="49" charset="0"/>
-              </a:rPr>
-              <a:t>    </a:t>
-            </a:r>
-            <a:r>
-              <a:rPr lang="en-US" sz="3600" dirty="0" smtClean="0">
-                <a:latin typeface="Courier New" panose="02070309020205020404" pitchFamily="49" charset="0"/>
-                <a:cs typeface="Courier New" panose="02070309020205020404" pitchFamily="49" charset="0"/>
-              </a:rPr>
-              <a:t>	</a:t>
-            </a:r>
-            <a:r>
-              <a:rPr lang="en-US" sz="3600" dirty="0" smtClean="0">
-                <a:solidFill>
-                  <a:srgbClr val="FFC000"/>
-                </a:solidFill>
-                <a:latin typeface="Courier New" panose="02070309020205020404" pitchFamily="49" charset="0"/>
-                <a:cs typeface="Courier New" panose="02070309020205020404" pitchFamily="49" charset="0"/>
-              </a:rPr>
-              <a:t>print</a:t>
-            </a:r>
-            <a:r>
-              <a:rPr lang="en-US" sz="3600" dirty="0" smtClean="0">
-                <a:latin typeface="Courier New" panose="02070309020205020404" pitchFamily="49" charset="0"/>
-                <a:cs typeface="Courier New" panose="02070309020205020404" pitchFamily="49" charset="0"/>
-              </a:rPr>
-              <a:t> </a:t>
-            </a:r>
-            <a:r>
-              <a:rPr lang="en-US" sz="3600" dirty="0">
-                <a:solidFill>
-                  <a:srgbClr val="00B050"/>
-                </a:solidFill>
-                <a:latin typeface="Courier New" panose="02070309020205020404" pitchFamily="49" charset="0"/>
-                <a:cs typeface="Courier New" panose="02070309020205020404" pitchFamily="49" charset="0"/>
-              </a:rPr>
-              <a:t>'bravo !'</a:t>
-            </a:r>
-          </a:p>
-          <a:p>
-            <a:pPr marL="0" indent="0">
-              <a:buNone/>
-            </a:pPr>
-            <a:r>
-              <a:rPr lang="en-US" sz="3600" dirty="0">
-                <a:solidFill>
-                  <a:srgbClr val="FFC000"/>
-                </a:solidFill>
-                <a:latin typeface="Courier New" panose="02070309020205020404" pitchFamily="49" charset="0"/>
-                <a:cs typeface="Courier New" panose="02070309020205020404" pitchFamily="49" charset="0"/>
-              </a:rPr>
-              <a:t>else</a:t>
-            </a:r>
-            <a:r>
-              <a:rPr lang="en-US" sz="3600" dirty="0">
-                <a:latin typeface="Courier New" panose="02070309020205020404" pitchFamily="49" charset="0"/>
-                <a:cs typeface="Courier New" panose="02070309020205020404" pitchFamily="49" charset="0"/>
-              </a:rPr>
-              <a:t>:</a:t>
-            </a:r>
-          </a:p>
-          <a:p>
-            <a:pPr marL="0" indent="0">
-              <a:buNone/>
-            </a:pPr>
-            <a:r>
-              <a:rPr lang="en-US" sz="3600" dirty="0">
-                <a:latin typeface="Courier New" panose="02070309020205020404" pitchFamily="49" charset="0"/>
-                <a:cs typeface="Courier New" panose="02070309020205020404" pitchFamily="49" charset="0"/>
-              </a:rPr>
-              <a:t>    </a:t>
-            </a:r>
-            <a:r>
-              <a:rPr lang="en-US" sz="3600" dirty="0">
-                <a:solidFill>
-                  <a:srgbClr val="FFC000"/>
-                </a:solidFill>
-                <a:latin typeface="Courier New" panose="02070309020205020404" pitchFamily="49" charset="0"/>
-                <a:cs typeface="Courier New" panose="02070309020205020404" pitchFamily="49" charset="0"/>
-              </a:rPr>
-              <a:t>print</a:t>
-            </a:r>
-            <a:r>
-              <a:rPr lang="en-US" sz="3600" dirty="0">
-                <a:latin typeface="Courier New" panose="02070309020205020404" pitchFamily="49" charset="0"/>
-                <a:cs typeface="Courier New" panose="02070309020205020404" pitchFamily="49" charset="0"/>
-              </a:rPr>
-              <a:t> </a:t>
-            </a:r>
-            <a:r>
-              <a:rPr lang="en-US" sz="3600" dirty="0">
-                <a:solidFill>
-                  <a:srgbClr val="00B050"/>
-                </a:solidFill>
-                <a:latin typeface="Courier New" panose="02070309020205020404" pitchFamily="49" charset="0"/>
-                <a:cs typeface="Courier New" panose="02070309020205020404" pitchFamily="49" charset="0"/>
-              </a:rPr>
-              <a:t>'</a:t>
-            </a:r>
-            <a:r>
-              <a:rPr lang="en-US" sz="3600" dirty="0" err="1">
-                <a:solidFill>
-                  <a:srgbClr val="00B050"/>
-                </a:solidFill>
-                <a:latin typeface="Courier New" panose="02070309020205020404" pitchFamily="49" charset="0"/>
-                <a:cs typeface="Courier New" panose="02070309020205020404" pitchFamily="49" charset="0"/>
-              </a:rPr>
-              <a:t>recalé</a:t>
-            </a:r>
-            <a:r>
-              <a:rPr lang="en-US" sz="3600" dirty="0">
-                <a:solidFill>
-                  <a:srgbClr val="00B050"/>
-                </a:solidFill>
-                <a:latin typeface="Courier New" panose="02070309020205020404" pitchFamily="49" charset="0"/>
-                <a:cs typeface="Courier New" panose="02070309020205020404" pitchFamily="49" charset="0"/>
-              </a:rPr>
-              <a:t>'</a:t>
-            </a:r>
-          </a:p>
-          <a:p>
-            <a:pPr marL="0" indent="0">
-              <a:buNone/>
-            </a:pPr>
-            <a:endParaRPr lang="en-US" sz="3600" dirty="0">
-              <a:latin typeface="Courier New" panose="02070309020205020404" pitchFamily="49" charset="0"/>
-              <a:cs typeface="Courier New" panose="02070309020205020404" pitchFamily="49" charset="0"/>
-            </a:endParaRPr>
-          </a:p>
-          <a:p>
-            <a:pPr marL="0" indent="0">
-              <a:buNone/>
-            </a:pPr>
-            <a:endParaRPr lang="fr-FR" sz="3600" dirty="0">
-              <a:latin typeface="Courier New" panose="02070309020205020404" pitchFamily="49" charset="0"/>
-              <a:cs typeface="Courier New" panose="02070309020205020404" pitchFamily="49" charset="0"/>
-            </a:endParaRPr>
-          </a:p>
-        </p:txBody>
-      </p:sp>
-    </p:spTree>
-    <p:extLst>
-      <p:ext uri="{BB962C8B-B14F-4D97-AF65-F5344CB8AC3E}">
-        <p14:creationId xmlns:p14="http://schemas.microsoft.com/office/powerpoint/2010/main" val="1414032467"/>
-      </p:ext>
-    </p:extLst>
-  </p:cSld>
-  <p:clrMapOvr>
-    <a:masterClrMapping/>
-  </p:clrMapOvr>
-  <p:timing>
-    <p:tnLst>
-      <p:par>
-        <p:cTn xmlns:p14="http://schemas.microsoft.com/office/powerpoint/2010/main" id="1" dur="indefinite" restart="never" nodeType="tmRoot">
-          <p:childTnLst>
-            <p:seq concurrent="1" nextAc="seek">
-              <p:cTn id="2" dur="indefinite" nodeType="mainSeq">
-                <p:childTnLst>
-                  <p:par>
-                    <p:cTn id="3" fill="hold">
-                      <p:stCondLst>
-                        <p:cond delay="indefinite"/>
-                      </p:stCondLst>
-                      <p:childTnLst>
-                        <p:par>
-                          <p:cTn id="4" fill="hold">
-                            <p:stCondLst>
-                              <p:cond delay="0"/>
-                            </p:stCondLst>
-                            <p:childTnLst>
-                              <p:par>
-                                <p:cTn id="5" presetID="1" presetClass="entr" presetSubtype="0" fill="hold" nodeType="clickEffect">
-                                  <p:stCondLst>
-                                    <p:cond delay="0"/>
-                                  </p:stCondLst>
-                                  <p:iterate type="lt">
-                                    <p:tmAbs val="100"/>
-                                  </p:iterate>
-                                  <p:childTnLst>
-                                    <p:set>
-                                      <p:cBhvr>
-                                        <p:cTn id="6" dur="1" fill="hold">
-                                          <p:stCondLst>
-                                            <p:cond delay="0"/>
-                                          </p:stCondLst>
-                                        </p:cTn>
-                                        <p:tgtEl>
-                                          <p:spTgt spid="5">
-                                            <p:txEl>
-                                              <p:pRg st="0" end="0"/>
-                                            </p:txEl>
-                                          </p:spTgt>
-                                        </p:tgtEl>
-                                        <p:attrNameLst>
-                                          <p:attrName>style.visibility</p:attrName>
-                                        </p:attrNameLst>
-                                      </p:cBhvr>
-                                      <p:to>
-                                        <p:strVal val="visible"/>
-                                      </p:to>
-                                    </p:set>
-                                  </p:childTnLst>
-                                </p:cTn>
-                              </p:par>
-                            </p:childTnLst>
-                          </p:cTn>
-                        </p:par>
-                      </p:childTnLst>
-                    </p:cTn>
-                  </p:par>
-                  <p:par>
-                    <p:cTn id="7" fill="hold">
-                      <p:stCondLst>
-                        <p:cond delay="indefinite"/>
-                      </p:stCondLst>
-                      <p:childTnLst>
-                        <p:par>
-                          <p:cTn id="8" fill="hold">
-                            <p:stCondLst>
-                              <p:cond delay="0"/>
-                            </p:stCondLst>
-                            <p:childTnLst>
-                              <p:par>
-                                <p:cTn id="9" presetID="1" presetClass="entr" presetSubtype="0" fill="hold" nodeType="clickEffect">
-                                  <p:stCondLst>
-                                    <p:cond delay="0"/>
-                                  </p:stCondLst>
-                                  <p:iterate type="lt">
-                                    <p:tmAbs val="100"/>
-                                  </p:iterate>
-                                  <p:childTnLst>
-                                    <p:set>
-                                      <p:cBhvr>
-                                        <p:cTn id="10" dur="1" fill="hold">
-                                          <p:stCondLst>
-                                            <p:cond delay="0"/>
-                                          </p:stCondLst>
-                                        </p:cTn>
-                                        <p:tgtEl>
-                                          <p:spTgt spid="5">
-                                            <p:txEl>
-                                              <p:pRg st="1" end="1"/>
-                                            </p:txEl>
-                                          </p:spTgt>
-                                        </p:tgtEl>
-                                        <p:attrNameLst>
-                                          <p:attrName>style.visibility</p:attrName>
-                                        </p:attrNameLst>
-                                      </p:cBhvr>
-                                      <p:to>
-                                        <p:strVal val="visible"/>
-                                      </p:to>
-                                    </p:set>
-                                  </p:childTnLst>
-                                </p:cTn>
-                              </p:par>
-                            </p:childTnLst>
-                          </p:cTn>
-                        </p:par>
-                      </p:childTnLst>
-                    </p:cTn>
-                  </p:par>
-                  <p:par>
-                    <p:cTn id="11" fill="hold">
-                      <p:stCondLst>
-                        <p:cond delay="indefinite"/>
-                      </p:stCondLst>
-                      <p:childTnLst>
-                        <p:par>
-                          <p:cTn id="12" fill="hold">
-                            <p:stCondLst>
-                              <p:cond delay="0"/>
-                            </p:stCondLst>
-                            <p:childTnLst>
-                              <p:par>
-                                <p:cTn id="13" presetID="1" presetClass="entr" presetSubtype="0" fill="hold" nodeType="clickEffect">
-                                  <p:stCondLst>
-                                    <p:cond delay="0"/>
-                                  </p:stCondLst>
-                                  <p:iterate type="lt">
-                                    <p:tmAbs val="100"/>
-                                  </p:iterate>
-                                  <p:childTnLst>
-                                    <p:set>
-                                      <p:cBhvr>
-                                        <p:cTn id="14" dur="1" fill="hold">
-                                          <p:stCondLst>
-                                            <p:cond delay="0"/>
-                                          </p:stCondLst>
-                                        </p:cTn>
-                                        <p:tgtEl>
-                                          <p:spTgt spid="5">
-                                            <p:txEl>
-                                              <p:pRg st="2" end="2"/>
-                                            </p:txEl>
-                                          </p:spTgt>
-                                        </p:tgtEl>
-                                        <p:attrNameLst>
-                                          <p:attrName>style.visibility</p:attrName>
-                                        </p:attrNameLst>
-                                      </p:cBhvr>
-                                      <p:to>
-                                        <p:strVal val="visible"/>
-                                      </p:to>
-                                    </p:set>
-                                  </p:childTnLst>
-                                </p:cTn>
-                              </p:par>
-                            </p:childTnLst>
-                          </p:cTn>
-                        </p:par>
-                      </p:childTnLst>
-                    </p:cTn>
-                  </p:par>
-                  <p:par>
-                    <p:cTn id="15" fill="hold">
-                      <p:stCondLst>
-                        <p:cond delay="indefinite"/>
-                      </p:stCondLst>
-                      <p:childTnLst>
-                        <p:par>
-                          <p:cTn id="16" fill="hold">
-                            <p:stCondLst>
-                              <p:cond delay="0"/>
-                            </p:stCondLst>
-                            <p:childTnLst>
-                              <p:par>
-                                <p:cTn id="17" presetID="1" presetClass="entr" presetSubtype="0" fill="hold" nodeType="clickEffect">
-                                  <p:stCondLst>
-                                    <p:cond delay="0"/>
-                                  </p:stCondLst>
-                                  <p:iterate type="lt">
-                                    <p:tmAbs val="100"/>
-                                  </p:iterate>
-                                  <p:childTnLst>
-                                    <p:set>
-                                      <p:cBhvr>
-                                        <p:cTn id="18" dur="1" fill="hold">
-                                          <p:stCondLst>
-                                            <p:cond delay="0"/>
-                                          </p:stCondLst>
-                                        </p:cTn>
-                                        <p:tgtEl>
-                                          <p:spTgt spid="5">
-                                            <p:txEl>
-                                              <p:pRg st="3" end="3"/>
-                                            </p:txEl>
-                                          </p:spTgt>
-                                        </p:tgtEl>
-                                        <p:attrNameLst>
-                                          <p:attrName>style.visibility</p:attrName>
-                                        </p:attrNameLst>
-                                      </p:cBhvr>
-                                      <p:to>
-                                        <p:strVal val="visible"/>
-                                      </p:to>
-                                    </p:set>
-                                  </p:childTnLst>
-                                </p:cTn>
-                              </p:par>
-                            </p:childTnLst>
-                          </p:cTn>
-                        </p:par>
-                      </p:childTnLst>
-                    </p:cTn>
-                  </p:par>
-                  <p:par>
-                    <p:cTn id="19" fill="hold">
-                      <p:stCondLst>
-                        <p:cond delay="indefinite"/>
-                      </p:stCondLst>
-                      <p:childTnLst>
-                        <p:par>
-                          <p:cTn id="20" fill="hold">
-                            <p:stCondLst>
-                              <p:cond delay="0"/>
-                            </p:stCondLst>
-                            <p:childTnLst>
-                              <p:par>
-                                <p:cTn id="21" presetID="1" presetClass="entr" presetSubtype="0" fill="hold" nodeType="clickEffect">
-                                  <p:stCondLst>
-                                    <p:cond delay="0"/>
-                                  </p:stCondLst>
-                                  <p:iterate type="lt">
-                                    <p:tmAbs val="100"/>
-                                  </p:iterate>
-                                  <p:childTnLst>
-                                    <p:set>
-                                      <p:cBhvr>
-                                        <p:cTn id="22" dur="1" fill="hold">
-                                          <p:stCondLst>
-                                            <p:cond delay="0"/>
-                                          </p:stCondLst>
-                                        </p:cTn>
-                                        <p:tgtEl>
-                                          <p:spTgt spid="5">
-                                            <p:txEl>
-                                              <p:pRg st="4" end="4"/>
-                                            </p:txEl>
-                                          </p:spTgt>
-                                        </p:tgtEl>
-                                        <p:attrNameLst>
-                                          <p:attrName>style.visibility</p:attrName>
-                                        </p:attrNameLst>
-                                      </p:cBhvr>
-                                      <p:to>
-                                        <p:strVal val="visible"/>
-                                      </p:to>
-                                    </p:set>
-                                  </p:childTnLst>
-                                </p:cTn>
-                              </p:par>
-                            </p:childTnLst>
-                          </p:cTn>
-                        </p:par>
-                      </p:childTnLst>
-                    </p:cTn>
-                  </p:par>
-                  <p:par>
-                    <p:cTn id="23" fill="hold">
-                      <p:stCondLst>
-                        <p:cond delay="indefinite"/>
-                      </p:stCondLst>
-                      <p:childTnLst>
-                        <p:par>
-                          <p:cTn id="24" fill="hold">
-                            <p:stCondLst>
-                              <p:cond delay="0"/>
-                            </p:stCondLst>
-                            <p:childTnLst>
-                              <p:par>
-                                <p:cTn id="25" presetID="1" presetClass="entr" presetSubtype="0" fill="hold" nodeType="clickEffect">
-                                  <p:stCondLst>
-                                    <p:cond delay="0"/>
-                                  </p:stCondLst>
-                                  <p:iterate type="lt">
-                                    <p:tmAbs val="100"/>
-                                  </p:iterate>
-                                  <p:childTnLst>
-                                    <p:set>
-                                      <p:cBhvr>
-                                        <p:cTn id="26" dur="1" fill="hold">
-                                          <p:stCondLst>
-                                            <p:cond delay="0"/>
-                                          </p:stCondLst>
-                                        </p:cTn>
-                                        <p:tgtEl>
-                                          <p:spTgt spid="5">
-                                            <p:txEl>
-                                              <p:pRg st="5" end="5"/>
-                                            </p:txEl>
-                                          </p:spTgt>
-                                        </p:tgtEl>
-                                        <p:attrNameLst>
-                                          <p:attrName>style.visibility</p:attrName>
-                                        </p:attrNameLst>
-                                      </p:cBhvr>
-                                      <p:to>
-                                        <p:strVal val="visible"/>
-                                      </p:to>
-                                    </p:set>
-                                  </p:childTnLst>
-                                </p:cTn>
-                              </p:par>
-                            </p:childTnLst>
-                          </p:cTn>
-                        </p:par>
-                      </p:childTnLst>
-                    </p:cTn>
-                  </p:par>
-                  <p:par>
-                    <p:cTn id="27" fill="hold">
-                      <p:stCondLst>
-                        <p:cond delay="indefinite"/>
-                      </p:stCondLst>
-                      <p:childTnLst>
-                        <p:par>
-                          <p:cTn id="28" fill="hold">
-                            <p:stCondLst>
-                              <p:cond delay="0"/>
-                            </p:stCondLst>
-                            <p:childTnLst>
-                              <p:par>
-                                <p:cTn id="29" presetID="1" presetClass="entr" presetSubtype="0" fill="hold" nodeType="clickEffect">
-                                  <p:stCondLst>
-                                    <p:cond delay="0"/>
-                                  </p:stCondLst>
-                                  <p:iterate type="lt">
-                                    <p:tmAbs val="100"/>
-                                  </p:iterate>
-                                  <p:childTnLst>
-                                    <p:set>
-                                      <p:cBhvr>
-                                        <p:cTn id="30" dur="1" fill="hold">
-                                          <p:stCondLst>
-                                            <p:cond delay="0"/>
-                                          </p:stCondLst>
-                                        </p:cTn>
-                                        <p:tgtEl>
-                                          <p:spTgt spid="5">
-                                            <p:txEl>
-                                              <p:pRg st="6" end="6"/>
-                                            </p:txEl>
-                                          </p:spTgt>
-                                        </p:tgtEl>
-                                        <p:attrNameLst>
-                                          <p:attrName>style.visibility</p:attrName>
-                                        </p:attrNameLst>
-                                      </p:cBhvr>
-                                      <p:to>
-                                        <p:strVal val="visible"/>
-                                      </p:to>
-                                    </p:set>
-                                  </p:childTnLst>
-                                </p:cTn>
-                              </p:par>
-                            </p:childTnLst>
-                          </p:cTn>
-                        </p:par>
-                      </p:childTnLst>
-                    </p:cTn>
-                  </p:par>
-                  <p:par>
-                    <p:cTn id="31" fill="hold">
-                      <p:stCondLst>
-                        <p:cond delay="indefinite"/>
-                      </p:stCondLst>
-                      <p:childTnLst>
-                        <p:par>
-                          <p:cTn id="32" fill="hold">
-                            <p:stCondLst>
-                              <p:cond delay="0"/>
-                            </p:stCondLst>
-                            <p:childTnLst>
-                              <p:par>
-                                <p:cTn id="33" presetID="1" presetClass="entr" presetSubtype="0" fill="hold" nodeType="clickEffect">
-                                  <p:stCondLst>
-                                    <p:cond delay="0"/>
-                                  </p:stCondLst>
-                                  <p:iterate type="lt">
-                                    <p:tmAbs val="100"/>
-                                  </p:iterate>
-                                  <p:childTnLst>
-                                    <p:set>
-                                      <p:cBhvr>
-                                        <p:cTn id="34" dur="1" fill="hold">
-                                          <p:stCondLst>
-                                            <p:cond delay="0"/>
-                                          </p:stCondLst>
-                                        </p:cTn>
-                                        <p:tgtEl>
-                                          <p:spTgt spid="5">
-                                            <p:txEl>
-                                              <p:pRg st="7" end="7"/>
-                                            </p:txEl>
-                                          </p:spTgt>
-                                        </p:tgtEl>
-                                        <p:attrNameLst>
-                                          <p:attrName>style.visibility</p:attrName>
-                                        </p:attrNameLst>
-                                      </p:cBhvr>
-                                      <p:to>
-                                        <p:strVal val="visible"/>
-                                      </p:to>
-                                    </p:set>
-                                  </p:childTnLst>
-                                </p:cTn>
-                              </p:par>
-                            </p:childTnLst>
-                          </p:cTn>
-                        </p:par>
-                      </p:childTnLst>
-                    </p:cTn>
-                  </p:par>
-                  <p:par>
-                    <p:cTn id="35" fill="hold">
-                      <p:stCondLst>
-                        <p:cond delay="indefinite"/>
-                      </p:stCondLst>
-                      <p:childTnLst>
-                        <p:par>
-                          <p:cTn id="36" fill="hold">
-                            <p:stCondLst>
-                              <p:cond delay="0"/>
-                            </p:stCondLst>
-                            <p:childTnLst>
-                              <p:par>
-                                <p:cTn id="37" presetID="1" presetClass="entr" presetSubtype="0" fill="hold" nodeType="clickEffect">
-                                  <p:stCondLst>
-                                    <p:cond delay="0"/>
-                                  </p:stCondLst>
-                                  <p:iterate type="lt">
-                                    <p:tmAbs val="100"/>
-                                  </p:iterate>
-                                  <p:childTnLst>
-                                    <p:set>
-                                      <p:cBhvr>
-                                        <p:cTn id="38" dur="1" fill="hold">
-                                          <p:stCondLst>
-                                            <p:cond delay="0"/>
-                                          </p:stCondLst>
-                                        </p:cTn>
-                                        <p:tgtEl>
-                                          <p:spTgt spid="5">
-                                            <p:txEl>
-                                              <p:pRg st="8" end="8"/>
-                                            </p:txEl>
-                                          </p:spTgt>
-                                        </p:tgtEl>
-                                        <p:attrNameLst>
-                                          <p:attrName>style.visibility</p:attrName>
-                                        </p:attrNameLst>
-                                      </p:cBhvr>
-                                      <p:to>
-                                        <p:strVal val="visible"/>
-                                      </p:to>
-                                    </p:set>
-                                  </p:childTnLst>
-                                </p:cTn>
-                              </p:par>
-                            </p:childTnLst>
-                          </p:cTn>
-                        </p:par>
-                      </p:childTnLst>
-                    </p:cTn>
-                  </p:par>
-                </p:childTnLst>
-              </p:cTn>
-              <p:prevCondLst>
-                <p:cond evt="onPrev" delay="0">
-                  <p:tgtEl>
-                    <p:sldTgt/>
-                  </p:tgtEl>
-                </p:cond>
-              </p:prevCondLst>
-              <p:nextCondLst>
-                <p:cond evt="onNext" delay="0">
-                  <p:tgtEl>
-                    <p:sldTgt/>
-                  </p:tgtEl>
-                </p:cond>
-              </p:nextCondLst>
-            </p:seq>
-          </p:childTnLst>
-        </p:cTn>
-      </p:par>
-    </p:tnLst>
-  </p:timing>
-</p:sld>
-</file>
-
-<file path=ppt/slides/slide5.xml><?xml version="1.0" encoding="utf-8"?>
-<p:sld xmlns:a="http://schemas.openxmlformats.org/drawingml/2006/main" xmlns:r="http://schemas.openxmlformats.org/officeDocument/2006/relationships" xmlns:p="http://schemas.openxmlformats.org/presentationml/2006/main">
-  <p:cSld>
-    <p:spTree>
-      <p:nvGrpSpPr>
-        <p:cNvPr id="1" name=""/>
-        <p:cNvGrpSpPr/>
-        <p:nvPr/>
-      </p:nvGrpSpPr>
-      <p:grpSpPr>
-        <a:xfrm>
-          <a:off x="0" y="0"/>
-          <a:ext cx="0" cy="0"/>
-          <a:chOff x="0" y="0"/>
-          <a:chExt cx="0" cy="0"/>
-        </a:xfrm>
-      </p:grpSpPr>
-      <p:sp>
-        <p:nvSpPr>
-          <p:cNvPr id="5" name="Espace réservé du contenu 4"/>
-          <p:cNvSpPr>
-            <a:spLocks noGrp="1"/>
-          </p:cNvSpPr>
-          <p:nvPr>
-            <p:ph idx="1"/>
-          </p:nvPr>
-        </p:nvSpPr>
-        <p:spPr>
-          <a:xfrm>
-            <a:off x="761999" y="232297"/>
-            <a:ext cx="9573492" cy="5336454"/>
-          </a:xfrm>
-        </p:spPr>
-        <p:txBody>
-          <a:bodyPr/>
-          <a:lstStyle/>
-          <a:p>
-            <a:pPr marL="0" indent="0">
-              <a:buNone/>
-            </a:pPr>
-            <a:r>
-              <a:rPr lang="en-US" sz="3600" dirty="0">
-                <a:latin typeface="Courier New" panose="02070309020205020404" pitchFamily="49" charset="0"/>
-                <a:cs typeface="Courier New" panose="02070309020205020404" pitchFamily="49" charset="0"/>
-              </a:rPr>
-              <a:t>note = 14</a:t>
-            </a:r>
-          </a:p>
-          <a:p>
-            <a:pPr marL="0" indent="0">
-              <a:buNone/>
-            </a:pPr>
-            <a:r>
-              <a:rPr lang="en-US" sz="3600" dirty="0">
-                <a:solidFill>
-                  <a:srgbClr val="FFC000"/>
-                </a:solidFill>
-                <a:latin typeface="Courier New" panose="02070309020205020404" pitchFamily="49" charset="0"/>
-                <a:cs typeface="Courier New" panose="02070309020205020404" pitchFamily="49" charset="0"/>
-              </a:rPr>
-              <a:t>if</a:t>
-            </a:r>
-            <a:r>
-              <a:rPr lang="en-US" sz="3600" dirty="0">
-                <a:latin typeface="Courier New" panose="02070309020205020404" pitchFamily="49" charset="0"/>
-                <a:cs typeface="Courier New" panose="02070309020205020404" pitchFamily="49" charset="0"/>
-              </a:rPr>
-              <a:t> note &gt; </a:t>
-            </a:r>
-            <a:r>
-              <a:rPr lang="en-US" sz="3600" dirty="0" smtClean="0">
-                <a:latin typeface="Courier New" panose="02070309020205020404" pitchFamily="49" charset="0"/>
-                <a:cs typeface="Courier New" panose="02070309020205020404" pitchFamily="49" charset="0"/>
-              </a:rPr>
-              <a:t>10 </a:t>
-            </a:r>
-            <a:r>
-              <a:rPr lang="en-US" sz="3600" dirty="0" smtClean="0">
-                <a:solidFill>
-                  <a:srgbClr val="FFC000"/>
-                </a:solidFill>
-                <a:latin typeface="Courier New" panose="02070309020205020404" pitchFamily="49" charset="0"/>
-                <a:cs typeface="Courier New" panose="02070309020205020404" pitchFamily="49" charset="0"/>
-              </a:rPr>
-              <a:t>and</a:t>
-            </a:r>
-            <a:r>
-              <a:rPr lang="en-US" sz="3600" dirty="0" smtClean="0">
-                <a:latin typeface="Courier New" panose="02070309020205020404" pitchFamily="49" charset="0"/>
-                <a:cs typeface="Courier New" panose="02070309020205020404" pitchFamily="49" charset="0"/>
-              </a:rPr>
-              <a:t> note &lt; 12:</a:t>
-            </a:r>
-            <a:endParaRPr lang="en-US" sz="3600" dirty="0">
-              <a:latin typeface="Courier New" panose="02070309020205020404" pitchFamily="49" charset="0"/>
-              <a:cs typeface="Courier New" panose="02070309020205020404" pitchFamily="49" charset="0"/>
-            </a:endParaRPr>
-          </a:p>
-          <a:p>
-            <a:pPr marL="0" indent="0">
-              <a:buNone/>
-            </a:pPr>
-            <a:r>
-              <a:rPr lang="en-US" sz="3600" dirty="0">
-                <a:latin typeface="Courier New" panose="02070309020205020404" pitchFamily="49" charset="0"/>
-                <a:cs typeface="Courier New" panose="02070309020205020404" pitchFamily="49" charset="0"/>
-              </a:rPr>
-              <a:t>    </a:t>
-            </a:r>
-            <a:r>
-              <a:rPr lang="en-US" sz="3600" dirty="0">
-                <a:solidFill>
-                  <a:srgbClr val="FFC000"/>
-                </a:solidFill>
-                <a:latin typeface="Courier New" panose="02070309020205020404" pitchFamily="49" charset="0"/>
-                <a:cs typeface="Courier New" panose="02070309020205020404" pitchFamily="49" charset="0"/>
-              </a:rPr>
-              <a:t>print</a:t>
-            </a:r>
-            <a:r>
-              <a:rPr lang="en-US" sz="3600" dirty="0">
-                <a:latin typeface="Courier New" panose="02070309020205020404" pitchFamily="49" charset="0"/>
-                <a:cs typeface="Courier New" panose="02070309020205020404" pitchFamily="49" charset="0"/>
-              </a:rPr>
-              <a:t> </a:t>
-            </a:r>
-            <a:r>
-              <a:rPr lang="en-US" sz="3600" dirty="0">
-                <a:solidFill>
-                  <a:srgbClr val="00B050"/>
-                </a:solidFill>
-                <a:latin typeface="Courier New" panose="02070309020205020404" pitchFamily="49" charset="0"/>
-                <a:cs typeface="Courier New" panose="02070309020205020404" pitchFamily="49" charset="0"/>
-              </a:rPr>
-              <a:t>'</a:t>
-            </a:r>
-            <a:r>
-              <a:rPr lang="en-US" sz="3600" dirty="0" err="1">
-                <a:solidFill>
-                  <a:srgbClr val="00B050"/>
-                </a:solidFill>
-                <a:latin typeface="Courier New" panose="02070309020205020404" pitchFamily="49" charset="0"/>
-                <a:cs typeface="Courier New" panose="02070309020205020404" pitchFamily="49" charset="0"/>
-              </a:rPr>
-              <a:t>reçu</a:t>
-            </a:r>
-            <a:r>
-              <a:rPr lang="en-US" sz="3600" dirty="0">
-                <a:solidFill>
-                  <a:srgbClr val="00B050"/>
-                </a:solidFill>
-                <a:latin typeface="Courier New" panose="02070309020205020404" pitchFamily="49" charset="0"/>
-                <a:cs typeface="Courier New" panose="02070309020205020404" pitchFamily="49" charset="0"/>
-              </a:rPr>
-              <a:t>'</a:t>
-            </a:r>
-          </a:p>
-          <a:p>
-            <a:pPr marL="0" indent="0">
-              <a:buNone/>
-            </a:pPr>
-            <a:r>
-              <a:rPr lang="en-US" sz="3600" dirty="0">
-                <a:latin typeface="Courier New" panose="02070309020205020404" pitchFamily="49" charset="0"/>
-                <a:cs typeface="Courier New" panose="02070309020205020404" pitchFamily="49" charset="0"/>
-              </a:rPr>
-              <a:t>    </a:t>
-            </a:r>
-            <a:r>
-              <a:rPr lang="en-US" sz="3600" dirty="0">
-                <a:solidFill>
-                  <a:srgbClr val="FFC000"/>
-                </a:solidFill>
-                <a:latin typeface="Courier New" panose="02070309020205020404" pitchFamily="49" charset="0"/>
-                <a:cs typeface="Courier New" panose="02070309020205020404" pitchFamily="49" charset="0"/>
-              </a:rPr>
-              <a:t>print</a:t>
-            </a:r>
-            <a:r>
-              <a:rPr lang="en-US" sz="3600" dirty="0">
-                <a:latin typeface="Courier New" panose="02070309020205020404" pitchFamily="49" charset="0"/>
-                <a:cs typeface="Courier New" panose="02070309020205020404" pitchFamily="49" charset="0"/>
-              </a:rPr>
-              <a:t> </a:t>
-            </a:r>
-            <a:r>
-              <a:rPr lang="en-US" sz="3600" dirty="0">
-                <a:solidFill>
-                  <a:srgbClr val="00B050"/>
-                </a:solidFill>
-                <a:latin typeface="Courier New" panose="02070309020205020404" pitchFamily="49" charset="0"/>
-                <a:cs typeface="Courier New" panose="02070309020205020404" pitchFamily="49" charset="0"/>
-              </a:rPr>
-              <a:t>'bravo !'</a:t>
-            </a:r>
-          </a:p>
-          <a:p>
-            <a:pPr marL="0" indent="0">
-              <a:buNone/>
-            </a:pPr>
-            <a:r>
-              <a:rPr lang="en-US" sz="3600" dirty="0" err="1">
-                <a:solidFill>
-                  <a:srgbClr val="FFC000"/>
-                </a:solidFill>
-                <a:latin typeface="Courier New" panose="02070309020205020404" pitchFamily="49" charset="0"/>
-                <a:cs typeface="Courier New" panose="02070309020205020404" pitchFamily="49" charset="0"/>
-              </a:rPr>
-              <a:t>elif</a:t>
-            </a:r>
-            <a:r>
-              <a:rPr lang="en-US" sz="3600" dirty="0">
-                <a:solidFill>
-                  <a:srgbClr val="FFC000"/>
-                </a:solidFill>
-                <a:latin typeface="Courier New" panose="02070309020205020404" pitchFamily="49" charset="0"/>
-                <a:cs typeface="Courier New" panose="02070309020205020404" pitchFamily="49" charset="0"/>
-              </a:rPr>
-              <a:t> </a:t>
-            </a:r>
-            <a:r>
-              <a:rPr lang="en-US" sz="3600" dirty="0">
-                <a:latin typeface="Courier New" panose="02070309020205020404" pitchFamily="49" charset="0"/>
-                <a:cs typeface="Courier New" panose="02070309020205020404" pitchFamily="49" charset="0"/>
-              </a:rPr>
-              <a:t>note &gt; 12:</a:t>
-            </a:r>
-          </a:p>
-          <a:p>
-            <a:pPr marL="0" indent="0">
-              <a:buNone/>
-            </a:pPr>
-            <a:r>
-              <a:rPr lang="en-US" sz="3600" dirty="0">
-                <a:latin typeface="Courier New" panose="02070309020205020404" pitchFamily="49" charset="0"/>
-                <a:cs typeface="Courier New" panose="02070309020205020404" pitchFamily="49" charset="0"/>
-              </a:rPr>
-              <a:t>    </a:t>
-            </a:r>
-            <a:r>
-              <a:rPr lang="en-US" sz="3600" dirty="0">
-                <a:solidFill>
-                  <a:srgbClr val="FFC000"/>
-                </a:solidFill>
-                <a:latin typeface="Courier New" panose="02070309020205020404" pitchFamily="49" charset="0"/>
-                <a:cs typeface="Courier New" panose="02070309020205020404" pitchFamily="49" charset="0"/>
-              </a:rPr>
-              <a:t>print</a:t>
-            </a:r>
-            <a:r>
-              <a:rPr lang="en-US" sz="3600" dirty="0">
-                <a:latin typeface="Courier New" panose="02070309020205020404" pitchFamily="49" charset="0"/>
-                <a:cs typeface="Courier New" panose="02070309020205020404" pitchFamily="49" charset="0"/>
-              </a:rPr>
-              <a:t> </a:t>
-            </a:r>
-            <a:r>
-              <a:rPr lang="en-US" sz="3600" dirty="0">
-                <a:solidFill>
-                  <a:srgbClr val="00B050"/>
-                </a:solidFill>
-                <a:latin typeface="Courier New" panose="02070309020205020404" pitchFamily="49" charset="0"/>
-                <a:cs typeface="Courier New" panose="02070309020205020404" pitchFamily="49" charset="0"/>
-              </a:rPr>
-              <a:t>'</a:t>
-            </a:r>
-            <a:r>
-              <a:rPr lang="en-US" sz="3600" dirty="0" err="1">
-                <a:solidFill>
-                  <a:srgbClr val="00B050"/>
-                </a:solidFill>
-                <a:latin typeface="Courier New" panose="02070309020205020404" pitchFamily="49" charset="0"/>
-                <a:cs typeface="Courier New" panose="02070309020205020404" pitchFamily="49" charset="0"/>
-              </a:rPr>
-              <a:t>reçu</a:t>
-            </a:r>
-            <a:r>
-              <a:rPr lang="en-US" sz="3600" dirty="0">
-                <a:solidFill>
-                  <a:srgbClr val="00B050"/>
-                </a:solidFill>
-                <a:latin typeface="Courier New" panose="02070309020205020404" pitchFamily="49" charset="0"/>
-                <a:cs typeface="Courier New" panose="02070309020205020404" pitchFamily="49" charset="0"/>
-              </a:rPr>
-              <a:t>, avec mention'</a:t>
-            </a:r>
-          </a:p>
-          <a:p>
-            <a:pPr marL="0" indent="0">
-              <a:buNone/>
-            </a:pPr>
-            <a:r>
-              <a:rPr lang="en-US" sz="3600" dirty="0">
-                <a:latin typeface="Courier New" panose="02070309020205020404" pitchFamily="49" charset="0"/>
-                <a:cs typeface="Courier New" panose="02070309020205020404" pitchFamily="49" charset="0"/>
-              </a:rPr>
-              <a:t>    </a:t>
-            </a:r>
-            <a:r>
-              <a:rPr lang="en-US" sz="3600" dirty="0">
-                <a:solidFill>
-                  <a:srgbClr val="FFC000"/>
-                </a:solidFill>
-                <a:latin typeface="Courier New" panose="02070309020205020404" pitchFamily="49" charset="0"/>
-                <a:cs typeface="Courier New" panose="02070309020205020404" pitchFamily="49" charset="0"/>
-              </a:rPr>
-              <a:t>print</a:t>
-            </a:r>
-            <a:r>
-              <a:rPr lang="en-US" sz="3600" dirty="0">
-                <a:latin typeface="Courier New" panose="02070309020205020404" pitchFamily="49" charset="0"/>
-                <a:cs typeface="Courier New" panose="02070309020205020404" pitchFamily="49" charset="0"/>
-              </a:rPr>
-              <a:t> </a:t>
-            </a:r>
-            <a:r>
-              <a:rPr lang="en-US" sz="3600" dirty="0">
-                <a:solidFill>
-                  <a:srgbClr val="00B050"/>
-                </a:solidFill>
-                <a:latin typeface="Courier New" panose="02070309020205020404" pitchFamily="49" charset="0"/>
-                <a:cs typeface="Courier New" panose="02070309020205020404" pitchFamily="49" charset="0"/>
-              </a:rPr>
-              <a:t>'bravo !'</a:t>
-            </a:r>
-          </a:p>
-          <a:p>
-            <a:pPr marL="0" indent="0">
-              <a:buNone/>
-            </a:pPr>
-            <a:r>
-              <a:rPr lang="en-US" sz="3600" dirty="0">
-                <a:solidFill>
-                  <a:srgbClr val="FFC000"/>
-                </a:solidFill>
-                <a:latin typeface="Courier New" panose="02070309020205020404" pitchFamily="49" charset="0"/>
-                <a:cs typeface="Courier New" panose="02070309020205020404" pitchFamily="49" charset="0"/>
-              </a:rPr>
-              <a:t>else</a:t>
-            </a:r>
-            <a:r>
-              <a:rPr lang="en-US" sz="3600" dirty="0">
-                <a:latin typeface="Courier New" panose="02070309020205020404" pitchFamily="49" charset="0"/>
-                <a:cs typeface="Courier New" panose="02070309020205020404" pitchFamily="49" charset="0"/>
-              </a:rPr>
-              <a:t>:</a:t>
-            </a:r>
-          </a:p>
-          <a:p>
-            <a:pPr marL="0" indent="0">
-              <a:buNone/>
-            </a:pPr>
-            <a:r>
-              <a:rPr lang="en-US" sz="3600" dirty="0">
-                <a:latin typeface="Courier New" panose="02070309020205020404" pitchFamily="49" charset="0"/>
-                <a:cs typeface="Courier New" panose="02070309020205020404" pitchFamily="49" charset="0"/>
-              </a:rPr>
-              <a:t>    </a:t>
-            </a:r>
-            <a:r>
-              <a:rPr lang="en-US" sz="3600" dirty="0">
-                <a:solidFill>
-                  <a:srgbClr val="FFC000"/>
-                </a:solidFill>
-                <a:latin typeface="Courier New" panose="02070309020205020404" pitchFamily="49" charset="0"/>
-                <a:cs typeface="Courier New" panose="02070309020205020404" pitchFamily="49" charset="0"/>
-              </a:rPr>
-              <a:t>print</a:t>
-            </a:r>
-            <a:r>
-              <a:rPr lang="en-US" sz="3600" dirty="0">
-                <a:latin typeface="Courier New" panose="02070309020205020404" pitchFamily="49" charset="0"/>
-                <a:cs typeface="Courier New" panose="02070309020205020404" pitchFamily="49" charset="0"/>
-              </a:rPr>
-              <a:t> </a:t>
-            </a:r>
-            <a:r>
-              <a:rPr lang="en-US" sz="3600" dirty="0">
-                <a:solidFill>
-                  <a:srgbClr val="00B050"/>
-                </a:solidFill>
-                <a:latin typeface="Courier New" panose="02070309020205020404" pitchFamily="49" charset="0"/>
-                <a:cs typeface="Courier New" panose="02070309020205020404" pitchFamily="49" charset="0"/>
-              </a:rPr>
-              <a:t>'</a:t>
-            </a:r>
-            <a:r>
-              <a:rPr lang="en-US" sz="3600" dirty="0" err="1">
-                <a:solidFill>
-                  <a:srgbClr val="00B050"/>
-                </a:solidFill>
-                <a:latin typeface="Courier New" panose="02070309020205020404" pitchFamily="49" charset="0"/>
-                <a:cs typeface="Courier New" panose="02070309020205020404" pitchFamily="49" charset="0"/>
-              </a:rPr>
-              <a:t>recalé</a:t>
-            </a:r>
-            <a:r>
-              <a:rPr lang="en-US" sz="3600" dirty="0">
-                <a:solidFill>
-                  <a:srgbClr val="00B050"/>
-                </a:solidFill>
-                <a:latin typeface="Courier New" panose="02070309020205020404" pitchFamily="49" charset="0"/>
-                <a:cs typeface="Courier New" panose="02070309020205020404" pitchFamily="49" charset="0"/>
-              </a:rPr>
-              <a:t>'</a:t>
-            </a:r>
-          </a:p>
-          <a:p>
-            <a:pPr marL="0" indent="0">
-              <a:buNone/>
-            </a:pPr>
-            <a:endParaRPr lang="en-US" sz="3600" dirty="0">
-              <a:latin typeface="Courier New" panose="02070309020205020404" pitchFamily="49" charset="0"/>
-              <a:cs typeface="Courier New" panose="02070309020205020404" pitchFamily="49" charset="0"/>
-            </a:endParaRPr>
-          </a:p>
-          <a:p>
-            <a:pPr marL="0" indent="0">
-              <a:buNone/>
-            </a:pPr>
-            <a:endParaRPr lang="fr-FR" sz="3600" dirty="0">
-              <a:latin typeface="Courier New" panose="02070309020205020404" pitchFamily="49" charset="0"/>
-              <a:cs typeface="Courier New" panose="02070309020205020404" pitchFamily="49" charset="0"/>
-            </a:endParaRPr>
-          </a:p>
-        </p:txBody>
-      </p:sp>
-    </p:spTree>
-    <p:extLst>
-      <p:ext uri="{BB962C8B-B14F-4D97-AF65-F5344CB8AC3E}">
-        <p14:creationId xmlns:p14="http://schemas.microsoft.com/office/powerpoint/2010/main" val="1274449893"/>
-      </p:ext>
-    </p:extLst>
-  </p:cSld>
-  <p:clrMapOvr>
-    <a:masterClrMapping/>
-  </p:clrMapOvr>
-  <p:timing>
-    <p:tnLst>
-      <p:par>
-        <p:cTn xmlns:p14="http://schemas.microsoft.com/office/powerpoint/2010/main" id="1" dur="indefinite" restart="never" nodeType="tmRoot">
-          <p:childTnLst>
-            <p:seq concurrent="1" nextAc="seek">
-              <p:cTn id="2" dur="indefinite" nodeType="mainSeq">
-                <p:childTnLst>
-                  <p:par>
-                    <p:cTn id="3" fill="hold">
-                      <p:stCondLst>
-                        <p:cond delay="indefinite"/>
-                      </p:stCondLst>
-                      <p:childTnLst>
-                        <p:par>
-                          <p:cTn id="4" fill="hold">
-                            <p:stCondLst>
-                              <p:cond delay="0"/>
-                            </p:stCondLst>
-                            <p:childTnLst>
-                              <p:par>
-                                <p:cTn id="5" presetID="1" presetClass="entr" presetSubtype="0" fill="hold" nodeType="clickEffect">
-                                  <p:stCondLst>
-                                    <p:cond delay="0"/>
-                                  </p:stCondLst>
-                                  <p:iterate type="lt">
-                                    <p:tmAbs val="100"/>
-                                  </p:iterate>
-                                  <p:childTnLst>
-                                    <p:set>
-                                      <p:cBhvr>
-                                        <p:cTn id="6" dur="1" fill="hold">
-                                          <p:stCondLst>
-                                            <p:cond delay="0"/>
-                                          </p:stCondLst>
-                                        </p:cTn>
-                                        <p:tgtEl>
-                                          <p:spTgt spid="5">
-                                            <p:txEl>
-                                              <p:pRg st="0" end="0"/>
-                                            </p:txEl>
-                                          </p:spTgt>
-                                        </p:tgtEl>
-                                        <p:attrNameLst>
-                                          <p:attrName>style.visibility</p:attrName>
-                                        </p:attrNameLst>
-                                      </p:cBhvr>
-                                      <p:to>
-                                        <p:strVal val="visible"/>
-                                      </p:to>
-                                    </p:set>
-                                  </p:childTnLst>
-                                </p:cTn>
-                              </p:par>
-                            </p:childTnLst>
-                          </p:cTn>
-                        </p:par>
-                      </p:childTnLst>
-                    </p:cTn>
-                  </p:par>
-                  <p:par>
-                    <p:cTn id="7" fill="hold">
-                      <p:stCondLst>
-                        <p:cond delay="indefinite"/>
-                      </p:stCondLst>
-                      <p:childTnLst>
-                        <p:par>
-                          <p:cTn id="8" fill="hold">
-                            <p:stCondLst>
-                              <p:cond delay="0"/>
-                            </p:stCondLst>
-                            <p:childTnLst>
-                              <p:par>
-                                <p:cTn id="9" presetID="1" presetClass="entr" presetSubtype="0" fill="hold" nodeType="clickEffect">
-                                  <p:stCondLst>
-                                    <p:cond delay="0"/>
-                                  </p:stCondLst>
-                                  <p:iterate type="lt">
-                                    <p:tmAbs val="100"/>
-                                  </p:iterate>
-                                  <p:childTnLst>
-                                    <p:set>
-                                      <p:cBhvr>
-                                        <p:cTn id="10" dur="1" fill="hold">
-                                          <p:stCondLst>
-                                            <p:cond delay="0"/>
-                                          </p:stCondLst>
-                                        </p:cTn>
-                                        <p:tgtEl>
-                                          <p:spTgt spid="5">
-                                            <p:txEl>
-                                              <p:pRg st="1" end="1"/>
-                                            </p:txEl>
-                                          </p:spTgt>
-                                        </p:tgtEl>
-                                        <p:attrNameLst>
-                                          <p:attrName>style.visibility</p:attrName>
-                                        </p:attrNameLst>
-                                      </p:cBhvr>
-                                      <p:to>
-                                        <p:strVal val="visible"/>
-                                      </p:to>
-                                    </p:set>
-                                  </p:childTnLst>
-                                </p:cTn>
-                              </p:par>
-                            </p:childTnLst>
-                          </p:cTn>
-                        </p:par>
-                      </p:childTnLst>
-                    </p:cTn>
-                  </p:par>
-                  <p:par>
-                    <p:cTn id="11" fill="hold">
-                      <p:stCondLst>
-                        <p:cond delay="indefinite"/>
-                      </p:stCondLst>
-                      <p:childTnLst>
-                        <p:par>
-                          <p:cTn id="12" fill="hold">
-                            <p:stCondLst>
-                              <p:cond delay="0"/>
-                            </p:stCondLst>
-                            <p:childTnLst>
-                              <p:par>
-                                <p:cTn id="13" presetID="1" presetClass="entr" presetSubtype="0" fill="hold" nodeType="clickEffect">
-                                  <p:stCondLst>
-                                    <p:cond delay="0"/>
-                                  </p:stCondLst>
-                                  <p:iterate type="lt">
-                                    <p:tmAbs val="100"/>
-                                  </p:iterate>
-                                  <p:childTnLst>
-                                    <p:set>
-                                      <p:cBhvr>
-                                        <p:cTn id="14" dur="1" fill="hold">
-                                          <p:stCondLst>
-                                            <p:cond delay="0"/>
-                                          </p:stCondLst>
-                                        </p:cTn>
-                                        <p:tgtEl>
-                                          <p:spTgt spid="5">
-                                            <p:txEl>
-                                              <p:pRg st="2" end="2"/>
-                                            </p:txEl>
-                                          </p:spTgt>
-                                        </p:tgtEl>
-                                        <p:attrNameLst>
-                                          <p:attrName>style.visibility</p:attrName>
-                                        </p:attrNameLst>
-                                      </p:cBhvr>
-                                      <p:to>
-                                        <p:strVal val="visible"/>
-                                      </p:to>
-                                    </p:set>
-                                  </p:childTnLst>
-                                </p:cTn>
-                              </p:par>
-                            </p:childTnLst>
-                          </p:cTn>
-                        </p:par>
-                      </p:childTnLst>
-                    </p:cTn>
-                  </p:par>
-                  <p:par>
-                    <p:cTn id="15" fill="hold">
-                      <p:stCondLst>
-                        <p:cond delay="indefinite"/>
-                      </p:stCondLst>
-                      <p:childTnLst>
-                        <p:par>
-                          <p:cTn id="16" fill="hold">
-                            <p:stCondLst>
-                              <p:cond delay="0"/>
-                            </p:stCondLst>
-                            <p:childTnLst>
-                              <p:par>
-                                <p:cTn id="17" presetID="1" presetClass="entr" presetSubtype="0" fill="hold" nodeType="clickEffect">
-                                  <p:stCondLst>
-                                    <p:cond delay="0"/>
-                                  </p:stCondLst>
-                                  <p:iterate type="lt">
-                                    <p:tmAbs val="100"/>
-                                  </p:iterate>
-                                  <p:childTnLst>
-                                    <p:set>
-                                      <p:cBhvr>
-                                        <p:cTn id="18" dur="1" fill="hold">
-                                          <p:stCondLst>
-                                            <p:cond delay="0"/>
-                                          </p:stCondLst>
-                                        </p:cTn>
-                                        <p:tgtEl>
-                                          <p:spTgt spid="5">
-                                            <p:txEl>
-                                              <p:pRg st="3" end="3"/>
-                                            </p:txEl>
-                                          </p:spTgt>
-                                        </p:tgtEl>
-                                        <p:attrNameLst>
-                                          <p:attrName>style.visibility</p:attrName>
-                                        </p:attrNameLst>
-                                      </p:cBhvr>
-                                      <p:to>
-                                        <p:strVal val="visible"/>
-                                      </p:to>
-                                    </p:set>
-                                  </p:childTnLst>
-                                </p:cTn>
-                              </p:par>
-                            </p:childTnLst>
-                          </p:cTn>
-                        </p:par>
-                      </p:childTnLst>
-                    </p:cTn>
-                  </p:par>
-                  <p:par>
-                    <p:cTn id="19" fill="hold">
-                      <p:stCondLst>
-                        <p:cond delay="indefinite"/>
-                      </p:stCondLst>
-                      <p:childTnLst>
-                        <p:par>
-                          <p:cTn id="20" fill="hold">
-                            <p:stCondLst>
-                              <p:cond delay="0"/>
-                            </p:stCondLst>
-                            <p:childTnLst>
-                              <p:par>
-                                <p:cTn id="21" presetID="1" presetClass="entr" presetSubtype="0" fill="hold" nodeType="clickEffect">
-                                  <p:stCondLst>
-                                    <p:cond delay="0"/>
-                                  </p:stCondLst>
-                                  <p:iterate type="lt">
-                                    <p:tmAbs val="100"/>
-                                  </p:iterate>
-                                  <p:childTnLst>
-                                    <p:set>
-                                      <p:cBhvr>
-                                        <p:cTn id="22" dur="1" fill="hold">
-                                          <p:stCondLst>
-                                            <p:cond delay="0"/>
-                                          </p:stCondLst>
-                                        </p:cTn>
-                                        <p:tgtEl>
-                                          <p:spTgt spid="5">
-                                            <p:txEl>
-                                              <p:pRg st="4" end="4"/>
-                                            </p:txEl>
-                                          </p:spTgt>
-                                        </p:tgtEl>
-                                        <p:attrNameLst>
-                                          <p:attrName>style.visibility</p:attrName>
-                                        </p:attrNameLst>
-                                      </p:cBhvr>
-                                      <p:to>
-                                        <p:strVal val="visible"/>
-                                      </p:to>
-                                    </p:set>
-                                  </p:childTnLst>
-                                </p:cTn>
-                              </p:par>
-                            </p:childTnLst>
-                          </p:cTn>
-                        </p:par>
-                      </p:childTnLst>
-                    </p:cTn>
-                  </p:par>
-                  <p:par>
-                    <p:cTn id="23" fill="hold">
-                      <p:stCondLst>
-                        <p:cond delay="indefinite"/>
-                      </p:stCondLst>
-                      <p:childTnLst>
-                        <p:par>
-                          <p:cTn id="24" fill="hold">
-                            <p:stCondLst>
-                              <p:cond delay="0"/>
-                            </p:stCondLst>
-                            <p:childTnLst>
-                              <p:par>
-                                <p:cTn id="25" presetID="1" presetClass="entr" presetSubtype="0" fill="hold" nodeType="clickEffect">
-                                  <p:stCondLst>
-                                    <p:cond delay="0"/>
-                                  </p:stCondLst>
-                                  <p:iterate type="lt">
-                                    <p:tmAbs val="100"/>
-                                  </p:iterate>
-                                  <p:childTnLst>
-                                    <p:set>
-                                      <p:cBhvr>
-                                        <p:cTn id="26" dur="1" fill="hold">
-                                          <p:stCondLst>
-                                            <p:cond delay="0"/>
-                                          </p:stCondLst>
-                                        </p:cTn>
-                                        <p:tgtEl>
-                                          <p:spTgt spid="5">
-                                            <p:txEl>
-                                              <p:pRg st="5" end="5"/>
-                                            </p:txEl>
-                                          </p:spTgt>
-                                        </p:tgtEl>
-                                        <p:attrNameLst>
-                                          <p:attrName>style.visibility</p:attrName>
-                                        </p:attrNameLst>
-                                      </p:cBhvr>
-                                      <p:to>
-                                        <p:strVal val="visible"/>
-                                      </p:to>
-                                    </p:set>
-                                  </p:childTnLst>
-                                </p:cTn>
-                              </p:par>
-                            </p:childTnLst>
-                          </p:cTn>
-                        </p:par>
-                      </p:childTnLst>
-                    </p:cTn>
-                  </p:par>
-                  <p:par>
-                    <p:cTn id="27" fill="hold">
-                      <p:stCondLst>
-                        <p:cond delay="indefinite"/>
-                      </p:stCondLst>
-                      <p:childTnLst>
-                        <p:par>
-                          <p:cTn id="28" fill="hold">
-                            <p:stCondLst>
-                              <p:cond delay="0"/>
-                            </p:stCondLst>
-                            <p:childTnLst>
-                              <p:par>
-                                <p:cTn id="29" presetID="1" presetClass="entr" presetSubtype="0" fill="hold" nodeType="clickEffect">
-                                  <p:stCondLst>
-                                    <p:cond delay="0"/>
-                                  </p:stCondLst>
-                                  <p:iterate type="lt">
-                                    <p:tmAbs val="100"/>
-                                  </p:iterate>
-                                  <p:childTnLst>
-                                    <p:set>
-                                      <p:cBhvr>
-                                        <p:cTn id="30" dur="1" fill="hold">
-                                          <p:stCondLst>
-                                            <p:cond delay="0"/>
-                                          </p:stCondLst>
-                                        </p:cTn>
-                                        <p:tgtEl>
-                                          <p:spTgt spid="5">
-                                            <p:txEl>
-                                              <p:pRg st="6" end="6"/>
-                                            </p:txEl>
-                                          </p:spTgt>
-                                        </p:tgtEl>
-                                        <p:attrNameLst>
-                                          <p:attrName>style.visibility</p:attrName>
-                                        </p:attrNameLst>
-                                      </p:cBhvr>
-                                      <p:to>
-                                        <p:strVal val="visible"/>
-                                      </p:to>
-                                    </p:set>
-                                  </p:childTnLst>
-                                </p:cTn>
-                              </p:par>
-                            </p:childTnLst>
-                          </p:cTn>
-                        </p:par>
-                      </p:childTnLst>
-                    </p:cTn>
-                  </p:par>
-                  <p:par>
-                    <p:cTn id="31" fill="hold">
-                      <p:stCondLst>
-                        <p:cond delay="indefinite"/>
-                      </p:stCondLst>
-                      <p:childTnLst>
-                        <p:par>
-                          <p:cTn id="32" fill="hold">
-                            <p:stCondLst>
-                              <p:cond delay="0"/>
-                            </p:stCondLst>
-                            <p:childTnLst>
-                              <p:par>
-                                <p:cTn id="33" presetID="1" presetClass="entr" presetSubtype="0" fill="hold" nodeType="clickEffect">
-                                  <p:stCondLst>
-                                    <p:cond delay="0"/>
-                                  </p:stCondLst>
-                                  <p:iterate type="lt">
-                                    <p:tmAbs val="100"/>
-                                  </p:iterate>
-                                  <p:childTnLst>
-                                    <p:set>
-                                      <p:cBhvr>
-                                        <p:cTn id="34" dur="1" fill="hold">
-                                          <p:stCondLst>
-                                            <p:cond delay="0"/>
-                                          </p:stCondLst>
-                                        </p:cTn>
-                                        <p:tgtEl>
-                                          <p:spTgt spid="5">
-                                            <p:txEl>
-                                              <p:pRg st="7" end="7"/>
-                                            </p:txEl>
-                                          </p:spTgt>
-                                        </p:tgtEl>
-                                        <p:attrNameLst>
-                                          <p:attrName>style.visibility</p:attrName>
-                                        </p:attrNameLst>
-                                      </p:cBhvr>
-                                      <p:to>
-                                        <p:strVal val="visible"/>
-                                      </p:to>
-                                    </p:set>
-                                  </p:childTnLst>
-                                </p:cTn>
-                              </p:par>
-                            </p:childTnLst>
-                          </p:cTn>
-                        </p:par>
-                      </p:childTnLst>
-                    </p:cTn>
-                  </p:par>
-                  <p:par>
-                    <p:cTn id="35" fill="hold">
-                      <p:stCondLst>
-                        <p:cond delay="indefinite"/>
-                      </p:stCondLst>
-                      <p:childTnLst>
-                        <p:par>
-                          <p:cTn id="36" fill="hold">
-                            <p:stCondLst>
-                              <p:cond delay="0"/>
-                            </p:stCondLst>
-                            <p:childTnLst>
-                              <p:par>
-                                <p:cTn id="37" presetID="1" presetClass="entr" presetSubtype="0" fill="hold" nodeType="clickEffect">
-                                  <p:stCondLst>
-                                    <p:cond delay="0"/>
-                                  </p:stCondLst>
-                                  <p:iterate type="lt">
-                                    <p:tmAbs val="100"/>
-                                  </p:iterate>
-                                  <p:childTnLst>
-                                    <p:set>
-                                      <p:cBhvr>
-                                        <p:cTn id="38" dur="1" fill="hold">
-                                          <p:stCondLst>
-                                            <p:cond delay="0"/>
-                                          </p:stCondLst>
-                                        </p:cTn>
-                                        <p:tgtEl>
-                                          <p:spTgt spid="5">
-                                            <p:txEl>
-                                              <p:pRg st="8" end="8"/>
                                             </p:txEl>
                                           </p:spTgt>
                                         </p:tgtEl>

--- a/semaine3/CO12AL-W3-VIDEO07-SLIDE01.pptx
+++ b/semaine3/CO12AL-W3-VIDEO07-SLIDE01.pptx
@@ -589,7 +589,7 @@
           </a:ln>
           <a:extLst>
             <a:ext uri="{909E8E84-426E-40dd-AFC4-6F175D3DCCD1}">
-              <a14:hiddenFill xmlns="" xmlns:a14="http://schemas.microsoft.com/office/drawing/2010/main">
+              <a14:hiddenFill xmlns:a14="http://schemas.microsoft.com/office/drawing/2010/main" xmlns="">
                 <a:solidFill>
                   <a:srgbClr val="FFFFFF"/>
                 </a:solidFill>
@@ -998,13 +998,18 @@
             </a:r>
             <a:r>
               <a:rPr lang="fr-FR" baseline="0" dirty="0" smtClean="0"/>
-              <a:t> n’est exécuté que si tous les autres </a:t>
-            </a:r>
-            <a:r>
-              <a:rPr lang="fr-FR" baseline="0" smtClean="0"/>
-              <a:t>tests sont faux. </a:t>
-            </a:r>
-            <a:endParaRPr lang="fr-FR" dirty="0" smtClean="0"/>
+              <a:t> n’est exécuté que si tous les autres tests sont faux. </a:t>
+            </a:r>
+            <a:endParaRPr lang="fr-FR" baseline="0" dirty="0" smtClean="0"/>
+          </a:p>
+          <a:p>
+            <a:endParaRPr lang="fr-FR" baseline="0" dirty="0" smtClean="0"/>
+          </a:p>
+          <a:p>
+            <a:r>
+              <a:rPr lang="fr-FR" baseline="0" dirty="0" smtClean="0"/>
+              <a:t>Un test dans un if est une expression qui est évaluée et dont le résultat va déterminer la réussite du test, Regardons quelle expression on peut mettre et comment les résultats sont évalués. </a:t>
+            </a:r>
           </a:p>
         </p:txBody>
       </p:sp>
@@ -1513,7 +1518,21 @@
             </a:r>
             <a:r>
               <a:rPr lang="fr-FR" baseline="0" dirty="0" smtClean="0"/>
-              <a:t> un peu plus en détail les test booléens</a:t>
+              <a:t> un peu plus en détail les test </a:t>
+            </a:r>
+            <a:r>
+              <a:rPr lang="fr-FR" baseline="0" dirty="0" smtClean="0"/>
+              <a:t>booléens</a:t>
+            </a:r>
+          </a:p>
+          <a:p>
+            <a:r>
+              <a:rPr lang="fr-FR" baseline="0" dirty="0" smtClean="0"/>
+              <a:t>A et B sont n’importe </a:t>
+            </a:r>
+            <a:r>
+              <a:rPr lang="fr-FR" baseline="0" smtClean="0"/>
+              <a:t>quel objet. </a:t>
             </a:r>
             <a:endParaRPr lang="fr-FR" dirty="0"/>
           </a:p>
@@ -4347,14 +4366,14 @@
           </a:ln>
           <a:extLst>
             <a:ext uri="{909E8E84-426E-40dd-AFC4-6F175D3DCCD1}">
-              <a14:hiddenFill xmlns="" xmlns:a14="http://schemas.microsoft.com/office/drawing/2010/main">
+              <a14:hiddenFill xmlns:a14="http://schemas.microsoft.com/office/drawing/2010/main" xmlns="">
                 <a:solidFill>
                   <a:srgbClr val="FFFFFF"/>
                 </a:solidFill>
               </a14:hiddenFill>
             </a:ext>
             <a:ext uri="{91240B29-F687-4f45-9708-019B960494DF}">
-              <a14:hiddenLine xmlns="" xmlns:a14="http://schemas.microsoft.com/office/drawing/2010/main" w="9525">
+              <a14:hiddenLine xmlns:a14="http://schemas.microsoft.com/office/drawing/2010/main" xmlns="" w="9525">
                 <a:solidFill>
                   <a:srgbClr val="000000"/>
                 </a:solidFill>
@@ -4405,14 +4424,14 @@
           </a:ln>
           <a:extLst>
             <a:ext uri="{909E8E84-426E-40dd-AFC4-6F175D3DCCD1}">
-              <a14:hiddenFill xmlns="" xmlns:a14="http://schemas.microsoft.com/office/drawing/2010/main">
+              <a14:hiddenFill xmlns:a14="http://schemas.microsoft.com/office/drawing/2010/main" xmlns="">
                 <a:solidFill>
                   <a:srgbClr val="FFFFFF"/>
                 </a:solidFill>
               </a14:hiddenFill>
             </a:ext>
             <a:ext uri="{91240B29-F687-4f45-9708-019B960494DF}">
-              <a14:hiddenLine xmlns="" xmlns:a14="http://schemas.microsoft.com/office/drawing/2010/main" w="9525">
+              <a14:hiddenLine xmlns:a14="http://schemas.microsoft.com/office/drawing/2010/main" xmlns="" w="9525">
                 <a:solidFill>
                   <a:srgbClr val="000000"/>
                 </a:solidFill>

--- a/semaine3/CO12AL-W3-VIDEO07-SLIDE01.pptx
+++ b/semaine3/CO12AL-W3-VIDEO07-SLIDE01.pptx
@@ -589,7 +589,7 @@
           </a:ln>
           <a:extLst>
             <a:ext uri="{909E8E84-426E-40dd-AFC4-6F175D3DCCD1}">
-              <a14:hiddenFill xmlns:a14="http://schemas.microsoft.com/office/drawing/2010/main" xmlns="">
+              <a14:hiddenFill xmlns="" xmlns:a14="http://schemas.microsoft.com/office/drawing/2010/main">
                 <a:solidFill>
                   <a:srgbClr val="FFFFFF"/>
                 </a:solidFill>
@@ -1000,7 +1000,6 @@
               <a:rPr lang="fr-FR" baseline="0" dirty="0" smtClean="0"/>
               <a:t> n’est exécuté que si tous les autres tests sont faux. </a:t>
             </a:r>
-            <a:endParaRPr lang="fr-FR" baseline="0" dirty="0" smtClean="0"/>
           </a:p>
           <a:p>
             <a:endParaRPr lang="fr-FR" baseline="0" dirty="0" smtClean="0"/>
@@ -1518,11 +1517,7 @@
             </a:r>
             <a:r>
               <a:rPr lang="fr-FR" baseline="0" dirty="0" smtClean="0"/>
-              <a:t> un peu plus en détail les test </a:t>
-            </a:r>
-            <a:r>
-              <a:rPr lang="fr-FR" baseline="0" dirty="0" smtClean="0"/>
-              <a:t>booléens</a:t>
+              <a:t> un peu plus en détail les test booléens</a:t>
             </a:r>
           </a:p>
           <a:p>
@@ -4366,14 +4361,14 @@
           </a:ln>
           <a:extLst>
             <a:ext uri="{909E8E84-426E-40dd-AFC4-6F175D3DCCD1}">
-              <a14:hiddenFill xmlns:a14="http://schemas.microsoft.com/office/drawing/2010/main" xmlns="">
+              <a14:hiddenFill xmlns="" xmlns:a14="http://schemas.microsoft.com/office/drawing/2010/main">
                 <a:solidFill>
                   <a:srgbClr val="FFFFFF"/>
                 </a:solidFill>
               </a14:hiddenFill>
             </a:ext>
             <a:ext uri="{91240B29-F687-4f45-9708-019B960494DF}">
-              <a14:hiddenLine xmlns:a14="http://schemas.microsoft.com/office/drawing/2010/main" xmlns="" w="9525">
+              <a14:hiddenLine xmlns="" xmlns:a14="http://schemas.microsoft.com/office/drawing/2010/main" w="9525">
                 <a:solidFill>
                   <a:srgbClr val="000000"/>
                 </a:solidFill>
@@ -4424,14 +4419,14 @@
           </a:ln>
           <a:extLst>
             <a:ext uri="{909E8E84-426E-40dd-AFC4-6F175D3DCCD1}">
-              <a14:hiddenFill xmlns:a14="http://schemas.microsoft.com/office/drawing/2010/main" xmlns="">
+              <a14:hiddenFill xmlns="" xmlns:a14="http://schemas.microsoft.com/office/drawing/2010/main">
                 <a:solidFill>
                   <a:srgbClr val="FFFFFF"/>
                 </a:solidFill>
               </a14:hiddenFill>
             </a:ext>
             <a:ext uri="{91240B29-F687-4f45-9708-019B960494DF}">
-              <a14:hiddenLine xmlns:a14="http://schemas.microsoft.com/office/drawing/2010/main" xmlns="" w="9525">
+              <a14:hiddenLine xmlns="" xmlns:a14="http://schemas.microsoft.com/office/drawing/2010/main" w="9525">
                 <a:solidFill>
                   <a:srgbClr val="000000"/>
                 </a:solidFill>
@@ -5862,7 +5857,23 @@
                   <a:srgbClr val="3333CC"/>
                 </a:solidFill>
               </a:rPr>
-              <a:t>Que peut-être un test dans un if ?</a:t>
+              <a:t>Que </a:t>
+            </a:r>
+            <a:r>
+              <a:rPr lang="fr-FR" sz="4000" dirty="0" smtClean="0">
+                <a:solidFill>
+                  <a:srgbClr val="3333CC"/>
+                </a:solidFill>
+              </a:rPr>
+              <a:t>peut être </a:t>
+            </a:r>
+            <a:r>
+              <a:rPr lang="fr-FR" sz="4000" dirty="0" smtClean="0">
+                <a:solidFill>
+                  <a:srgbClr val="3333CC"/>
+                </a:solidFill>
+              </a:rPr>
+              <a:t>un test dans un if ?</a:t>
             </a:r>
           </a:p>
           <a:p>
@@ -6262,12 +6273,12 @@
               <a:buNone/>
             </a:pPr>
             <a:r>
-              <a:rPr lang="fr-FR" sz="4000" dirty="0" smtClean="0">
+              <a:rPr lang="fr-FR" sz="4000" dirty="0">
                 <a:solidFill>
                   <a:srgbClr val="3333CC"/>
                 </a:solidFill>
               </a:rPr>
-              <a:t>Que peut-être un test dans un if ?</a:t>
+              <a:t>Que peut être un test dans un if ?</a:t>
             </a:r>
           </a:p>
           <a:p>
@@ -6277,7 +6288,11 @@
             </a:pPr>
             <a:r>
               <a:rPr lang="fr-FR" sz="3600" dirty="0" smtClean="0"/>
-              <a:t>Un test d’appartenance </a:t>
+              <a:t>Un </a:t>
+            </a:r>
+            <a:r>
+              <a:rPr lang="fr-FR" sz="3600" dirty="0" smtClean="0"/>
+              <a:t>test d’appartenance </a:t>
             </a:r>
             <a:r>
               <a:rPr lang="fr-FR" sz="3600" dirty="0" smtClean="0">
@@ -6387,68 +6402,7 @@
                             </p:stCondLst>
                             <p:childTnLst>
                               <p:par>
-                                <p:cTn id="5" presetID="10" presetClass="entr" presetSubtype="0" fill="hold" nodeType="clickEffect">
-                                  <p:stCondLst>
-                                    <p:cond delay="0"/>
-                                  </p:stCondLst>
-                                  <p:childTnLst>
-                                    <p:set>
-                                      <p:cBhvr>
-                                        <p:cTn id="6" dur="1" fill="hold">
-                                          <p:stCondLst>
-                                            <p:cond delay="0"/>
-                                          </p:stCondLst>
-                                        </p:cTn>
-                                        <p:tgtEl>
-                                          <p:spTgt spid="3">
-                                            <p:txEl>
-                                              <p:pRg st="1" end="1"/>
-                                            </p:txEl>
-                                          </p:spTgt>
-                                        </p:tgtEl>
-                                        <p:attrNameLst>
-                                          <p:attrName>style.visibility</p:attrName>
-                                        </p:attrNameLst>
-                                      </p:cBhvr>
-                                      <p:to>
-                                        <p:strVal val="visible"/>
-                                      </p:to>
-                                    </p:set>
-                                    <p:animEffect transition="in" filter="fade">
-                                      <p:cBhvr>
-                                        <p:cTn id="7" dur="500"/>
-                                        <p:tgtEl>
-                                          <p:spTgt spid="3">
-                                            <p:txEl>
-                                              <p:pRg st="1" end="1"/>
-                                            </p:txEl>
-                                          </p:spTgt>
-                                        </p:tgtEl>
-                                      </p:cBhvr>
-                                    </p:animEffect>
-                                  </p:childTnLst>
-                                </p:cTn>
-                              </p:par>
-                            </p:childTnLst>
-                          </p:cTn>
-                        </p:par>
-                      </p:childTnLst>
-                    </p:cTn>
-                  </p:par>
-                  <p:par>
-                    <p:cTn id="8" fill="hold">
-                      <p:stCondLst>
-                        <p:cond delay="indefinite"/>
-                      </p:stCondLst>
-                      <p:childTnLst>
-                        <p:par>
-                          <p:cTn id="9" fill="hold">
-                            <p:stCondLst>
-                              <p:cond delay="0"/>
-                            </p:stCondLst>
-                            <p:childTnLst>
-                              <p:par>
-                                <p:cTn id="10" presetID="1" presetClass="entr" presetSubtype="0" fill="hold" nodeType="clickEffect">
+                                <p:cTn id="5" presetID="1" presetClass="entr" presetSubtype="0" fill="hold" nodeType="clickEffect">
                                   <p:stCondLst>
                                     <p:cond delay="0"/>
                                   </p:stCondLst>
@@ -6458,7 +6412,7 @@
                                   <p:childTnLst>
                                     <p:set>
                                       <p:cBhvr>
-                                        <p:cTn id="11" dur="1" fill="hold">
+                                        <p:cTn id="6" dur="1" fill="hold">
                                           <p:stCondLst>
                                             <p:cond delay="0"/>
                                           </p:stCondLst>
@@ -6485,13 +6439,13 @@
                           </p:cTn>
                         </p:par>
                         <p:par>
-                          <p:cTn id="12" fill="hold">
+                          <p:cTn id="7" fill="hold">
                             <p:stCondLst>
                               <p:cond delay="1301"/>
                             </p:stCondLst>
                             <p:childTnLst>
                               <p:par>
-                                <p:cTn id="13" presetID="1" presetClass="entr" presetSubtype="0" fill="hold" nodeType="afterEffect">
+                                <p:cTn id="8" presetID="1" presetClass="entr" presetSubtype="0" fill="hold" nodeType="afterEffect">
                                   <p:stCondLst>
                                     <p:cond delay="0"/>
                                   </p:stCondLst>
@@ -6501,7 +6455,7 @@
                                   <p:childTnLst>
                                     <p:set>
                                       <p:cBhvr>
-                                        <p:cTn id="14" dur="1" fill="hold">
+                                        <p:cTn id="9" dur="1" fill="hold">
                                           <p:stCondLst>
                                             <p:cond delay="0"/>
                                           </p:stCondLst>
@@ -6596,12 +6550,12 @@
               <a:buNone/>
             </a:pPr>
             <a:r>
-              <a:rPr lang="fr-FR" sz="4000" dirty="0" smtClean="0">
+              <a:rPr lang="fr-FR" sz="4000" dirty="0">
                 <a:solidFill>
                   <a:srgbClr val="3333CC"/>
                 </a:solidFill>
               </a:rPr>
-              <a:t>Que peut-être un test dans un if ?</a:t>
+              <a:t>Que peut être un test dans un if ?</a:t>
             </a:r>
           </a:p>
           <a:p>
@@ -6611,7 +6565,11 @@
             </a:pPr>
             <a:r>
               <a:rPr lang="fr-FR" sz="3600" dirty="0" smtClean="0"/>
-              <a:t>Un type </a:t>
+              <a:t>Un </a:t>
+            </a:r>
+            <a:r>
+              <a:rPr lang="fr-FR" sz="3600" dirty="0" smtClean="0"/>
+              <a:t>type </a:t>
             </a:r>
             <a:r>
               <a:rPr lang="fr-FR" sz="3600" dirty="0" err="1" smtClean="0"/>
@@ -6789,7 +6747,7 @@
                                         <p:tgtEl>
                                           <p:spTgt spid="3">
                                             <p:txEl>
-                                              <p:pRg st="1" end="1"/>
+                                              <p:pRg st="2" end="2"/>
                                             </p:txEl>
                                           </p:spTgt>
                                         </p:tgtEl>
@@ -6838,55 +6796,6 @@
                                         <p:tgtEl>
                                           <p:spTgt spid="3">
                                             <p:txEl>
-                                              <p:pRg st="2" end="2"/>
-                                            </p:txEl>
-                                          </p:spTgt>
-                                        </p:tgtEl>
-                                        <p:attrNameLst>
-                                          <p:attrName>style.visibility</p:attrName>
-                                        </p:attrNameLst>
-                                      </p:cBhvr>
-                                      <p:to>
-                                        <p:strVal val="visible"/>
-                                      </p:to>
-                                    </p:set>
-                                  </p:childTnLst>
-                                </p:cTn>
-                              </p:par>
-                            </p:childTnLst>
-                          </p:cTn>
-                        </p:par>
-                      </p:childTnLst>
-                    </p:cTn>
-                  </p:par>
-                  <p:par>
-                    <p:cTn id="11" fill="hold">
-                      <p:stCondLst>
-                        <p:cond delay="indefinite"/>
-                      </p:stCondLst>
-                      <p:childTnLst>
-                        <p:par>
-                          <p:cTn id="12" fill="hold">
-                            <p:stCondLst>
-                              <p:cond delay="0"/>
-                            </p:stCondLst>
-                            <p:childTnLst>
-                              <p:par>
-                                <p:cTn id="13" presetID="1" presetClass="entr" presetSubtype="0" fill="hold" nodeType="clickEffect">
-                                  <p:stCondLst>
-                                    <p:cond delay="0"/>
-                                  </p:stCondLst>
-                                  <p:childTnLst>
-                                    <p:set>
-                                      <p:cBhvr>
-                                        <p:cTn id="14" dur="1" fill="hold">
-                                          <p:stCondLst>
-                                            <p:cond delay="0"/>
-                                          </p:stCondLst>
-                                        </p:cTn>
-                                        <p:tgtEl>
-                                          <p:spTgt spid="3">
-                                            <p:txEl>
                                               <p:pRg st="3" end="3"/>
                                             </p:txEl>
                                           </p:spTgt>
@@ -6906,13 +6815,13 @@
                           </p:cTn>
                         </p:par>
                         <p:par>
-                          <p:cTn id="15" fill="hold">
+                          <p:cTn id="11" fill="hold">
                             <p:stCondLst>
                               <p:cond delay="0"/>
                             </p:stCondLst>
                             <p:childTnLst>
                               <p:par>
-                                <p:cTn id="16" presetID="1" presetClass="entr" presetSubtype="0" fill="hold" nodeType="afterEffect">
+                                <p:cTn id="12" presetID="1" presetClass="entr" presetSubtype="0" fill="hold" nodeType="afterEffect">
                                   <p:stCondLst>
                                     <p:cond delay="0"/>
                                   </p:stCondLst>
@@ -6922,7 +6831,7 @@
                                   <p:childTnLst>
                                     <p:set>
                                       <p:cBhvr>
-                                        <p:cTn id="17" dur="1" fill="hold">
+                                        <p:cTn id="13" dur="1" fill="hold">
                                           <p:stCondLst>
                                             <p:cond delay="0"/>
                                           </p:stCondLst>
@@ -6949,13 +6858,13 @@
                           </p:cTn>
                         </p:par>
                         <p:par>
-                          <p:cTn id="18" fill="hold">
+                          <p:cTn id="14" fill="hold">
                             <p:stCondLst>
                               <p:cond delay="1201"/>
                             </p:stCondLst>
                             <p:childTnLst>
                               <p:par>
-                                <p:cTn id="19" presetID="1" presetClass="entr" presetSubtype="0" fill="hold" nodeType="afterEffect">
+                                <p:cTn id="15" presetID="1" presetClass="entr" presetSubtype="0" fill="hold" nodeType="afterEffect">
                                   <p:stCondLst>
                                     <p:cond delay="0"/>
                                   </p:stCondLst>
@@ -6965,7 +6874,7 @@
                                   <p:childTnLst>
                                     <p:set>
                                       <p:cBhvr>
-                                        <p:cTn id="20" dur="1" fill="hold">
+                                        <p:cTn id="16" dur="1" fill="hold">
                                           <p:stCondLst>
                                             <p:cond delay="0"/>
                                           </p:stCondLst>
@@ -6992,13 +6901,13 @@
                           </p:cTn>
                         </p:par>
                         <p:par>
-                          <p:cTn id="21" fill="hold">
+                          <p:cTn id="17" fill="hold">
                             <p:stCondLst>
                               <p:cond delay="1502"/>
                             </p:stCondLst>
                             <p:childTnLst>
                               <p:par>
-                                <p:cTn id="22" presetID="1" presetClass="entr" presetSubtype="0" fill="hold" nodeType="afterEffect">
+                                <p:cTn id="18" presetID="1" presetClass="entr" presetSubtype="0" fill="hold" nodeType="afterEffect">
                                   <p:stCondLst>
                                     <p:cond delay="0"/>
                                   </p:stCondLst>
@@ -7008,7 +6917,7 @@
                                   <p:childTnLst>
                                     <p:set>
                                       <p:cBhvr>
-                                        <p:cTn id="23" dur="1" fill="hold">
+                                        <p:cTn id="19" dur="1" fill="hold">
                                           <p:stCondLst>
                                             <p:cond delay="0"/>
                                           </p:stCondLst>
@@ -7103,12 +7012,12 @@
               <a:buNone/>
             </a:pPr>
             <a:r>
-              <a:rPr lang="fr-FR" sz="4000" dirty="0" smtClean="0">
+              <a:rPr lang="fr-FR" sz="4000" dirty="0">
                 <a:solidFill>
                   <a:srgbClr val="3333CC"/>
                 </a:solidFill>
               </a:rPr>
-              <a:t>Que peut-être un test dans un if ?</a:t>
+              <a:t>Que peut être un test dans un if ?</a:t>
             </a:r>
           </a:p>
           <a:p>
@@ -7118,7 +7027,11 @@
             </a:pPr>
             <a:r>
               <a:rPr lang="fr-FR" sz="3600" dirty="0" smtClean="0"/>
-              <a:t>Un retour de fonction </a:t>
+              <a:t>Un </a:t>
+            </a:r>
+            <a:r>
+              <a:rPr lang="fr-FR" sz="3600" dirty="0" smtClean="0"/>
+              <a:t>retour de fonction </a:t>
             </a:r>
           </a:p>
           <a:p>
@@ -7274,7 +7187,7 @@
                                         <p:tgtEl>
                                           <p:spTgt spid="3">
                                             <p:txEl>
-                                              <p:pRg st="1" end="1"/>
+                                              <p:pRg st="2" end="2"/>
                                             </p:txEl>
                                           </p:spTgt>
                                         </p:tgtEl>
@@ -7323,7 +7236,7 @@
                                         <p:tgtEl>
                                           <p:spTgt spid="3">
                                             <p:txEl>
-                                              <p:pRg st="2" end="2"/>
+                                              <p:pRg st="3" end="3"/>
                                             </p:txEl>
                                           </p:spTgt>
                                         </p:tgtEl>
@@ -7361,62 +7274,13 @@
                                   <p:stCondLst>
                                     <p:cond delay="0"/>
                                   </p:stCondLst>
-                                  <p:childTnLst>
-                                    <p:set>
-                                      <p:cBhvr>
-                                        <p:cTn id="14" dur="1" fill="hold">
-                                          <p:stCondLst>
-                                            <p:cond delay="0"/>
-                                          </p:stCondLst>
-                                        </p:cTn>
-                                        <p:tgtEl>
-                                          <p:spTgt spid="3">
-                                            <p:txEl>
-                                              <p:pRg st="3" end="3"/>
-                                            </p:txEl>
-                                          </p:spTgt>
-                                        </p:tgtEl>
-                                        <p:attrNameLst>
-                                          <p:attrName>style.visibility</p:attrName>
-                                        </p:attrNameLst>
-                                      </p:cBhvr>
-                                      <p:to>
-                                        <p:strVal val="visible"/>
-                                      </p:to>
-                                    </p:set>
-                                  </p:childTnLst>
-                                </p:cTn>
-                              </p:par>
-                            </p:childTnLst>
-                          </p:cTn>
-                        </p:par>
-                      </p:childTnLst>
-                    </p:cTn>
-                  </p:par>
-                  <p:par>
-                    <p:cTn id="15" fill="hold">
-                      <p:stCondLst>
-                        <p:cond delay="indefinite"/>
-                      </p:stCondLst>
-                      <p:childTnLst>
-                        <p:par>
-                          <p:cTn id="16" fill="hold">
-                            <p:stCondLst>
-                              <p:cond delay="0"/>
-                            </p:stCondLst>
-                            <p:childTnLst>
-                              <p:par>
-                                <p:cTn id="17" presetID="1" presetClass="entr" presetSubtype="0" fill="hold" nodeType="clickEffect">
-                                  <p:stCondLst>
-                                    <p:cond delay="0"/>
-                                  </p:stCondLst>
                                   <p:iterate type="lt">
                                     <p:tmAbs val="100"/>
                                   </p:iterate>
                                   <p:childTnLst>
                                     <p:set>
                                       <p:cBhvr>
-                                        <p:cTn id="18" dur="1" fill="hold">
+                                        <p:cTn id="14" dur="1" fill="hold">
                                           <p:stCondLst>
                                             <p:cond delay="0"/>
                                           </p:stCondLst>
@@ -7443,13 +7307,13 @@
                           </p:cTn>
                         </p:par>
                         <p:par>
-                          <p:cTn id="19" fill="hold">
+                          <p:cTn id="15" fill="hold">
                             <p:stCondLst>
                               <p:cond delay="601"/>
                             </p:stCondLst>
                             <p:childTnLst>
                               <p:par>
-                                <p:cTn id="20" presetID="1" presetClass="entr" presetSubtype="0" fill="hold" nodeType="afterEffect">
+                                <p:cTn id="16" presetID="1" presetClass="entr" presetSubtype="0" fill="hold" nodeType="afterEffect">
                                   <p:stCondLst>
                                     <p:cond delay="0"/>
                                   </p:stCondLst>
@@ -7459,7 +7323,7 @@
                                   <p:childTnLst>
                                     <p:set>
                                       <p:cBhvr>
-                                        <p:cTn id="21" dur="1" fill="hold">
+                                        <p:cTn id="17" dur="1" fill="hold">
                                           <p:stCondLst>
                                             <p:cond delay="0"/>
                                           </p:stCondLst>
@@ -7486,13 +7350,13 @@
                           </p:cTn>
                         </p:par>
                         <p:par>
-                          <p:cTn id="22" fill="hold">
+                          <p:cTn id="18" fill="hold">
                             <p:stCondLst>
                               <p:cond delay="1902"/>
                             </p:stCondLst>
                             <p:childTnLst>
                               <p:par>
-                                <p:cTn id="23" presetID="1" presetClass="entr" presetSubtype="0" fill="hold" nodeType="afterEffect">
+                                <p:cTn id="19" presetID="1" presetClass="entr" presetSubtype="0" fill="hold" nodeType="afterEffect">
                                   <p:stCondLst>
                                     <p:cond delay="0"/>
                                   </p:stCondLst>
@@ -7502,7 +7366,7 @@
                                   <p:childTnLst>
                                     <p:set>
                                       <p:cBhvr>
-                                        <p:cTn id="24" dur="1" fill="hold">
+                                        <p:cTn id="20" dur="1" fill="hold">
                                           <p:stCondLst>
                                             <p:cond delay="0"/>
                                           </p:stCondLst>
@@ -7597,12 +7461,12 @@
               <a:buNone/>
             </a:pPr>
             <a:r>
-              <a:rPr lang="fr-FR" sz="4000" dirty="0" smtClean="0">
+              <a:rPr lang="fr-FR" sz="4000" dirty="0">
                 <a:solidFill>
                   <a:srgbClr val="3333CC"/>
                 </a:solidFill>
               </a:rPr>
-              <a:t>Que peut-être un test dans un if ?</a:t>
+              <a:t>Que peut être un test dans un if ?</a:t>
             </a:r>
           </a:p>
           <a:p>
@@ -7612,7 +7476,11 @@
             </a:pPr>
             <a:r>
               <a:rPr lang="fr-FR" sz="3600" dirty="0" smtClean="0"/>
-              <a:t>Un opérateur de test booléen </a:t>
+              <a:t>Un </a:t>
+            </a:r>
+            <a:r>
+              <a:rPr lang="fr-FR" sz="3600" dirty="0" smtClean="0"/>
+              <a:t>opérateur de test booléen </a:t>
             </a:r>
             <a:r>
               <a:rPr lang="fr-FR" sz="3600" dirty="0" smtClean="0">
@@ -7992,7 +7860,7 @@
                                         <p:tgtEl>
                                           <p:spTgt spid="3">
                                             <p:txEl>
-                                              <p:pRg st="1" end="1"/>
+                                              <p:pRg st="2" end="2"/>
                                             </p:txEl>
                                           </p:spTgt>
                                         </p:tgtEl>
@@ -8041,7 +7909,7 @@
                                         <p:tgtEl>
                                           <p:spTgt spid="3">
                                             <p:txEl>
-                                              <p:pRg st="2" end="2"/>
+                                              <p:pRg st="3" end="3"/>
                                             </p:txEl>
                                           </p:spTgt>
                                         </p:tgtEl>
@@ -8090,7 +7958,7 @@
                                         <p:tgtEl>
                                           <p:spTgt spid="3">
                                             <p:txEl>
-                                              <p:pRg st="3" end="3"/>
+                                              <p:pRg st="4" end="4"/>
                                             </p:txEl>
                                           </p:spTgt>
                                         </p:tgtEl>
@@ -8128,62 +7996,13 @@
                                   <p:stCondLst>
                                     <p:cond delay="0"/>
                                   </p:stCondLst>
-                                  <p:childTnLst>
-                                    <p:set>
-                                      <p:cBhvr>
-                                        <p:cTn id="18" dur="1" fill="hold">
-                                          <p:stCondLst>
-                                            <p:cond delay="0"/>
-                                          </p:stCondLst>
-                                        </p:cTn>
-                                        <p:tgtEl>
-                                          <p:spTgt spid="3">
-                                            <p:txEl>
-                                              <p:pRg st="4" end="4"/>
-                                            </p:txEl>
-                                          </p:spTgt>
-                                        </p:tgtEl>
-                                        <p:attrNameLst>
-                                          <p:attrName>style.visibility</p:attrName>
-                                        </p:attrNameLst>
-                                      </p:cBhvr>
-                                      <p:to>
-                                        <p:strVal val="visible"/>
-                                      </p:to>
-                                    </p:set>
-                                  </p:childTnLst>
-                                </p:cTn>
-                              </p:par>
-                            </p:childTnLst>
-                          </p:cTn>
-                        </p:par>
-                      </p:childTnLst>
-                    </p:cTn>
-                  </p:par>
-                  <p:par>
-                    <p:cTn id="19" fill="hold">
-                      <p:stCondLst>
-                        <p:cond delay="indefinite"/>
-                      </p:stCondLst>
-                      <p:childTnLst>
-                        <p:par>
-                          <p:cTn id="20" fill="hold">
-                            <p:stCondLst>
-                              <p:cond delay="0"/>
-                            </p:stCondLst>
-                            <p:childTnLst>
-                              <p:par>
-                                <p:cTn id="21" presetID="1" presetClass="entr" presetSubtype="0" fill="hold" nodeType="clickEffect">
-                                  <p:stCondLst>
-                                    <p:cond delay="0"/>
-                                  </p:stCondLst>
                                   <p:iterate type="lt">
                                     <p:tmAbs val="100"/>
                                   </p:iterate>
                                   <p:childTnLst>
                                     <p:set>
                                       <p:cBhvr>
-                                        <p:cTn id="22" dur="1" fill="hold">
+                                        <p:cTn id="18" dur="1" fill="hold">
                                           <p:stCondLst>
                                             <p:cond delay="0"/>
                                           </p:stCondLst>
@@ -8210,13 +8029,13 @@
                           </p:cTn>
                         </p:par>
                         <p:par>
-                          <p:cTn id="23" fill="hold">
+                          <p:cTn id="19" fill="hold">
                             <p:stCondLst>
                               <p:cond delay="601"/>
                             </p:stCondLst>
                             <p:childTnLst>
                               <p:par>
-                                <p:cTn id="24" presetID="1" presetClass="entr" presetSubtype="0" fill="hold" nodeType="afterEffect">
+                                <p:cTn id="20" presetID="1" presetClass="entr" presetSubtype="0" fill="hold" nodeType="afterEffect">
                                   <p:stCondLst>
                                     <p:cond delay="0"/>
                                   </p:stCondLst>
@@ -8226,7 +8045,7 @@
                                   <p:childTnLst>
                                     <p:set>
                                       <p:cBhvr>
-                                        <p:cTn id="25" dur="1" fill="hold">
+                                        <p:cTn id="21" dur="1" fill="hold">
                                           <p:stCondLst>
                                             <p:cond delay="0"/>
                                           </p:stCondLst>
@@ -8253,13 +8072,13 @@
                           </p:cTn>
                         </p:par>
                         <p:par>
-                          <p:cTn id="26" fill="hold">
+                          <p:cTn id="22" fill="hold">
                             <p:stCondLst>
                               <p:cond delay="2802"/>
                             </p:stCondLst>
                             <p:childTnLst>
                               <p:par>
-                                <p:cTn id="27" presetID="1" presetClass="entr" presetSubtype="0" fill="hold" nodeType="afterEffect">
+                                <p:cTn id="23" presetID="1" presetClass="entr" presetSubtype="0" fill="hold" nodeType="afterEffect">
                                   <p:stCondLst>
                                     <p:cond delay="0"/>
                                   </p:stCondLst>
@@ -8269,7 +8088,7 @@
                                   <p:childTnLst>
                                     <p:set>
                                       <p:cBhvr>
-                                        <p:cTn id="28" dur="1" fill="hold">
+                                        <p:cTn id="24" dur="1" fill="hold">
                                           <p:stCondLst>
                                             <p:cond delay="0"/>
                                           </p:stCondLst>
